--- a/Quizproject/Presentation/Quiz Project Presentation.pptx
+++ b/Quizproject/Presentation/Quiz Project Presentation.pptx
@@ -15044,13 +15044,12 @@
           <p:cNvPicPr preferRelativeResize="0"/>
           <p:nvPr/>
         </p:nvPicPr>
-        <p:blipFill>
+        <p:blipFill rotWithShape="1">
           <a:blip r:embed="rId3">
             <a:alphaModFix/>
           </a:blip>
-          <a:stretch>
-            <a:fillRect/>
-          </a:stretch>
+          <a:srcRect b="219" l="0" r="0" t="228"/>
+          <a:stretch/>
         </p:blipFill>
         <p:spPr>
           <a:xfrm>
@@ -15322,18 +15321,17 @@
           <p:cNvPicPr preferRelativeResize="0"/>
           <p:nvPr/>
         </p:nvPicPr>
-        <p:blipFill>
+        <p:blipFill rotWithShape="1">
           <a:blip r:embed="rId3">
             <a:alphaModFix/>
           </a:blip>
-          <a:stretch>
-            <a:fillRect/>
-          </a:stretch>
+          <a:srcRect b="0" l="606" r="0" t="0"/>
+          <a:stretch/>
         </p:blipFill>
         <p:spPr>
           <a:xfrm>
-            <a:off x="3509100" y="1081500"/>
-            <a:ext cx="5280250" cy="3723500"/>
+            <a:off x="3760125" y="1008050"/>
+            <a:ext cx="4805025" cy="3849576"/>
           </a:xfrm>
           <a:prstGeom prst="rect">
             <a:avLst/>
@@ -15578,8 +15576,8 @@
         </p:blipFill>
         <p:spPr>
           <a:xfrm>
-            <a:off x="3280800" y="1078275"/>
-            <a:ext cx="5711474" cy="3828675"/>
+            <a:off x="2924450" y="1218100"/>
+            <a:ext cx="6098473" cy="3243476"/>
           </a:xfrm>
           <a:prstGeom prst="rect">
             <a:avLst/>
@@ -18129,37 +18127,9 @@
           </a:p>
         </p:txBody>
       </p:sp>
-      <p:pic>
-        <p:nvPicPr>
+      <p:sp>
+        <p:nvSpPr>
           <p:cNvPr id="310" name="Google Shape;310;p49"/>
-          <p:cNvPicPr preferRelativeResize="0"/>
-          <p:nvPr/>
-        </p:nvPicPr>
-        <p:blipFill>
-          <a:blip r:embed="rId3">
-            <a:alphaModFix/>
-          </a:blip>
-          <a:stretch>
-            <a:fillRect/>
-          </a:stretch>
-        </p:blipFill>
-        <p:spPr>
-          <a:xfrm>
-            <a:off x="4162741" y="1357738"/>
-            <a:ext cx="4439209" cy="3020024"/>
-          </a:xfrm>
-          <a:prstGeom prst="rect">
-            <a:avLst/>
-          </a:prstGeom>
-          <a:noFill/>
-          <a:ln>
-            <a:noFill/>
-          </a:ln>
-        </p:spPr>
-      </p:pic>
-      <p:sp>
-        <p:nvSpPr>
-          <p:cNvPr id="311" name="Google Shape;311;p49"/>
           <p:cNvSpPr txBox="1"/>
           <p:nvPr/>
         </p:nvSpPr>
@@ -18224,6 +18194,33 @@
           </a:p>
         </p:txBody>
       </p:sp>
+      <p:pic>
+        <p:nvPicPr>
+          <p:cNvPr id="311" name="Google Shape;311;p49"/>
+          <p:cNvPicPr preferRelativeResize="0"/>
+          <p:nvPr/>
+        </p:nvPicPr>
+        <p:blipFill rotWithShape="1">
+          <a:blip r:embed="rId3">
+            <a:alphaModFix/>
+          </a:blip>
+          <a:srcRect b="0" l="0" r="0" t="0"/>
+          <a:stretch/>
+        </p:blipFill>
+        <p:spPr>
+          <a:xfrm>
+            <a:off x="3579700" y="1099550"/>
+            <a:ext cx="4777525" cy="3306875"/>
+          </a:xfrm>
+          <a:prstGeom prst="rect">
+            <a:avLst/>
+          </a:prstGeom>
+          <a:noFill/>
+          <a:ln>
+            <a:noFill/>
+          </a:ln>
+        </p:spPr>
+      </p:pic>
     </p:spTree>
   </p:cSld>
   <p:clrMapOvr>
@@ -18614,9 +18611,64 @@
           </a:p>
         </p:txBody>
       </p:sp>
+      <p:sp>
+        <p:nvSpPr>
+          <p:cNvPr id="324" name="Google Shape;324;p51"/>
+          <p:cNvSpPr txBox="1"/>
+          <p:nvPr/>
+        </p:nvSpPr>
+        <p:spPr>
+          <a:xfrm>
+            <a:off x="403625" y="1213350"/>
+            <a:ext cx="2613600" cy="2716800"/>
+          </a:xfrm>
+          <a:prstGeom prst="rect">
+            <a:avLst/>
+          </a:prstGeom>
+          <a:noFill/>
+          <a:ln>
+            <a:noFill/>
+          </a:ln>
+        </p:spPr>
+        <p:txBody>
+          <a:bodyPr anchorCtr="0" anchor="t" bIns="91425" lIns="91425" spcFirstLastPara="1" rIns="91425" wrap="square" tIns="91425">
+            <a:spAutoFit/>
+          </a:bodyPr>
+          <a:lstStyle/>
+          <a:p>
+            <a:pPr indent="0" lvl="0" marL="0" rtl="0" algn="l">
+              <a:spcBef>
+                <a:spcPts val="0"/>
+              </a:spcBef>
+              <a:spcAft>
+                <a:spcPts val="0"/>
+              </a:spcAft>
+              <a:buClr>
+                <a:schemeClr val="dk1"/>
+              </a:buClr>
+              <a:buSzPts val="1100"/>
+              <a:buFont typeface="Arial"/>
+              <a:buNone/>
+            </a:pPr>
+            <a:r>
+              <a:rPr lang="en-GB" sz="2350">
+                <a:solidFill>
+                  <a:srgbClr val="F3F3F3"/>
+                </a:solidFill>
+                <a:latin typeface="Verdana"/>
+                <a:ea typeface="Verdana"/>
+                <a:cs typeface="Verdana"/>
+                <a:sym typeface="Verdana"/>
+              </a:rPr>
+              <a:t>after submitting the quiz, this screen will open, to display the student's score and answer sheet.</a:t>
+            </a:r>
+            <a:endParaRPr sz="2350"/>
+          </a:p>
+        </p:txBody>
+      </p:sp>
       <p:pic>
         <p:nvPicPr>
-          <p:cNvPr id="324" name="Google Shape;324;p51"/>
+          <p:cNvPr id="325" name="Google Shape;325;p51"/>
           <p:cNvPicPr preferRelativeResize="0"/>
           <p:nvPr/>
         </p:nvPicPr>
@@ -18630,8 +18682,8 @@
         </p:blipFill>
         <p:spPr>
           <a:xfrm>
-            <a:off x="3738050" y="1161325"/>
-            <a:ext cx="5023900" cy="3466375"/>
+            <a:off x="3147550" y="1181625"/>
+            <a:ext cx="5821974" cy="3241844"/>
           </a:xfrm>
           <a:prstGeom prst="rect">
             <a:avLst/>
@@ -18642,61 +18694,6 @@
           </a:ln>
         </p:spPr>
       </p:pic>
-      <p:sp>
-        <p:nvSpPr>
-          <p:cNvPr id="325" name="Google Shape;325;p51"/>
-          <p:cNvSpPr txBox="1"/>
-          <p:nvPr/>
-        </p:nvSpPr>
-        <p:spPr>
-          <a:xfrm>
-            <a:off x="403625" y="1213350"/>
-            <a:ext cx="2613600" cy="2716800"/>
-          </a:xfrm>
-          <a:prstGeom prst="rect">
-            <a:avLst/>
-          </a:prstGeom>
-          <a:noFill/>
-          <a:ln>
-            <a:noFill/>
-          </a:ln>
-        </p:spPr>
-        <p:txBody>
-          <a:bodyPr anchorCtr="0" anchor="t" bIns="91425" lIns="91425" spcFirstLastPara="1" rIns="91425" wrap="square" tIns="91425">
-            <a:spAutoFit/>
-          </a:bodyPr>
-          <a:lstStyle/>
-          <a:p>
-            <a:pPr indent="0" lvl="0" marL="0" rtl="0" algn="l">
-              <a:spcBef>
-                <a:spcPts val="0"/>
-              </a:spcBef>
-              <a:spcAft>
-                <a:spcPts val="0"/>
-              </a:spcAft>
-              <a:buClr>
-                <a:schemeClr val="dk1"/>
-              </a:buClr>
-              <a:buSzPts val="1100"/>
-              <a:buFont typeface="Arial"/>
-              <a:buNone/>
-            </a:pPr>
-            <a:r>
-              <a:rPr lang="en-GB" sz="2350">
-                <a:solidFill>
-                  <a:srgbClr val="F3F3F3"/>
-                </a:solidFill>
-                <a:latin typeface="Verdana"/>
-                <a:ea typeface="Verdana"/>
-                <a:cs typeface="Verdana"/>
-                <a:sym typeface="Verdana"/>
-              </a:rPr>
-              <a:t>after submitting the quiz, this screen will open, to display the student's score and answer sheet.</a:t>
-            </a:r>
-            <a:endParaRPr sz="2350"/>
-          </a:p>
-        </p:txBody>
-      </p:sp>
     </p:spTree>
   </p:cSld>
   <p:clrMapOvr>
@@ -23524,6 +23521,285 @@
 </file>
 
 <file path=ppt/theme/theme1.xml><?xml version="1.0" encoding="utf-8"?>
+<a:theme xmlns:a="http://schemas.openxmlformats.org/drawingml/2006/main" xmlns:r="http://schemas.openxmlformats.org/officeDocument/2006/relationships">
+  <a:themeElements>
+    <a:clrScheme name="Default">
+      <a:dk1>
+        <a:srgbClr val="000000"/>
+      </a:dk1>
+      <a:lt1>
+        <a:srgbClr val="FFFFFF"/>
+      </a:lt1>
+      <a:dk2>
+        <a:srgbClr val="158158"/>
+      </a:dk2>
+      <a:lt2>
+        <a:srgbClr val="F3F3F3"/>
+      </a:lt2>
+      <a:accent1>
+        <a:srgbClr val="058DC7"/>
+      </a:accent1>
+      <a:accent2>
+        <a:srgbClr val="50B432"/>
+      </a:accent2>
+      <a:accent3>
+        <a:srgbClr val="ED561B"/>
+      </a:accent3>
+      <a:accent4>
+        <a:srgbClr val="EDEF00"/>
+      </a:accent4>
+      <a:accent5>
+        <a:srgbClr val="24CBE5"/>
+      </a:accent5>
+      <a:accent6>
+        <a:srgbClr val="64E572"/>
+      </a:accent6>
+      <a:hlink>
+        <a:srgbClr val="2200CC"/>
+      </a:hlink>
+      <a:folHlink>
+        <a:srgbClr val="551A8B"/>
+      </a:folHlink>
+    </a:clrScheme>
+    <a:fontScheme name="Office">
+      <a:majorFont>
+        <a:latin typeface="Arial"/>
+        <a:ea typeface=""/>
+        <a:cs typeface=""/>
+        <a:font script="Jpan" typeface="ＭＳ Ｐゴシック"/>
+        <a:font script="Hang" typeface="맑은 고딕"/>
+        <a:font script="Hans" typeface="宋体"/>
+        <a:font script="Hant" typeface="新細明體"/>
+        <a:font script="Arab" typeface="Times New Roman"/>
+        <a:font script="Hebr" typeface="Times New Roman"/>
+        <a:font script="Thai" typeface="Angsana New"/>
+        <a:font script="Ethi" typeface="Nyala"/>
+        <a:font script="Beng" typeface="Vrinda"/>
+        <a:font script="Gujr" typeface="Shruti"/>
+        <a:font script="Khmr" typeface="MoolBoran"/>
+        <a:font script="Knda" typeface="Tunga"/>
+        <a:font script="Guru" typeface="Raavi"/>
+        <a:font script="Cans" typeface="Euphemia"/>
+        <a:font script="Cher" typeface="Plantagenet Cherokee"/>
+        <a:font script="Yiii" typeface="Microsoft Yi Baiti"/>
+        <a:font script="Tibt" typeface="Microsoft Himalaya"/>
+        <a:font script="Thaa" typeface="MV Boli"/>
+        <a:font script="Deva" typeface="Mangal"/>
+        <a:font script="Telu" typeface="Gautami"/>
+        <a:font script="Taml" typeface="Latha"/>
+        <a:font script="Syrc" typeface="Estrangelo Edessa"/>
+        <a:font script="Orya" typeface="Kalinga"/>
+        <a:font script="Mlym" typeface="Kartika"/>
+        <a:font script="Laoo" typeface="DokChampa"/>
+        <a:font script="Sinh" typeface="Iskoola Pota"/>
+        <a:font script="Mong" typeface="Mongolian Baiti"/>
+        <a:font script="Viet" typeface="Times New Roman"/>
+        <a:font script="Uigh" typeface="Microsoft Uighur"/>
+        <a:font script="Geor" typeface="Sylfaen"/>
+      </a:majorFont>
+      <a:minorFont>
+        <a:latin typeface="Arial"/>
+        <a:ea typeface=""/>
+        <a:cs typeface=""/>
+        <a:font script="Jpan" typeface="ＭＳ Ｐゴシック"/>
+        <a:font script="Hang" typeface="맑은 고딕"/>
+        <a:font script="Hans" typeface="宋体"/>
+        <a:font script="Hant" typeface="新細明體"/>
+        <a:font script="Arab" typeface="Arial"/>
+        <a:font script="Hebr" typeface="Arial"/>
+        <a:font script="Thai" typeface="Cordia New"/>
+        <a:font script="Ethi" typeface="Nyala"/>
+        <a:font script="Beng" typeface="Vrinda"/>
+        <a:font script="Gujr" typeface="Shruti"/>
+        <a:font script="Khmr" typeface="DaunPenh"/>
+        <a:font script="Knda" typeface="Tunga"/>
+        <a:font script="Guru" typeface="Raavi"/>
+        <a:font script="Cans" typeface="Euphemia"/>
+        <a:font script="Cher" typeface="Plantagenet Cherokee"/>
+        <a:font script="Yiii" typeface="Microsoft Yi Baiti"/>
+        <a:font script="Tibt" typeface="Microsoft Himalaya"/>
+        <a:font script="Thaa" typeface="MV Boli"/>
+        <a:font script="Deva" typeface="Mangal"/>
+        <a:font script="Telu" typeface="Gautami"/>
+        <a:font script="Taml" typeface="Latha"/>
+        <a:font script="Syrc" typeface="Estrangelo Edessa"/>
+        <a:font script="Orya" typeface="Kalinga"/>
+        <a:font script="Mlym" typeface="Kartika"/>
+        <a:font script="Laoo" typeface="DokChampa"/>
+        <a:font script="Sinh" typeface="Iskoola Pota"/>
+        <a:font script="Mong" typeface="Mongolian Baiti"/>
+        <a:font script="Viet" typeface="Arial"/>
+        <a:font script="Uigh" typeface="Microsoft Uighur"/>
+        <a:font script="Geor" typeface="Sylfaen"/>
+      </a:minorFont>
+    </a:fontScheme>
+    <a:fmtScheme name="Office">
+      <a:fillStyleLst>
+        <a:solidFill>
+          <a:schemeClr val="phClr"/>
+        </a:solidFill>
+        <a:gradFill rotWithShape="1">
+          <a:gsLst>
+            <a:gs pos="0">
+              <a:schemeClr val="phClr">
+                <a:tint val="50000"/>
+                <a:satMod val="300000"/>
+              </a:schemeClr>
+            </a:gs>
+            <a:gs pos="35000">
+              <a:schemeClr val="phClr">
+                <a:tint val="37000"/>
+                <a:satMod val="300000"/>
+              </a:schemeClr>
+            </a:gs>
+            <a:gs pos="100000">
+              <a:schemeClr val="phClr">
+                <a:tint val="15000"/>
+                <a:satMod val="350000"/>
+              </a:schemeClr>
+            </a:gs>
+          </a:gsLst>
+          <a:lin ang="16200000" scaled="1"/>
+        </a:gradFill>
+        <a:gradFill rotWithShape="1">
+          <a:gsLst>
+            <a:gs pos="0">
+              <a:schemeClr val="phClr">
+                <a:tint val="100000"/>
+                <a:shade val="100000"/>
+                <a:satMod val="130000"/>
+              </a:schemeClr>
+            </a:gs>
+            <a:gs pos="100000">
+              <a:schemeClr val="phClr">
+                <a:tint val="50000"/>
+                <a:shade val="100000"/>
+                <a:satMod val="350000"/>
+              </a:schemeClr>
+            </a:gs>
+          </a:gsLst>
+          <a:lin ang="16200000" scaled="0"/>
+        </a:gradFill>
+      </a:fillStyleLst>
+      <a:lnStyleLst>
+        <a:ln w="9525" cap="flat" cmpd="sng" algn="ctr">
+          <a:solidFill>
+            <a:schemeClr val="phClr">
+              <a:shade val="95000"/>
+              <a:satMod val="105000"/>
+            </a:schemeClr>
+          </a:solidFill>
+          <a:prstDash val="solid"/>
+        </a:ln>
+        <a:ln w="25400" cap="flat" cmpd="sng" algn="ctr">
+          <a:solidFill>
+            <a:schemeClr val="phClr"/>
+          </a:solidFill>
+          <a:prstDash val="solid"/>
+        </a:ln>
+        <a:ln w="38100" cap="flat" cmpd="sng" algn="ctr">
+          <a:solidFill>
+            <a:schemeClr val="phClr"/>
+          </a:solidFill>
+          <a:prstDash val="solid"/>
+        </a:ln>
+      </a:lnStyleLst>
+      <a:effectStyleLst>
+        <a:effectStyle>
+          <a:effectLst>
+            <a:outerShdw blurRad="40000" dist="20000" dir="5400000" rotWithShape="0">
+              <a:srgbClr val="000000">
+                <a:alpha val="38000"/>
+              </a:srgbClr>
+            </a:outerShdw>
+          </a:effectLst>
+        </a:effectStyle>
+        <a:effectStyle>
+          <a:effectLst>
+            <a:outerShdw blurRad="40000" dist="23000" dir="5400000" rotWithShape="0">
+              <a:srgbClr val="000000">
+                <a:alpha val="35000"/>
+              </a:srgbClr>
+            </a:outerShdw>
+          </a:effectLst>
+        </a:effectStyle>
+        <a:effectStyle>
+          <a:effectLst>
+            <a:outerShdw blurRad="40000" dist="23000" dir="5400000" rotWithShape="0">
+              <a:srgbClr val="000000">
+                <a:alpha val="35000"/>
+              </a:srgbClr>
+            </a:outerShdw>
+          </a:effectLst>
+          <a:scene3d>
+            <a:camera prst="orthographicFront">
+              <a:rot lat="0" lon="0" rev="0"/>
+            </a:camera>
+            <a:lightRig rig="threePt" dir="t">
+              <a:rot lat="0" lon="0" rev="1200000"/>
+            </a:lightRig>
+          </a:scene3d>
+          <a:sp3d>
+            <a:bevelT w="63500" h="25400"/>
+          </a:sp3d>
+        </a:effectStyle>
+      </a:effectStyleLst>
+      <a:bgFillStyleLst>
+        <a:solidFill>
+          <a:schemeClr val="phClr"/>
+        </a:solidFill>
+        <a:gradFill rotWithShape="1">
+          <a:gsLst>
+            <a:gs pos="0">
+              <a:schemeClr val="phClr">
+                <a:tint val="40000"/>
+                <a:satMod val="350000"/>
+              </a:schemeClr>
+            </a:gs>
+            <a:gs pos="40000">
+              <a:schemeClr val="phClr">
+                <a:tint val="45000"/>
+                <a:shade val="99000"/>
+                <a:satMod val="350000"/>
+              </a:schemeClr>
+            </a:gs>
+            <a:gs pos="100000">
+              <a:schemeClr val="phClr">
+                <a:shade val="20000"/>
+                <a:satMod val="255000"/>
+              </a:schemeClr>
+            </a:gs>
+          </a:gsLst>
+          <a:path path="circle">
+            <a:fillToRect l="50000" t="-80000" r="50000" b="180000"/>
+          </a:path>
+        </a:gradFill>
+        <a:gradFill rotWithShape="1">
+          <a:gsLst>
+            <a:gs pos="0">
+              <a:schemeClr val="phClr">
+                <a:tint val="80000"/>
+                <a:satMod val="300000"/>
+              </a:schemeClr>
+            </a:gs>
+            <a:gs pos="100000">
+              <a:schemeClr val="phClr">
+                <a:shade val="30000"/>
+                <a:satMod val="200000"/>
+              </a:schemeClr>
+            </a:gs>
+          </a:gsLst>
+          <a:path path="circle">
+            <a:fillToRect l="50000" t="50000" r="50000" b="50000"/>
+          </a:path>
+        </a:gradFill>
+      </a:bgFillStyleLst>
+    </a:fmtScheme>
+  </a:themeElements>
+</a:theme>
+</file>
+
+<file path=ppt/theme/theme2.xml><?xml version="1.0" encoding="utf-8"?>
 <a:theme xmlns:a="http://schemas.openxmlformats.org/drawingml/2006/main" xmlns:r="http://schemas.openxmlformats.org/officeDocument/2006/relationships" name="Simple Light">
   <a:themeElements>
     <a:clrScheme name="Simple Light">
@@ -23800,283 +24076,4 @@
     </a:fmtScheme>
   </a:themeElements>
 </a:theme>
-</file>
-
-<file path=ppt/theme/theme2.xml><?xml version="1.0" encoding="utf-8"?>
-<a:theme xmlns:a="http://schemas.openxmlformats.org/drawingml/2006/main" xmlns:r="http://schemas.openxmlformats.org/officeDocument/2006/relationships">
-  <a:themeElements>
-    <a:clrScheme name="Default">
-      <a:dk1>
-        <a:srgbClr val="000000"/>
-      </a:dk1>
-      <a:lt1>
-        <a:srgbClr val="FFFFFF"/>
-      </a:lt1>
-      <a:dk2>
-        <a:srgbClr val="158158"/>
-      </a:dk2>
-      <a:lt2>
-        <a:srgbClr val="F3F3F3"/>
-      </a:lt2>
-      <a:accent1>
-        <a:srgbClr val="058DC7"/>
-      </a:accent1>
-      <a:accent2>
-        <a:srgbClr val="50B432"/>
-      </a:accent2>
-      <a:accent3>
-        <a:srgbClr val="ED561B"/>
-      </a:accent3>
-      <a:accent4>
-        <a:srgbClr val="EDEF00"/>
-      </a:accent4>
-      <a:accent5>
-        <a:srgbClr val="24CBE5"/>
-      </a:accent5>
-      <a:accent6>
-        <a:srgbClr val="64E572"/>
-      </a:accent6>
-      <a:hlink>
-        <a:srgbClr val="2200CC"/>
-      </a:hlink>
-      <a:folHlink>
-        <a:srgbClr val="551A8B"/>
-      </a:folHlink>
-    </a:clrScheme>
-    <a:fontScheme name="Office">
-      <a:majorFont>
-        <a:latin typeface="Arial"/>
-        <a:ea typeface=""/>
-        <a:cs typeface=""/>
-        <a:font script="Jpan" typeface="ＭＳ Ｐゴシック"/>
-        <a:font script="Hang" typeface="맑은 고딕"/>
-        <a:font script="Hans" typeface="宋体"/>
-        <a:font script="Hant" typeface="新細明體"/>
-        <a:font script="Arab" typeface="Times New Roman"/>
-        <a:font script="Hebr" typeface="Times New Roman"/>
-        <a:font script="Thai" typeface="Angsana New"/>
-        <a:font script="Ethi" typeface="Nyala"/>
-        <a:font script="Beng" typeface="Vrinda"/>
-        <a:font script="Gujr" typeface="Shruti"/>
-        <a:font script="Khmr" typeface="MoolBoran"/>
-        <a:font script="Knda" typeface="Tunga"/>
-        <a:font script="Guru" typeface="Raavi"/>
-        <a:font script="Cans" typeface="Euphemia"/>
-        <a:font script="Cher" typeface="Plantagenet Cherokee"/>
-        <a:font script="Yiii" typeface="Microsoft Yi Baiti"/>
-        <a:font script="Tibt" typeface="Microsoft Himalaya"/>
-        <a:font script="Thaa" typeface="MV Boli"/>
-        <a:font script="Deva" typeface="Mangal"/>
-        <a:font script="Telu" typeface="Gautami"/>
-        <a:font script="Taml" typeface="Latha"/>
-        <a:font script="Syrc" typeface="Estrangelo Edessa"/>
-        <a:font script="Orya" typeface="Kalinga"/>
-        <a:font script="Mlym" typeface="Kartika"/>
-        <a:font script="Laoo" typeface="DokChampa"/>
-        <a:font script="Sinh" typeface="Iskoola Pota"/>
-        <a:font script="Mong" typeface="Mongolian Baiti"/>
-        <a:font script="Viet" typeface="Times New Roman"/>
-        <a:font script="Uigh" typeface="Microsoft Uighur"/>
-        <a:font script="Geor" typeface="Sylfaen"/>
-      </a:majorFont>
-      <a:minorFont>
-        <a:latin typeface="Arial"/>
-        <a:ea typeface=""/>
-        <a:cs typeface=""/>
-        <a:font script="Jpan" typeface="ＭＳ Ｐゴシック"/>
-        <a:font script="Hang" typeface="맑은 고딕"/>
-        <a:font script="Hans" typeface="宋体"/>
-        <a:font script="Hant" typeface="新細明體"/>
-        <a:font script="Arab" typeface="Arial"/>
-        <a:font script="Hebr" typeface="Arial"/>
-        <a:font script="Thai" typeface="Cordia New"/>
-        <a:font script="Ethi" typeface="Nyala"/>
-        <a:font script="Beng" typeface="Vrinda"/>
-        <a:font script="Gujr" typeface="Shruti"/>
-        <a:font script="Khmr" typeface="DaunPenh"/>
-        <a:font script="Knda" typeface="Tunga"/>
-        <a:font script="Guru" typeface="Raavi"/>
-        <a:font script="Cans" typeface="Euphemia"/>
-        <a:font script="Cher" typeface="Plantagenet Cherokee"/>
-        <a:font script="Yiii" typeface="Microsoft Yi Baiti"/>
-        <a:font script="Tibt" typeface="Microsoft Himalaya"/>
-        <a:font script="Thaa" typeface="MV Boli"/>
-        <a:font script="Deva" typeface="Mangal"/>
-        <a:font script="Telu" typeface="Gautami"/>
-        <a:font script="Taml" typeface="Latha"/>
-        <a:font script="Syrc" typeface="Estrangelo Edessa"/>
-        <a:font script="Orya" typeface="Kalinga"/>
-        <a:font script="Mlym" typeface="Kartika"/>
-        <a:font script="Laoo" typeface="DokChampa"/>
-        <a:font script="Sinh" typeface="Iskoola Pota"/>
-        <a:font script="Mong" typeface="Mongolian Baiti"/>
-        <a:font script="Viet" typeface="Arial"/>
-        <a:font script="Uigh" typeface="Microsoft Uighur"/>
-        <a:font script="Geor" typeface="Sylfaen"/>
-      </a:minorFont>
-    </a:fontScheme>
-    <a:fmtScheme name="Office">
-      <a:fillStyleLst>
-        <a:solidFill>
-          <a:schemeClr val="phClr"/>
-        </a:solidFill>
-        <a:gradFill rotWithShape="1">
-          <a:gsLst>
-            <a:gs pos="0">
-              <a:schemeClr val="phClr">
-                <a:tint val="50000"/>
-                <a:satMod val="300000"/>
-              </a:schemeClr>
-            </a:gs>
-            <a:gs pos="35000">
-              <a:schemeClr val="phClr">
-                <a:tint val="37000"/>
-                <a:satMod val="300000"/>
-              </a:schemeClr>
-            </a:gs>
-            <a:gs pos="100000">
-              <a:schemeClr val="phClr">
-                <a:tint val="15000"/>
-                <a:satMod val="350000"/>
-              </a:schemeClr>
-            </a:gs>
-          </a:gsLst>
-          <a:lin ang="16200000" scaled="1"/>
-        </a:gradFill>
-        <a:gradFill rotWithShape="1">
-          <a:gsLst>
-            <a:gs pos="0">
-              <a:schemeClr val="phClr">
-                <a:tint val="100000"/>
-                <a:shade val="100000"/>
-                <a:satMod val="130000"/>
-              </a:schemeClr>
-            </a:gs>
-            <a:gs pos="100000">
-              <a:schemeClr val="phClr">
-                <a:tint val="50000"/>
-                <a:shade val="100000"/>
-                <a:satMod val="350000"/>
-              </a:schemeClr>
-            </a:gs>
-          </a:gsLst>
-          <a:lin ang="16200000" scaled="0"/>
-        </a:gradFill>
-      </a:fillStyleLst>
-      <a:lnStyleLst>
-        <a:ln w="9525" cap="flat" cmpd="sng" algn="ctr">
-          <a:solidFill>
-            <a:schemeClr val="phClr">
-              <a:shade val="95000"/>
-              <a:satMod val="105000"/>
-            </a:schemeClr>
-          </a:solidFill>
-          <a:prstDash val="solid"/>
-        </a:ln>
-        <a:ln w="25400" cap="flat" cmpd="sng" algn="ctr">
-          <a:solidFill>
-            <a:schemeClr val="phClr"/>
-          </a:solidFill>
-          <a:prstDash val="solid"/>
-        </a:ln>
-        <a:ln w="38100" cap="flat" cmpd="sng" algn="ctr">
-          <a:solidFill>
-            <a:schemeClr val="phClr"/>
-          </a:solidFill>
-          <a:prstDash val="solid"/>
-        </a:ln>
-      </a:lnStyleLst>
-      <a:effectStyleLst>
-        <a:effectStyle>
-          <a:effectLst>
-            <a:outerShdw blurRad="40000" dist="20000" dir="5400000" rotWithShape="0">
-              <a:srgbClr val="000000">
-                <a:alpha val="38000"/>
-              </a:srgbClr>
-            </a:outerShdw>
-          </a:effectLst>
-        </a:effectStyle>
-        <a:effectStyle>
-          <a:effectLst>
-            <a:outerShdw blurRad="40000" dist="23000" dir="5400000" rotWithShape="0">
-              <a:srgbClr val="000000">
-                <a:alpha val="35000"/>
-              </a:srgbClr>
-            </a:outerShdw>
-          </a:effectLst>
-        </a:effectStyle>
-        <a:effectStyle>
-          <a:effectLst>
-            <a:outerShdw blurRad="40000" dist="23000" dir="5400000" rotWithShape="0">
-              <a:srgbClr val="000000">
-                <a:alpha val="35000"/>
-              </a:srgbClr>
-            </a:outerShdw>
-          </a:effectLst>
-          <a:scene3d>
-            <a:camera prst="orthographicFront">
-              <a:rot lat="0" lon="0" rev="0"/>
-            </a:camera>
-            <a:lightRig rig="threePt" dir="t">
-              <a:rot lat="0" lon="0" rev="1200000"/>
-            </a:lightRig>
-          </a:scene3d>
-          <a:sp3d>
-            <a:bevelT w="63500" h="25400"/>
-          </a:sp3d>
-        </a:effectStyle>
-      </a:effectStyleLst>
-      <a:bgFillStyleLst>
-        <a:solidFill>
-          <a:schemeClr val="phClr"/>
-        </a:solidFill>
-        <a:gradFill rotWithShape="1">
-          <a:gsLst>
-            <a:gs pos="0">
-              <a:schemeClr val="phClr">
-                <a:tint val="40000"/>
-                <a:satMod val="350000"/>
-              </a:schemeClr>
-            </a:gs>
-            <a:gs pos="40000">
-              <a:schemeClr val="phClr">
-                <a:tint val="45000"/>
-                <a:shade val="99000"/>
-                <a:satMod val="350000"/>
-              </a:schemeClr>
-            </a:gs>
-            <a:gs pos="100000">
-              <a:schemeClr val="phClr">
-                <a:shade val="20000"/>
-                <a:satMod val="255000"/>
-              </a:schemeClr>
-            </a:gs>
-          </a:gsLst>
-          <a:path path="circle">
-            <a:fillToRect l="50000" t="-80000" r="50000" b="180000"/>
-          </a:path>
-        </a:gradFill>
-        <a:gradFill rotWithShape="1">
-          <a:gsLst>
-            <a:gs pos="0">
-              <a:schemeClr val="phClr">
-                <a:tint val="80000"/>
-                <a:satMod val="300000"/>
-              </a:schemeClr>
-            </a:gs>
-            <a:gs pos="100000">
-              <a:schemeClr val="phClr">
-                <a:shade val="30000"/>
-                <a:satMod val="200000"/>
-              </a:schemeClr>
-            </a:gs>
-          </a:gsLst>
-          <a:path path="circle">
-            <a:fillToRect l="50000" t="50000" r="50000" b="50000"/>
-          </a:path>
-        </a:gradFill>
-      </a:bgFillStyleLst>
-    </a:fmtScheme>
-  </a:themeElements>
-</a:theme>
 </file>
--- a/Quizproject/Presentation/Quiz Project Presentation.pptx
+++ b/Quizproject/Presentation/Quiz Project Presentation.pptx
@@ -58,6 +58,8 @@
     <p:sldId id="303" r:id="rId53"/>
     <p:sldId id="304" r:id="rId54"/>
     <p:sldId id="305" r:id="rId55"/>
+    <p:sldId id="306" r:id="rId56"/>
+    <p:sldId id="307" r:id="rId57"/>
   </p:sldIdLst>
   <p:sldSz cy="5143500" cx="9144000"/>
   <p:notesSz cx="6858000" cy="9144000"/>
@@ -3229,7 +3231,7 @@
       </p:grpSpPr>
       <p:sp>
         <p:nvSpPr>
-          <p:cNvPr id="271" name="Google Shape;271;gee21110752_0_39:notes"/>
+          <p:cNvPr id="271" name="Google Shape;271;gee84f6db82_0_15:notes"/>
           <p:cNvSpPr/>
           <p:nvPr>
             <p:ph idx="2" type="sldImg"/>
@@ -3264,7 +3266,7 @@
       </p:sp>
       <p:sp>
         <p:nvSpPr>
-          <p:cNvPr id="272" name="Google Shape;272;gee21110752_0_39:notes"/>
+          <p:cNvPr id="272" name="Google Shape;272;gee84f6db82_0_15:notes"/>
           <p:cNvSpPr txBox="1"/>
           <p:nvPr>
             <p:ph idx="1" type="body"/>
@@ -3328,7 +3330,7 @@
       </p:grpSpPr>
       <p:sp>
         <p:nvSpPr>
-          <p:cNvPr id="278" name="Google Shape;278;gee2124f6d5_0_2:notes"/>
+          <p:cNvPr id="278" name="Google Shape;278;gee21110752_0_39:notes"/>
           <p:cNvSpPr/>
           <p:nvPr>
             <p:ph idx="2" type="sldImg"/>
@@ -3363,7 +3365,7 @@
       </p:sp>
       <p:sp>
         <p:nvSpPr>
-          <p:cNvPr id="279" name="Google Shape;279;gee2124f6d5_0_2:notes"/>
+          <p:cNvPr id="279" name="Google Shape;279;gee21110752_0_39:notes"/>
           <p:cNvSpPr txBox="1"/>
           <p:nvPr>
             <p:ph idx="1" type="body"/>
@@ -3427,7 +3429,7 @@
       </p:grpSpPr>
       <p:sp>
         <p:nvSpPr>
-          <p:cNvPr id="285" name="Google Shape;285;gee2124f6d5_0_9:notes"/>
+          <p:cNvPr id="285" name="Google Shape;285;gee2124f6d5_0_2:notes"/>
           <p:cNvSpPr/>
           <p:nvPr>
             <p:ph idx="2" type="sldImg"/>
@@ -3462,7 +3464,7 @@
       </p:sp>
       <p:sp>
         <p:nvSpPr>
-          <p:cNvPr id="286" name="Google Shape;286;gee2124f6d5_0_9:notes"/>
+          <p:cNvPr id="286" name="Google Shape;286;gee2124f6d5_0_2:notes"/>
           <p:cNvSpPr txBox="1"/>
           <p:nvPr>
             <p:ph idx="1" type="body"/>
@@ -3526,7 +3528,7 @@
       </p:grpSpPr>
       <p:sp>
         <p:nvSpPr>
-          <p:cNvPr id="292" name="Google Shape;292;gee2124f6d5_0_17:notes"/>
+          <p:cNvPr id="292" name="Google Shape;292;gee84f6db82_0_3:notes"/>
           <p:cNvSpPr/>
           <p:nvPr>
             <p:ph idx="2" type="sldImg"/>
@@ -3561,7 +3563,7 @@
       </p:sp>
       <p:sp>
         <p:nvSpPr>
-          <p:cNvPr id="293" name="Google Shape;293;gee2124f6d5_0_17:notes"/>
+          <p:cNvPr id="293" name="Google Shape;293;gee84f6db82_0_3:notes"/>
           <p:cNvSpPr txBox="1"/>
           <p:nvPr>
             <p:ph idx="1" type="body"/>
@@ -3625,7 +3627,7 @@
       </p:grpSpPr>
       <p:sp>
         <p:nvSpPr>
-          <p:cNvPr id="299" name="Google Shape;299;gee37f6d28c_0_16:notes"/>
+          <p:cNvPr id="299" name="Google Shape;299;gee2124f6d5_0_9:notes"/>
           <p:cNvSpPr/>
           <p:nvPr>
             <p:ph idx="2" type="sldImg"/>
@@ -3660,7 +3662,7 @@
       </p:sp>
       <p:sp>
         <p:nvSpPr>
-          <p:cNvPr id="300" name="Google Shape;300;gee37f6d28c_0_16:notes"/>
+          <p:cNvPr id="300" name="Google Shape;300;gee2124f6d5_0_9:notes"/>
           <p:cNvSpPr txBox="1"/>
           <p:nvPr>
             <p:ph idx="1" type="body"/>
@@ -3710,7 +3712,7 @@
   <p:cSld>
     <p:spTree>
       <p:nvGrpSpPr>
-        <p:cNvPr id="304" name="Shape 304"/>
+        <p:cNvPr id="305" name="Shape 305"/>
         <p:cNvGrpSpPr/>
         <p:nvPr/>
       </p:nvGrpSpPr>
@@ -3724,7 +3726,7 @@
       </p:grpSpPr>
       <p:sp>
         <p:nvSpPr>
-          <p:cNvPr id="305" name="Google Shape;305;gee21110752_0_7:notes"/>
+          <p:cNvPr id="306" name="Google Shape;306;gee2124f6d5_0_17:notes"/>
           <p:cNvSpPr/>
           <p:nvPr>
             <p:ph idx="2" type="sldImg"/>
@@ -3759,7 +3761,7 @@
       </p:sp>
       <p:sp>
         <p:nvSpPr>
-          <p:cNvPr id="306" name="Google Shape;306;gee21110752_0_7:notes"/>
+          <p:cNvPr id="307" name="Google Shape;307;gee2124f6d5_0_17:notes"/>
           <p:cNvSpPr txBox="1"/>
           <p:nvPr>
             <p:ph idx="1" type="body"/>
@@ -3823,7 +3825,7 @@
       </p:grpSpPr>
       <p:sp>
         <p:nvSpPr>
-          <p:cNvPr id="313" name="Google Shape;313;gee21110752_0_16:notes"/>
+          <p:cNvPr id="313" name="Google Shape;313;gee37f6d28c_0_16:notes"/>
           <p:cNvSpPr/>
           <p:nvPr>
             <p:ph idx="2" type="sldImg"/>
@@ -3858,7 +3860,7 @@
       </p:sp>
       <p:sp>
         <p:nvSpPr>
-          <p:cNvPr id="314" name="Google Shape;314;gee21110752_0_16:notes"/>
+          <p:cNvPr id="314" name="Google Shape;314;gee37f6d28c_0_16:notes"/>
           <p:cNvSpPr txBox="1"/>
           <p:nvPr>
             <p:ph idx="1" type="body"/>
@@ -3908,7 +3910,7 @@
   <p:cSld>
     <p:spTree>
       <p:nvGrpSpPr>
-        <p:cNvPr id="319" name="Shape 319"/>
+        <p:cNvPr id="318" name="Shape 318"/>
         <p:cNvGrpSpPr/>
         <p:nvPr/>
       </p:nvGrpSpPr>
@@ -3922,7 +3924,7 @@
       </p:grpSpPr>
       <p:sp>
         <p:nvSpPr>
-          <p:cNvPr id="320" name="Google Shape;320;gee21110752_0_21:notes"/>
+          <p:cNvPr id="319" name="Google Shape;319;gee21110752_0_7:notes"/>
           <p:cNvSpPr/>
           <p:nvPr>
             <p:ph idx="2" type="sldImg"/>
@@ -3957,7 +3959,7 @@
       </p:sp>
       <p:sp>
         <p:nvSpPr>
-          <p:cNvPr id="321" name="Google Shape;321;gee21110752_0_21:notes"/>
+          <p:cNvPr id="320" name="Google Shape;320;gee21110752_0_7:notes"/>
           <p:cNvSpPr txBox="1"/>
           <p:nvPr>
             <p:ph idx="1" type="body"/>
@@ -4120,7 +4122,7 @@
       </p:grpSpPr>
       <p:sp>
         <p:nvSpPr>
-          <p:cNvPr id="327" name="Google Shape;327;ged1f7822f1_0_67:notes"/>
+          <p:cNvPr id="327" name="Google Shape;327;gee21110752_0_16:notes"/>
           <p:cNvSpPr/>
           <p:nvPr>
             <p:ph idx="2" type="sldImg"/>
@@ -4155,7 +4157,7 @@
       </p:sp>
       <p:sp>
         <p:nvSpPr>
-          <p:cNvPr id="328" name="Google Shape;328;ged1f7822f1_0_67:notes"/>
+          <p:cNvPr id="328" name="Google Shape;328;gee21110752_0_16:notes"/>
           <p:cNvSpPr txBox="1"/>
           <p:nvPr>
             <p:ph idx="1" type="body"/>
@@ -4205,7 +4207,7 @@
   <p:cSld>
     <p:spTree>
       <p:nvGrpSpPr>
-        <p:cNvPr id="332" name="Shape 332"/>
+        <p:cNvPr id="333" name="Shape 333"/>
         <p:cNvGrpSpPr/>
         <p:nvPr/>
       </p:nvGrpSpPr>
@@ -4219,7 +4221,7 @@
       </p:grpSpPr>
       <p:sp>
         <p:nvSpPr>
-          <p:cNvPr id="333" name="Google Shape;333;ged1f7822f1_0_72:notes"/>
+          <p:cNvPr id="334" name="Google Shape;334;gee21110752_0_21:notes"/>
           <p:cNvSpPr/>
           <p:nvPr>
             <p:ph idx="2" type="sldImg"/>
@@ -4254,7 +4256,7 @@
       </p:sp>
       <p:sp>
         <p:nvSpPr>
-          <p:cNvPr id="334" name="Google Shape;334;ged1f7822f1_0_72:notes"/>
+          <p:cNvPr id="335" name="Google Shape;335;gee21110752_0_21:notes"/>
           <p:cNvSpPr txBox="1"/>
           <p:nvPr>
             <p:ph idx="1" type="body"/>
@@ -4318,7 +4320,7 @@
       </p:grpSpPr>
       <p:sp>
         <p:nvSpPr>
-          <p:cNvPr id="341" name="Google Shape;341;ged1f7822f1_0_84:notes"/>
+          <p:cNvPr id="341" name="Google Shape;341;ged1f7822f1_0_67:notes"/>
           <p:cNvSpPr/>
           <p:nvPr>
             <p:ph idx="2" type="sldImg"/>
@@ -4353,7 +4355,7 @@
       </p:sp>
       <p:sp>
         <p:nvSpPr>
-          <p:cNvPr id="342" name="Google Shape;342;ged1f7822f1_0_84:notes"/>
+          <p:cNvPr id="342" name="Google Shape;342;ged1f7822f1_0_67:notes"/>
           <p:cNvSpPr txBox="1"/>
           <p:nvPr>
             <p:ph idx="1" type="body"/>
@@ -4403,7 +4405,7 @@
   <p:cSld>
     <p:spTree>
       <p:nvGrpSpPr>
-        <p:cNvPr id="348" name="Shape 348"/>
+        <p:cNvPr id="346" name="Shape 346"/>
         <p:cNvGrpSpPr/>
         <p:nvPr/>
       </p:nvGrpSpPr>
@@ -4417,7 +4419,7 @@
       </p:grpSpPr>
       <p:sp>
         <p:nvSpPr>
-          <p:cNvPr id="349" name="Google Shape;349;ged1f7822f1_0_91:notes"/>
+          <p:cNvPr id="347" name="Google Shape;347;ged1f7822f1_0_72:notes"/>
           <p:cNvSpPr/>
           <p:nvPr>
             <p:ph idx="2" type="sldImg"/>
@@ -4452,7 +4454,7 @@
       </p:sp>
       <p:sp>
         <p:nvSpPr>
-          <p:cNvPr id="350" name="Google Shape;350;ged1f7822f1_0_91:notes"/>
+          <p:cNvPr id="348" name="Google Shape;348;ged1f7822f1_0_72:notes"/>
           <p:cNvSpPr txBox="1"/>
           <p:nvPr>
             <p:ph idx="1" type="body"/>
@@ -4516,7 +4518,7 @@
       </p:grpSpPr>
       <p:sp>
         <p:nvSpPr>
-          <p:cNvPr id="355" name="Google Shape;355;ged1f7822f1_0_96:notes"/>
+          <p:cNvPr id="355" name="Google Shape;355;ged1f7822f1_0_84:notes"/>
           <p:cNvSpPr/>
           <p:nvPr>
             <p:ph idx="2" type="sldImg"/>
@@ -4551,7 +4553,7 @@
       </p:sp>
       <p:sp>
         <p:nvSpPr>
-          <p:cNvPr id="356" name="Google Shape;356;ged1f7822f1_0_96:notes"/>
+          <p:cNvPr id="356" name="Google Shape;356;ged1f7822f1_0_84:notes"/>
           <p:cNvSpPr txBox="1"/>
           <p:nvPr>
             <p:ph idx="1" type="body"/>
@@ -4601,7 +4603,7 @@
   <p:cSld>
     <p:spTree>
       <p:nvGrpSpPr>
-        <p:cNvPr id="361" name="Shape 361"/>
+        <p:cNvPr id="362" name="Shape 362"/>
         <p:cNvGrpSpPr/>
         <p:nvPr/>
       </p:nvGrpSpPr>
@@ -4615,7 +4617,7 @@
       </p:grpSpPr>
       <p:sp>
         <p:nvSpPr>
-          <p:cNvPr id="362" name="Google Shape;362;gea5458697f_0_14:notes"/>
+          <p:cNvPr id="363" name="Google Shape;363;ged1f7822f1_0_91:notes"/>
           <p:cNvSpPr/>
           <p:nvPr>
             <p:ph idx="2" type="sldImg"/>
@@ -4650,7 +4652,7 @@
       </p:sp>
       <p:sp>
         <p:nvSpPr>
-          <p:cNvPr id="363" name="Google Shape;363;gea5458697f_0_14:notes"/>
+          <p:cNvPr id="364" name="Google Shape;364;ged1f7822f1_0_91:notes"/>
           <p:cNvSpPr txBox="1"/>
           <p:nvPr>
             <p:ph idx="1" type="body"/>
@@ -4700,7 +4702,7 @@
   <p:cSld>
     <p:spTree>
       <p:nvGrpSpPr>
-        <p:cNvPr id="369" name="Shape 369"/>
+        <p:cNvPr id="368" name="Shape 368"/>
         <p:cNvGrpSpPr/>
         <p:nvPr/>
       </p:nvGrpSpPr>
@@ -4714,7 +4716,7 @@
       </p:grpSpPr>
       <p:sp>
         <p:nvSpPr>
-          <p:cNvPr id="370" name="Google Shape;370;gea5458697f_0_27:notes"/>
+          <p:cNvPr id="369" name="Google Shape;369;ged1f7822f1_0_96:notes"/>
           <p:cNvSpPr/>
           <p:nvPr>
             <p:ph idx="2" type="sldImg"/>
@@ -4749,7 +4751,7 @@
       </p:sp>
       <p:sp>
         <p:nvSpPr>
-          <p:cNvPr id="371" name="Google Shape;371;gea5458697f_0_27:notes"/>
+          <p:cNvPr id="370" name="Google Shape;370;ged1f7822f1_0_96:notes"/>
           <p:cNvSpPr txBox="1"/>
           <p:nvPr>
             <p:ph idx="1" type="body"/>
@@ -4799,7 +4801,7 @@
   <p:cSld>
     <p:spTree>
       <p:nvGrpSpPr>
-        <p:cNvPr id="379" name="Shape 379"/>
+        <p:cNvPr id="375" name="Shape 375"/>
         <p:cNvGrpSpPr/>
         <p:nvPr/>
       </p:nvGrpSpPr>
@@ -4813,7 +4815,7 @@
       </p:grpSpPr>
       <p:sp>
         <p:nvSpPr>
-          <p:cNvPr id="380" name="Google Shape;380;ged1f7822f1_0_106:notes"/>
+          <p:cNvPr id="376" name="Google Shape;376;gea5458697f_0_14:notes"/>
           <p:cNvSpPr/>
           <p:nvPr>
             <p:ph idx="2" type="sldImg"/>
@@ -4848,7 +4850,7 @@
       </p:sp>
       <p:sp>
         <p:nvSpPr>
-          <p:cNvPr id="381" name="Google Shape;381;ged1f7822f1_0_106:notes"/>
+          <p:cNvPr id="377" name="Google Shape;377;gea5458697f_0_14:notes"/>
           <p:cNvSpPr txBox="1"/>
           <p:nvPr>
             <p:ph idx="1" type="body"/>
@@ -4898,7 +4900,7 @@
   <p:cSld>
     <p:spTree>
       <p:nvGrpSpPr>
-        <p:cNvPr id="385" name="Shape 385"/>
+        <p:cNvPr id="383" name="Shape 383"/>
         <p:cNvGrpSpPr/>
         <p:nvPr/>
       </p:nvGrpSpPr>
@@ -4912,7 +4914,7 @@
       </p:grpSpPr>
       <p:sp>
         <p:nvSpPr>
-          <p:cNvPr id="386" name="Google Shape;386;gea5458697f_0_0:notes"/>
+          <p:cNvPr id="384" name="Google Shape;384;gea5458697f_0_27:notes"/>
           <p:cNvSpPr/>
           <p:nvPr>
             <p:ph idx="2" type="sldImg"/>
@@ -4947,7 +4949,7 @@
       </p:sp>
       <p:sp>
         <p:nvSpPr>
-          <p:cNvPr id="387" name="Google Shape;387;gea5458697f_0_0:notes"/>
+          <p:cNvPr id="385" name="Google Shape;385;gea5458697f_0_27:notes"/>
           <p:cNvSpPr txBox="1"/>
           <p:nvPr>
             <p:ph idx="1" type="body"/>
@@ -4997,7 +4999,7 @@
   <p:cSld>
     <p:spTree>
       <p:nvGrpSpPr>
-        <p:cNvPr id="391" name="Shape 391"/>
+        <p:cNvPr id="393" name="Shape 393"/>
         <p:cNvGrpSpPr/>
         <p:nvPr/>
       </p:nvGrpSpPr>
@@ -5011,7 +5013,7 @@
       </p:grpSpPr>
       <p:sp>
         <p:nvSpPr>
-          <p:cNvPr id="392" name="Google Shape;392;ged1f7822f1_0_111:notes"/>
+          <p:cNvPr id="394" name="Google Shape;394;ged1f7822f1_0_106:notes"/>
           <p:cNvSpPr/>
           <p:nvPr>
             <p:ph idx="2" type="sldImg"/>
@@ -5046,7 +5048,7 @@
       </p:sp>
       <p:sp>
         <p:nvSpPr>
-          <p:cNvPr id="393" name="Google Shape;393;ged1f7822f1_0_111:notes"/>
+          <p:cNvPr id="395" name="Google Shape;395;ged1f7822f1_0_106:notes"/>
           <p:cNvSpPr txBox="1"/>
           <p:nvPr>
             <p:ph idx="1" type="body"/>
@@ -5195,7 +5197,7 @@
   <p:cSld>
     <p:spTree>
       <p:nvGrpSpPr>
-        <p:cNvPr id="402" name="Shape 402"/>
+        <p:cNvPr id="399" name="Shape 399"/>
         <p:cNvGrpSpPr/>
         <p:nvPr/>
       </p:nvGrpSpPr>
@@ -5209,7 +5211,7 @@
       </p:grpSpPr>
       <p:sp>
         <p:nvSpPr>
-          <p:cNvPr id="403" name="Google Shape;403;ged1f7822f1_0_116:notes"/>
+          <p:cNvPr id="400" name="Google Shape;400;gea5458697f_0_0:notes"/>
           <p:cNvSpPr/>
           <p:nvPr>
             <p:ph idx="2" type="sldImg"/>
@@ -5244,7 +5246,205 @@
       </p:sp>
       <p:sp>
         <p:nvSpPr>
-          <p:cNvPr id="404" name="Google Shape;404;ged1f7822f1_0_116:notes"/>
+          <p:cNvPr id="401" name="Google Shape;401;gea5458697f_0_0:notes"/>
+          <p:cNvSpPr txBox="1"/>
+          <p:nvPr>
+            <p:ph idx="1" type="body"/>
+          </p:nvPr>
+        </p:nvSpPr>
+        <p:spPr>
+          <a:xfrm>
+            <a:off x="685800" y="4343400"/>
+            <a:ext cx="5486400" cy="4114800"/>
+          </a:xfrm>
+          <a:prstGeom prst="rect">
+            <a:avLst/>
+          </a:prstGeom>
+        </p:spPr>
+        <p:txBody>
+          <a:bodyPr anchorCtr="0" anchor="t" bIns="91425" lIns="91425" spcFirstLastPara="1" rIns="91425" wrap="square" tIns="91425">
+            <a:noAutofit/>
+          </a:bodyPr>
+          <a:lstStyle/>
+          <a:p>
+            <a:pPr indent="0" lvl="0" marL="0" rtl="0" algn="l">
+              <a:spcBef>
+                <a:spcPts val="0"/>
+              </a:spcBef>
+              <a:spcAft>
+                <a:spcPts val="0"/>
+              </a:spcAft>
+              <a:buNone/>
+            </a:pPr>
+            <a:r>
+              <a:t/>
+            </a:r>
+            <a:endParaRPr/>
+          </a:p>
+        </p:txBody>
+      </p:sp>
+    </p:spTree>
+  </p:cSld>
+  <p:clrMapOvr>
+    <a:masterClrMapping/>
+  </p:clrMapOvr>
+</p:notes>
+</file>
+
+<file path=ppt/notesSlides/notesSlide51.xml><?xml version="1.0" encoding="utf-8"?>
+<p:notes xmlns:a="http://schemas.openxmlformats.org/drawingml/2006/main" xmlns:r="http://schemas.openxmlformats.org/officeDocument/2006/relationships" xmlns:mc="http://schemas.openxmlformats.org/markup-compatibility/2006" xmlns:mv="urn:schemas-microsoft-com:mac:vml" xmlns:p="http://schemas.openxmlformats.org/presentationml/2006/main" xmlns:c="http://schemas.openxmlformats.org/drawingml/2006/chart" xmlns:dgm="http://schemas.openxmlformats.org/drawingml/2006/diagram" xmlns:o="urn:schemas-microsoft-com:office:office" xmlns:v="urn:schemas-microsoft-com:vml" xmlns:pvml="urn:schemas-microsoft-com:office:powerpoint" xmlns:com="http://schemas.openxmlformats.org/drawingml/2006/compatibility" xmlns:p14="http://schemas.microsoft.com/office/powerpoint/2010/main" xmlns:p15="http://schemas.microsoft.com/office/powerpoint/2012/main" xmlns:ahyp="http://schemas.microsoft.com/office/drawing/2018/hyperlinkcolor" showMasterPhAnim="0" showMasterSp="0">
+  <p:cSld>
+    <p:spTree>
+      <p:nvGrpSpPr>
+        <p:cNvPr id="405" name="Shape 405"/>
+        <p:cNvGrpSpPr/>
+        <p:nvPr/>
+      </p:nvGrpSpPr>
+      <p:grpSpPr>
+        <a:xfrm>
+          <a:off x="0" y="0"/>
+          <a:ext cx="0" cy="0"/>
+          <a:chOff x="0" y="0"/>
+          <a:chExt cx="0" cy="0"/>
+        </a:xfrm>
+      </p:grpSpPr>
+      <p:sp>
+        <p:nvSpPr>
+          <p:cNvPr id="406" name="Google Shape;406;ged1f7822f1_0_111:notes"/>
+          <p:cNvSpPr/>
+          <p:nvPr>
+            <p:ph idx="2" type="sldImg"/>
+          </p:nvPr>
+        </p:nvSpPr>
+        <p:spPr>
+          <a:xfrm>
+            <a:off x="381300" y="685800"/>
+            <a:ext cx="6096000" cy="3429000"/>
+          </a:xfrm>
+          <a:custGeom>
+            <a:rect b="b" l="l" r="r" t="t"/>
+            <a:pathLst>
+              <a:path extrusionOk="0" h="120000" w="120000">
+                <a:moveTo>
+                  <a:pt x="0" y="0"/>
+                </a:moveTo>
+                <a:lnTo>
+                  <a:pt x="120000" y="0"/>
+                </a:lnTo>
+                <a:lnTo>
+                  <a:pt x="120000" y="120000"/>
+                </a:lnTo>
+                <a:lnTo>
+                  <a:pt x="0" y="120000"/>
+                </a:lnTo>
+                <a:close/>
+              </a:path>
+            </a:pathLst>
+          </a:custGeom>
+        </p:spPr>
+      </p:sp>
+      <p:sp>
+        <p:nvSpPr>
+          <p:cNvPr id="407" name="Google Shape;407;ged1f7822f1_0_111:notes"/>
+          <p:cNvSpPr txBox="1"/>
+          <p:nvPr>
+            <p:ph idx="1" type="body"/>
+          </p:nvPr>
+        </p:nvSpPr>
+        <p:spPr>
+          <a:xfrm>
+            <a:off x="685800" y="4343400"/>
+            <a:ext cx="5486400" cy="4114800"/>
+          </a:xfrm>
+          <a:prstGeom prst="rect">
+            <a:avLst/>
+          </a:prstGeom>
+        </p:spPr>
+        <p:txBody>
+          <a:bodyPr anchorCtr="0" anchor="t" bIns="91425" lIns="91425" spcFirstLastPara="1" rIns="91425" wrap="square" tIns="91425">
+            <a:noAutofit/>
+          </a:bodyPr>
+          <a:lstStyle/>
+          <a:p>
+            <a:pPr indent="0" lvl="0" marL="0" rtl="0" algn="l">
+              <a:spcBef>
+                <a:spcPts val="0"/>
+              </a:spcBef>
+              <a:spcAft>
+                <a:spcPts val="0"/>
+              </a:spcAft>
+              <a:buNone/>
+            </a:pPr>
+            <a:r>
+              <a:t/>
+            </a:r>
+            <a:endParaRPr/>
+          </a:p>
+        </p:txBody>
+      </p:sp>
+    </p:spTree>
+  </p:cSld>
+  <p:clrMapOvr>
+    <a:masterClrMapping/>
+  </p:clrMapOvr>
+</p:notes>
+</file>
+
+<file path=ppt/notesSlides/notesSlide52.xml><?xml version="1.0" encoding="utf-8"?>
+<p:notes xmlns:a="http://schemas.openxmlformats.org/drawingml/2006/main" xmlns:r="http://schemas.openxmlformats.org/officeDocument/2006/relationships" xmlns:mc="http://schemas.openxmlformats.org/markup-compatibility/2006" xmlns:mv="urn:schemas-microsoft-com:mac:vml" xmlns:p="http://schemas.openxmlformats.org/presentationml/2006/main" xmlns:c="http://schemas.openxmlformats.org/drawingml/2006/chart" xmlns:dgm="http://schemas.openxmlformats.org/drawingml/2006/diagram" xmlns:o="urn:schemas-microsoft-com:office:office" xmlns:v="urn:schemas-microsoft-com:vml" xmlns:pvml="urn:schemas-microsoft-com:office:powerpoint" xmlns:com="http://schemas.openxmlformats.org/drawingml/2006/compatibility" xmlns:p14="http://schemas.microsoft.com/office/powerpoint/2010/main" xmlns:p15="http://schemas.microsoft.com/office/powerpoint/2012/main" xmlns:ahyp="http://schemas.microsoft.com/office/drawing/2018/hyperlinkcolor" showMasterPhAnim="0" showMasterSp="0">
+  <p:cSld>
+    <p:spTree>
+      <p:nvGrpSpPr>
+        <p:cNvPr id="416" name="Shape 416"/>
+        <p:cNvGrpSpPr/>
+        <p:nvPr/>
+      </p:nvGrpSpPr>
+      <p:grpSpPr>
+        <a:xfrm>
+          <a:off x="0" y="0"/>
+          <a:ext cx="0" cy="0"/>
+          <a:chOff x="0" y="0"/>
+          <a:chExt cx="0" cy="0"/>
+        </a:xfrm>
+      </p:grpSpPr>
+      <p:sp>
+        <p:nvSpPr>
+          <p:cNvPr id="417" name="Google Shape;417;ged1f7822f1_0_116:notes"/>
+          <p:cNvSpPr/>
+          <p:nvPr>
+            <p:ph idx="2" type="sldImg"/>
+          </p:nvPr>
+        </p:nvSpPr>
+        <p:spPr>
+          <a:xfrm>
+            <a:off x="381300" y="685800"/>
+            <a:ext cx="6096000" cy="3429000"/>
+          </a:xfrm>
+          <a:custGeom>
+            <a:rect b="b" l="l" r="r" t="t"/>
+            <a:pathLst>
+              <a:path extrusionOk="0" h="120000" w="120000">
+                <a:moveTo>
+                  <a:pt x="0" y="0"/>
+                </a:moveTo>
+                <a:lnTo>
+                  <a:pt x="120000" y="0"/>
+                </a:lnTo>
+                <a:lnTo>
+                  <a:pt x="120000" y="120000"/>
+                </a:lnTo>
+                <a:lnTo>
+                  <a:pt x="0" y="120000"/>
+                </a:lnTo>
+                <a:close/>
+              </a:path>
+            </a:pathLst>
+          </a:custGeom>
+        </p:spPr>
+      </p:sp>
+      <p:sp>
+        <p:nvSpPr>
+          <p:cNvPr id="418" name="Google Shape;418;ged1f7822f1_0_116:notes"/>
           <p:cNvSpPr txBox="1"/>
           <p:nvPr>
             <p:ph idx="1" type="body"/>
@@ -11877,7 +12077,7 @@
         </p:spPr>
         <p:txBody>
           <a:bodyPr anchorCtr="0" anchor="t" bIns="91425" lIns="91425" spcFirstLastPara="1" rIns="91425" wrap="square" tIns="91425">
-            <a:normAutofit lnSpcReduction="20000"/>
+            <a:normAutofit fontScale="92500" lnSpcReduction="20000"/>
           </a:bodyPr>
           <a:lstStyle/>
           <a:p>
@@ -11931,7 +12131,7 @@
             </a:r>
             <a:r>
               <a:rPr lang="en-GB"/>
-              <a:t> to display here properly but you can find this in our </a:t>
+              <a:t> to display here properly but you can find this image in our </a:t>
             </a:r>
             <a:r>
               <a:rPr lang="en-GB"/>
@@ -11992,8 +12192,8 @@
         </p:blipFill>
         <p:spPr>
           <a:xfrm>
-            <a:off x="5184400" y="897725"/>
-            <a:ext cx="3554451" cy="4037125"/>
+            <a:off x="5298600" y="644300"/>
+            <a:ext cx="2906699" cy="4396549"/>
           </a:xfrm>
           <a:prstGeom prst="rect">
             <a:avLst/>
@@ -12665,8 +12865,8 @@
         </p:nvSpPr>
         <p:spPr>
           <a:xfrm>
-            <a:off x="429425" y="1582050"/>
-            <a:ext cx="4000200" cy="3193500"/>
+            <a:off x="429425" y="1471725"/>
+            <a:ext cx="4000200" cy="3303900"/>
           </a:xfrm>
           <a:prstGeom prst="rect">
             <a:avLst/>
@@ -12674,7 +12874,7 @@
         </p:spPr>
         <p:txBody>
           <a:bodyPr anchorCtr="0" anchor="t" bIns="91425" lIns="91425" spcFirstLastPara="1" rIns="91425" wrap="square" tIns="91425">
-            <a:normAutofit/>
+            <a:normAutofit lnSpcReduction="10000"/>
           </a:bodyPr>
           <a:lstStyle/>
           <a:p>
@@ -12778,34 +12978,10 @@
             </a:pPr>
             <a:r>
               <a:rPr lang="en-GB"/>
-              <a:t>Set Quiz size</a:t>
+              <a:t>Delete Messages</a:t>
             </a:r>
             <a:endParaRPr/>
           </a:p>
-        </p:txBody>
-      </p:sp>
-      <p:sp>
-        <p:nvSpPr>
-          <p:cNvPr id="172" name="Google Shape;172;p29"/>
-          <p:cNvSpPr txBox="1"/>
-          <p:nvPr>
-            <p:ph idx="1" type="subTitle"/>
-          </p:nvPr>
-        </p:nvSpPr>
-        <p:spPr>
-          <a:xfrm>
-            <a:off x="4527875" y="1582050"/>
-            <a:ext cx="4000200" cy="3193500"/>
-          </a:xfrm>
-          <a:prstGeom prst="rect">
-            <a:avLst/>
-          </a:prstGeom>
-        </p:spPr>
-        <p:txBody>
-          <a:bodyPr anchorCtr="0" anchor="t" bIns="91425" lIns="91425" spcFirstLastPara="1" rIns="91425" wrap="square" tIns="91425">
-            <a:normAutofit/>
-          </a:bodyPr>
-          <a:lstStyle/>
           <a:p>
             <a:pPr indent="-406400" lvl="0" marL="457200" rtl="0" algn="l">
               <a:spcBef>
@@ -12823,7 +12999,73 @@
             </a:pPr>
             <a:r>
               <a:rPr lang="en-GB"/>
+              <a:t>Set Quiz size</a:t>
+            </a:r>
+            <a:endParaRPr/>
+          </a:p>
+        </p:txBody>
+      </p:sp>
+      <p:sp>
+        <p:nvSpPr>
+          <p:cNvPr id="172" name="Google Shape;172;p29"/>
+          <p:cNvSpPr txBox="1"/>
+          <p:nvPr>
+            <p:ph idx="1" type="subTitle"/>
+          </p:nvPr>
+        </p:nvSpPr>
+        <p:spPr>
+          <a:xfrm>
+            <a:off x="4527875" y="1471725"/>
+            <a:ext cx="4000200" cy="3303900"/>
+          </a:xfrm>
+          <a:prstGeom prst="rect">
+            <a:avLst/>
+          </a:prstGeom>
+        </p:spPr>
+        <p:txBody>
+          <a:bodyPr anchorCtr="0" anchor="t" bIns="91425" lIns="91425" spcFirstLastPara="1" rIns="91425" wrap="square" tIns="91425">
+            <a:normAutofit lnSpcReduction="20000"/>
+          </a:bodyPr>
+          <a:lstStyle/>
+          <a:p>
+            <a:pPr indent="-406400" lvl="0" marL="457200" rtl="0" algn="l">
+              <a:spcBef>
+                <a:spcPts val="0"/>
+              </a:spcBef>
+              <a:spcAft>
+                <a:spcPts val="0"/>
+              </a:spcAft>
+              <a:buClr>
+                <a:schemeClr val="lt1"/>
+              </a:buClr>
+              <a:buSzPts val="2800"/>
+              <a:buFont typeface="Verdana"/>
+              <a:buChar char="●"/>
+            </a:pPr>
+            <a:r>
+              <a:rPr lang="en-GB"/>
               <a:t>Watch any student’s Score Sheet</a:t>
+            </a:r>
+            <a:endParaRPr/>
+          </a:p>
+          <a:p>
+            <a:pPr indent="-406400" lvl="0" marL="457200" rtl="0" algn="l">
+              <a:spcBef>
+                <a:spcPts val="0"/>
+              </a:spcBef>
+              <a:spcAft>
+                <a:spcPts val="0"/>
+              </a:spcAft>
+              <a:buClr>
+                <a:schemeClr val="lt1"/>
+              </a:buClr>
+              <a:buSzPts val="2800"/>
+              <a:buFont typeface="Verdana"/>
+              <a:buChar char="●"/>
+            </a:pPr>
+            <a:r>
+              <a:rPr lang="en-GB"/>
+              <a:t>Send Message to any Student Privately</a:t>
             </a:r>
             <a:endParaRPr/>
           </a:p>
@@ -13033,7 +13275,7 @@
         <p:spPr>
           <a:xfrm>
             <a:off x="429425" y="1582050"/>
-            <a:ext cx="4000200" cy="3193500"/>
+            <a:ext cx="4000200" cy="3326100"/>
           </a:xfrm>
           <a:prstGeom prst="rect">
             <a:avLst/>
@@ -13041,7 +13283,7 @@
         </p:spPr>
         <p:txBody>
           <a:bodyPr anchorCtr="0" anchor="t" bIns="91425" lIns="91425" spcFirstLastPara="1" rIns="91425" wrap="square" tIns="91425">
-            <a:normAutofit/>
+            <a:normAutofit lnSpcReduction="20000"/>
           </a:bodyPr>
           <a:lstStyle/>
           <a:p>
@@ -13125,6 +13367,27 @@
             <a:r>
               <a:rPr lang="en-GB"/>
               <a:t>Submit Quiz</a:t>
+            </a:r>
+            <a:endParaRPr/>
+          </a:p>
+          <a:p>
+            <a:pPr indent="-406400" lvl="0" marL="457200" rtl="0" algn="l">
+              <a:spcBef>
+                <a:spcPts val="0"/>
+              </a:spcBef>
+              <a:spcAft>
+                <a:spcPts val="0"/>
+              </a:spcAft>
+              <a:buClr>
+                <a:schemeClr val="lt1"/>
+              </a:buClr>
+              <a:buSzPts val="2800"/>
+              <a:buFont typeface="Verdana"/>
+              <a:buChar char="●"/>
+            </a:pPr>
+            <a:r>
+              <a:rPr lang="en-GB"/>
+              <a:t>Send Message to Teacher Privately</a:t>
             </a:r>
             <a:endParaRPr/>
           </a:p>
@@ -15044,17 +15307,18 @@
           <p:cNvPicPr preferRelativeResize="0"/>
           <p:nvPr/>
         </p:nvPicPr>
-        <p:blipFill rotWithShape="1">
+        <p:blipFill>
           <a:blip r:embed="rId3">
             <a:alphaModFix/>
           </a:blip>
-          <a:srcRect b="219" l="0" r="0" t="228"/>
-          <a:stretch/>
+          <a:stretch>
+            <a:fillRect/>
+          </a:stretch>
         </p:blipFill>
         <p:spPr>
           <a:xfrm>
-            <a:off x="3317975" y="1085675"/>
-            <a:ext cx="5636825" cy="3479613"/>
+            <a:off x="3166675" y="1044600"/>
+            <a:ext cx="5778724" cy="3564300"/>
           </a:xfrm>
           <a:prstGeom prst="rect">
             <a:avLst/>
@@ -16474,8 +16738,8 @@
         </p:blipFill>
         <p:spPr>
           <a:xfrm>
-            <a:off x="3364950" y="1025675"/>
-            <a:ext cx="5533251" cy="3802325"/>
+            <a:off x="3189225" y="988200"/>
+            <a:ext cx="5804601" cy="3570900"/>
           </a:xfrm>
           <a:prstGeom prst="rect">
             <a:avLst/>
@@ -16755,8 +17019,8 @@
         </p:blipFill>
         <p:spPr>
           <a:xfrm>
-            <a:off x="3495225" y="970650"/>
-            <a:ext cx="5327126" cy="3729250"/>
+            <a:off x="3390750" y="1020599"/>
+            <a:ext cx="5491450" cy="3368276"/>
           </a:xfrm>
           <a:prstGeom prst="rect">
             <a:avLst/>
@@ -16796,12 +17060,86 @@
         <p:nvSpPr>
           <p:cNvPr id="274" name="Google Shape;274;p44"/>
           <p:cNvSpPr txBox="1"/>
+          <p:nvPr>
+            <p:ph idx="1" type="subTitle"/>
+          </p:nvPr>
+        </p:nvSpPr>
+        <p:spPr>
+          <a:xfrm>
+            <a:off x="367950" y="1528900"/>
+            <a:ext cx="2878500" cy="2521200"/>
+          </a:xfrm>
+          <a:prstGeom prst="rect">
+            <a:avLst/>
+          </a:prstGeom>
+        </p:spPr>
+        <p:txBody>
+          <a:bodyPr anchorCtr="0" anchor="t" bIns="91425" lIns="91425" spcFirstLastPara="1" rIns="91425" wrap="square" tIns="91425">
+            <a:noAutofit/>
+          </a:bodyPr>
+          <a:lstStyle/>
+          <a:p>
+            <a:pPr indent="0" lvl="0" marL="0" rtl="0" algn="l">
+              <a:lnSpc>
+                <a:spcPct val="80000"/>
+              </a:lnSpc>
+              <a:spcBef>
+                <a:spcPts val="0"/>
+              </a:spcBef>
+              <a:spcAft>
+                <a:spcPts val="0"/>
+              </a:spcAft>
+              <a:buClr>
+                <a:schemeClr val="dk1"/>
+              </a:buClr>
+              <a:buSzPts val="1100"/>
+              <a:buFont typeface="Arial"/>
+              <a:buNone/>
+            </a:pPr>
+            <a:r>
+              <a:rPr lang="en-GB"/>
+              <a:t>A Teacher can delete all chat history of Students </a:t>
+            </a:r>
+            <a:r>
+              <a:rPr lang="en-GB"/>
+              <a:t>by clic</a:t>
+            </a:r>
+            <a:r>
+              <a:rPr lang="en-GB"/>
+              <a:t>king on the Confirm Button in Delete Messages.</a:t>
+            </a:r>
+            <a:endParaRPr/>
+          </a:p>
+          <a:p>
+            <a:pPr indent="0" lvl="0" marL="0" rtl="0" algn="l">
+              <a:lnSpc>
+                <a:spcPct val="80000"/>
+              </a:lnSpc>
+              <a:spcBef>
+                <a:spcPts val="0"/>
+              </a:spcBef>
+              <a:spcAft>
+                <a:spcPts val="0"/>
+              </a:spcAft>
+              <a:buNone/>
+            </a:pPr>
+            <a:r>
+              <a:t/>
+            </a:r>
+            <a:endParaRPr/>
+          </a:p>
+        </p:txBody>
+      </p:sp>
+      <p:sp>
+        <p:nvSpPr>
+          <p:cNvPr id="275" name="Google Shape;275;p44"/>
+          <p:cNvSpPr txBox="1"/>
           <p:nvPr/>
         </p:nvSpPr>
         <p:spPr>
           <a:xfrm>
-            <a:off x="1567250" y="68075"/>
-            <a:ext cx="4474500" cy="1985700"/>
+            <a:off x="977400" y="114725"/>
+            <a:ext cx="5827200" cy="1770000"/>
           </a:xfrm>
           <a:prstGeom prst="rect">
             <a:avLst/>
@@ -16824,6 +17162,11 @@
               <a:spcAft>
                 <a:spcPts val="0"/>
               </a:spcAft>
+              <a:buClr>
+                <a:schemeClr val="dk1"/>
+              </a:buClr>
+              <a:buSzPts val="1100"/>
+              <a:buFont typeface="Arial"/>
               <a:buNone/>
             </a:pPr>
             <a:r>
@@ -16836,7 +17179,7 @@
                 <a:cs typeface="Verdana"/>
                 <a:sym typeface="Verdana"/>
               </a:rPr>
-              <a:t>            12) Results</a:t>
+              <a:t>            12) Delete Messages</a:t>
             </a:r>
             <a:endParaRPr sz="2900">
               <a:solidFill>
@@ -16856,6 +17199,11 @@
               <a:spcAft>
                 <a:spcPts val="0"/>
               </a:spcAft>
+              <a:buClr>
+                <a:schemeClr val="dk1"/>
+              </a:buClr>
+              <a:buSzPts val="1100"/>
+              <a:buFont typeface="Arial"/>
               <a:buNone/>
             </a:pPr>
             <a:r>
@@ -16879,6 +17227,11 @@
               <a:spcAft>
                 <a:spcPts val="0"/>
               </a:spcAft>
+              <a:buClr>
+                <a:schemeClr val="dk1"/>
+              </a:buClr>
+              <a:buSzPts val="1100"/>
+              <a:buFont typeface="Arial"/>
               <a:buNone/>
             </a:pPr>
             <a:r>
@@ -16908,84 +17261,11 @@
               <a:t/>
             </a:r>
             <a:endParaRPr sz="2800">
-              <a:solidFill>
-                <a:schemeClr val="dk1"/>
-              </a:solidFill>
               <a:latin typeface="Verdana"/>
               <a:ea typeface="Verdana"/>
               <a:cs typeface="Verdana"/>
               <a:sym typeface="Verdana"/>
             </a:endParaRPr>
-          </a:p>
-          <a:p>
-            <a:pPr indent="0" lvl="0" marL="0" rtl="0" algn="l">
-              <a:spcBef>
-                <a:spcPts val="0"/>
-              </a:spcBef>
-              <a:spcAft>
-                <a:spcPts val="0"/>
-              </a:spcAft>
-              <a:buNone/>
-            </a:pPr>
-            <a:r>
-              <a:t/>
-            </a:r>
-            <a:endParaRPr/>
-          </a:p>
-        </p:txBody>
-      </p:sp>
-      <p:sp>
-        <p:nvSpPr>
-          <p:cNvPr id="275" name="Google Shape;275;p44"/>
-          <p:cNvSpPr txBox="1"/>
-          <p:nvPr/>
-        </p:nvSpPr>
-        <p:spPr>
-          <a:xfrm>
-            <a:off x="277725" y="1201725"/>
-            <a:ext cx="2289600" cy="3078300"/>
-          </a:xfrm>
-          <a:prstGeom prst="rect">
-            <a:avLst/>
-          </a:prstGeom>
-          <a:noFill/>
-          <a:ln>
-            <a:noFill/>
-          </a:ln>
-        </p:spPr>
-        <p:txBody>
-          <a:bodyPr anchorCtr="0" anchor="t" bIns="91425" lIns="91425" spcFirstLastPara="1" rIns="91425" wrap="square" tIns="91425">
-            <a:spAutoFit/>
-          </a:bodyPr>
-          <a:lstStyle/>
-          <a:p>
-            <a:pPr indent="0" lvl="0" marL="0" rtl="0" algn="l">
-              <a:spcBef>
-                <a:spcPts val="0"/>
-              </a:spcBef>
-              <a:spcAft>
-                <a:spcPts val="0"/>
-              </a:spcAft>
-              <a:buClr>
-                <a:schemeClr val="dk1"/>
-              </a:buClr>
-              <a:buSzPts val="1100"/>
-              <a:buFont typeface="Arial"/>
-              <a:buNone/>
-            </a:pPr>
-            <a:r>
-              <a:rPr lang="en-GB" sz="2350">
-                <a:solidFill>
-                  <a:srgbClr val="F3F3F3"/>
-                </a:solidFill>
-                <a:latin typeface="Verdana"/>
-                <a:ea typeface="Verdana"/>
-                <a:cs typeface="Verdana"/>
-                <a:sym typeface="Verdana"/>
-              </a:rPr>
-              <a:t>by clicking on the results button this screen will open, to check the result of all the students .</a:t>
-            </a:r>
-            <a:endParaRPr sz="2350"/>
           </a:p>
         </p:txBody>
       </p:sp>
@@ -17005,8 +17285,8 @@
         </p:blipFill>
         <p:spPr>
           <a:xfrm>
-            <a:off x="2940300" y="912325"/>
-            <a:ext cx="5945974" cy="3890750"/>
+            <a:off x="3795750" y="1154725"/>
+            <a:ext cx="4482450" cy="3479975"/>
           </a:xfrm>
           <a:prstGeom prst="rect">
             <a:avLst/>
@@ -17050,8 +17330,8 @@
         </p:nvSpPr>
         <p:spPr>
           <a:xfrm>
-            <a:off x="2304150" y="82800"/>
-            <a:ext cx="4535700" cy="1985700"/>
+            <a:off x="1567250" y="68075"/>
+            <a:ext cx="4474500" cy="1985700"/>
           </a:xfrm>
           <a:prstGeom prst="rect">
             <a:avLst/>
@@ -17086,7 +17366,7 @@
                 <a:cs typeface="Verdana"/>
                 <a:sym typeface="Verdana"/>
               </a:rPr>
-              <a:t>13) Quiz Sheet Button</a:t>
+              <a:t>            13) Results</a:t>
             </a:r>
             <a:endParaRPr sz="2900">
               <a:solidFill>
@@ -17192,8 +17472,8 @@
         </p:nvSpPr>
         <p:spPr>
           <a:xfrm>
-            <a:off x="176625" y="856600"/>
-            <a:ext cx="3303900" cy="3825000"/>
+            <a:off x="86425" y="993825"/>
+            <a:ext cx="3060000" cy="3494100"/>
           </a:xfrm>
           <a:prstGeom prst="rect">
             <a:avLst/>
@@ -17233,8 +17513,33 @@
                 <a:cs typeface="Verdana"/>
                 <a:sym typeface="Verdana"/>
               </a:rPr>
-              <a:t>On the above </a:t>
-            </a:r>
+              <a:t>by clicking on the results button this screen will open, to check the result of all the students.</a:t>
+            </a:r>
+            <a:endParaRPr sz="2150">
+              <a:solidFill>
+                <a:srgbClr val="F3F3F3"/>
+              </a:solidFill>
+              <a:latin typeface="Verdana"/>
+              <a:ea typeface="Verdana"/>
+              <a:cs typeface="Verdana"/>
+              <a:sym typeface="Verdana"/>
+            </a:endParaRPr>
+          </a:p>
+          <a:p>
+            <a:pPr indent="0" lvl="0" marL="0" rtl="0" algn="l">
+              <a:spcBef>
+                <a:spcPts val="0"/>
+              </a:spcBef>
+              <a:spcAft>
+                <a:spcPts val="0"/>
+              </a:spcAft>
+              <a:buClr>
+                <a:schemeClr val="dk1"/>
+              </a:buClr>
+              <a:buSzPts val="1100"/>
+              <a:buFont typeface="Arial"/>
+              <a:buNone/>
+            </a:pPr>
             <a:r>
               <a:rPr lang="en-GB" sz="2150">
                 <a:solidFill>
@@ -17245,7 +17550,7 @@
                 <a:cs typeface="Verdana"/>
                 <a:sym typeface="Verdana"/>
               </a:rPr>
-              <a:t>panel</a:t>
+              <a:t>Here, the </a:t>
             </a:r>
             <a:r>
               <a:rPr lang="en-GB" sz="2150">
@@ -17257,33 +17562,8 @@
                 <a:cs typeface="Verdana"/>
                 <a:sym typeface="Verdana"/>
               </a:rPr>
-              <a:t> you can see a button on Quiz Sheet row with Seat Number of Students.</a:t>
-            </a:r>
-            <a:endParaRPr sz="2150">
-              <a:solidFill>
-                <a:srgbClr val="F3F3F3"/>
-              </a:solidFill>
-              <a:latin typeface="Verdana"/>
-              <a:ea typeface="Verdana"/>
-              <a:cs typeface="Verdana"/>
-              <a:sym typeface="Verdana"/>
-            </a:endParaRPr>
-          </a:p>
-          <a:p>
-            <a:pPr indent="0" lvl="0" marL="0" rtl="0" algn="l">
-              <a:spcBef>
-                <a:spcPts val="0"/>
-              </a:spcBef>
-              <a:spcAft>
-                <a:spcPts val="0"/>
-              </a:spcAft>
-              <a:buClr>
-                <a:schemeClr val="dk1"/>
-              </a:buClr>
-              <a:buSzPts val="1100"/>
-              <a:buFont typeface="Arial"/>
-              <a:buNone/>
-            </a:pPr>
+              <a:t>highlighted</a:t>
+            </a:r>
             <a:r>
               <a:rPr lang="en-GB" sz="2150">
                 <a:solidFill>
@@ -17294,7 +17574,7 @@
                 <a:cs typeface="Verdana"/>
                 <a:sym typeface="Verdana"/>
               </a:rPr>
-              <a:t>If we click those, so that will display the Score Sheet of each of the Students who have given the test, like this.</a:t>
+              <a:t> button means Student have send a private message to Teacher.</a:t>
             </a:r>
             <a:endParaRPr sz="2150">
               <a:solidFill>
@@ -17324,8 +17604,8 @@
         </p:blipFill>
         <p:spPr>
           <a:xfrm>
-            <a:off x="3572100" y="1128038"/>
-            <a:ext cx="5421700" cy="3282125"/>
+            <a:off x="3109675" y="804300"/>
+            <a:ext cx="5918999" cy="3873150"/>
           </a:xfrm>
           <a:prstGeom prst="rect">
             <a:avLst/>
@@ -17369,8 +17649,8 @@
         </p:nvSpPr>
         <p:spPr>
           <a:xfrm>
-            <a:off x="2334750" y="68075"/>
-            <a:ext cx="4474500" cy="1985700"/>
+            <a:off x="2304150" y="82800"/>
+            <a:ext cx="4535700" cy="1985700"/>
           </a:xfrm>
           <a:prstGeom prst="rect">
             <a:avLst/>
@@ -17405,7 +17685,7 @@
                 <a:cs typeface="Verdana"/>
                 <a:sym typeface="Verdana"/>
               </a:rPr>
-              <a:t>14) Download Button</a:t>
+              <a:t>14) Quiz Sheet Button</a:t>
             </a:r>
             <a:endParaRPr sz="2900">
               <a:solidFill>
@@ -17511,8 +17791,8 @@
         </p:nvSpPr>
         <p:spPr>
           <a:xfrm>
-            <a:off x="357550" y="1039825"/>
-            <a:ext cx="2799300" cy="3440100"/>
+            <a:off x="176625" y="856600"/>
+            <a:ext cx="3303900" cy="3694200"/>
           </a:xfrm>
           <a:prstGeom prst="rect">
             <a:avLst/>
@@ -17543,7 +17823,7 @@
               <a:buNone/>
             </a:pPr>
             <a:r>
-              <a:rPr lang="en-GB" sz="2350">
+              <a:rPr lang="en-GB" sz="1900">
                 <a:solidFill>
                   <a:srgbClr val="F3F3F3"/>
                 </a:solidFill>
@@ -17552,9 +17832,102 @@
                 <a:cs typeface="Verdana"/>
                 <a:sym typeface="Verdana"/>
               </a:rPr>
-              <a:t>by clicking on the Download  button on Result a new panel will appear that will save the overall table data into .csv(Excel) format.</a:t>
-            </a:r>
-            <a:endParaRPr sz="2350"/>
+              <a:t>On the above </a:t>
+            </a:r>
+            <a:r>
+              <a:rPr lang="en-GB" sz="1900">
+                <a:solidFill>
+                  <a:srgbClr val="F3F3F3"/>
+                </a:solidFill>
+                <a:latin typeface="Verdana"/>
+                <a:ea typeface="Verdana"/>
+                <a:cs typeface="Verdana"/>
+                <a:sym typeface="Verdana"/>
+              </a:rPr>
+              <a:t>panel</a:t>
+            </a:r>
+            <a:r>
+              <a:rPr lang="en-GB" sz="1900">
+                <a:solidFill>
+                  <a:srgbClr val="F3F3F3"/>
+                </a:solidFill>
+                <a:latin typeface="Verdana"/>
+                <a:ea typeface="Verdana"/>
+                <a:cs typeface="Verdana"/>
+                <a:sym typeface="Verdana"/>
+              </a:rPr>
+              <a:t> you can see a button on Quiz Sheet row with Seat Number of Students.</a:t>
+            </a:r>
+            <a:endParaRPr sz="1900">
+              <a:solidFill>
+                <a:srgbClr val="F3F3F3"/>
+              </a:solidFill>
+              <a:latin typeface="Verdana"/>
+              <a:ea typeface="Verdana"/>
+              <a:cs typeface="Verdana"/>
+              <a:sym typeface="Verdana"/>
+            </a:endParaRPr>
+          </a:p>
+          <a:p>
+            <a:pPr indent="0" lvl="0" marL="0" rtl="0" algn="l">
+              <a:spcBef>
+                <a:spcPts val="0"/>
+              </a:spcBef>
+              <a:spcAft>
+                <a:spcPts val="0"/>
+              </a:spcAft>
+              <a:buClr>
+                <a:schemeClr val="dk1"/>
+              </a:buClr>
+              <a:buSzPts val="1100"/>
+              <a:buFont typeface="Arial"/>
+              <a:buNone/>
+            </a:pPr>
+            <a:r>
+              <a:rPr lang="en-GB" sz="1900">
+                <a:solidFill>
+                  <a:srgbClr val="F3F3F3"/>
+                </a:solidFill>
+                <a:latin typeface="Verdana"/>
+                <a:ea typeface="Verdana"/>
+                <a:cs typeface="Verdana"/>
+                <a:sym typeface="Verdana"/>
+              </a:rPr>
+              <a:t>If we click those, so that will display the Score Sheet of each of the Students who have given the test and Teacher can also send that Student a message </a:t>
+            </a:r>
+            <a:r>
+              <a:rPr lang="en-GB" sz="1900">
+                <a:solidFill>
+                  <a:srgbClr val="F3F3F3"/>
+                </a:solidFill>
+                <a:latin typeface="Verdana"/>
+                <a:ea typeface="Verdana"/>
+                <a:cs typeface="Verdana"/>
+                <a:sym typeface="Verdana"/>
+              </a:rPr>
+              <a:t>through</a:t>
+            </a:r>
+            <a:r>
+              <a:rPr lang="en-GB" sz="1900">
+                <a:solidFill>
+                  <a:srgbClr val="F3F3F3"/>
+                </a:solidFill>
+                <a:latin typeface="Verdana"/>
+                <a:ea typeface="Verdana"/>
+                <a:cs typeface="Verdana"/>
+                <a:sym typeface="Verdana"/>
+              </a:rPr>
+              <a:t> message button.</a:t>
+            </a:r>
+            <a:endParaRPr sz="1900">
+              <a:solidFill>
+                <a:srgbClr val="F3F3F3"/>
+              </a:solidFill>
+              <a:latin typeface="Verdana"/>
+              <a:ea typeface="Verdana"/>
+              <a:cs typeface="Verdana"/>
+              <a:sym typeface="Verdana"/>
+            </a:endParaRPr>
           </a:p>
         </p:txBody>
       </p:sp>
@@ -17574,8 +17947,8 @@
         </p:blipFill>
         <p:spPr>
           <a:xfrm>
-            <a:off x="3879250" y="1169424"/>
-            <a:ext cx="4417131" cy="2974050"/>
+            <a:off x="3519525" y="1101600"/>
+            <a:ext cx="5485850" cy="3376299"/>
           </a:xfrm>
           <a:prstGeom prst="rect">
             <a:avLst/>
@@ -17615,37 +17988,139 @@
         <p:nvSpPr>
           <p:cNvPr id="295" name="Google Shape;295;p47"/>
           <p:cNvSpPr txBox="1"/>
-          <p:nvPr>
-            <p:ph type="ctrTitle"/>
-          </p:nvPr>
-        </p:nvSpPr>
-        <p:spPr>
-          <a:xfrm>
-            <a:off x="311700" y="126450"/>
-            <a:ext cx="8520600" cy="675600"/>
+          <p:nvPr/>
+        </p:nvSpPr>
+        <p:spPr>
+          <a:xfrm>
+            <a:off x="2304150" y="82800"/>
+            <a:ext cx="4535700" cy="1985700"/>
           </a:xfrm>
           <a:prstGeom prst="rect">
             <a:avLst/>
           </a:prstGeom>
+          <a:noFill/>
+          <a:ln>
+            <a:noFill/>
+          </a:ln>
         </p:spPr>
         <p:txBody>
-          <a:bodyPr anchorCtr="0" anchor="b" bIns="91425" lIns="91425" spcFirstLastPara="1" rIns="91425" wrap="square" tIns="91425">
-            <a:normAutofit/>
+          <a:bodyPr anchorCtr="0" anchor="t" bIns="91425" lIns="91425" spcFirstLastPara="1" rIns="91425" wrap="square" tIns="91425">
+            <a:spAutoFit/>
           </a:bodyPr>
           <a:lstStyle/>
           <a:p>
-            <a:pPr indent="0" lvl="0" marL="0" rtl="0" algn="ctr">
-              <a:spcBef>
-                <a:spcPts val="0"/>
-              </a:spcBef>
-              <a:spcAft>
-                <a:spcPts val="0"/>
-              </a:spcAft>
-              <a:buNone/>
-            </a:pPr>
-            <a:r>
-              <a:rPr lang="en-GB"/>
-              <a:t>Result in Excel</a:t>
+            <a:pPr indent="0" lvl="0" marL="0" rtl="0" algn="l">
+              <a:spcBef>
+                <a:spcPts val="0"/>
+              </a:spcBef>
+              <a:spcAft>
+                <a:spcPts val="0"/>
+              </a:spcAft>
+              <a:buNone/>
+            </a:pPr>
+            <a:r>
+              <a:rPr lang="en-GB" sz="2900">
+                <a:solidFill>
+                  <a:schemeClr val="lt1"/>
+                </a:solidFill>
+                <a:latin typeface="Verdana"/>
+                <a:ea typeface="Verdana"/>
+                <a:cs typeface="Verdana"/>
+                <a:sym typeface="Verdana"/>
+              </a:rPr>
+              <a:t>15) Message Box</a:t>
+            </a:r>
+            <a:endParaRPr sz="2900">
+              <a:solidFill>
+                <a:schemeClr val="lt1"/>
+              </a:solidFill>
+              <a:latin typeface="Verdana"/>
+              <a:ea typeface="Verdana"/>
+              <a:cs typeface="Verdana"/>
+              <a:sym typeface="Verdana"/>
+            </a:endParaRPr>
+          </a:p>
+          <a:p>
+            <a:pPr indent="0" lvl="0" marL="0" rtl="0" algn="just">
+              <a:spcBef>
+                <a:spcPts val="0"/>
+              </a:spcBef>
+              <a:spcAft>
+                <a:spcPts val="0"/>
+              </a:spcAft>
+              <a:buNone/>
+            </a:pPr>
+            <a:r>
+              <a:t/>
+            </a:r>
+            <a:endParaRPr sz="1800">
+              <a:solidFill>
+                <a:schemeClr val="lt1"/>
+              </a:solidFill>
+              <a:latin typeface="Verdana"/>
+              <a:ea typeface="Verdana"/>
+              <a:cs typeface="Verdana"/>
+              <a:sym typeface="Verdana"/>
+            </a:endParaRPr>
+          </a:p>
+          <a:p>
+            <a:pPr indent="0" lvl="0" marL="0" rtl="0" algn="just">
+              <a:spcBef>
+                <a:spcPts val="0"/>
+              </a:spcBef>
+              <a:spcAft>
+                <a:spcPts val="0"/>
+              </a:spcAft>
+              <a:buNone/>
+            </a:pPr>
+            <a:r>
+              <a:t/>
+            </a:r>
+            <a:endParaRPr sz="2800">
+              <a:solidFill>
+                <a:schemeClr val="lt1"/>
+              </a:solidFill>
+              <a:latin typeface="Verdana"/>
+              <a:ea typeface="Verdana"/>
+              <a:cs typeface="Verdana"/>
+              <a:sym typeface="Verdana"/>
+            </a:endParaRPr>
+          </a:p>
+          <a:p>
+            <a:pPr indent="0" lvl="0" marL="0" rtl="0" algn="l">
+              <a:spcBef>
+                <a:spcPts val="0"/>
+              </a:spcBef>
+              <a:spcAft>
+                <a:spcPts val="0"/>
+              </a:spcAft>
+              <a:buNone/>
+            </a:pPr>
+            <a:r>
+              <a:t/>
+            </a:r>
+            <a:endParaRPr sz="2800">
+              <a:solidFill>
+                <a:schemeClr val="dk1"/>
+              </a:solidFill>
+              <a:latin typeface="Verdana"/>
+              <a:ea typeface="Verdana"/>
+              <a:cs typeface="Verdana"/>
+              <a:sym typeface="Verdana"/>
+            </a:endParaRPr>
+          </a:p>
+          <a:p>
+            <a:pPr indent="0" lvl="0" marL="0" rtl="0" algn="l">
+              <a:spcBef>
+                <a:spcPts val="0"/>
+              </a:spcBef>
+              <a:spcAft>
+                <a:spcPts val="0"/>
+              </a:spcAft>
+              <a:buNone/>
+            </a:pPr>
+            <a:r>
+              <a:t/>
             </a:r>
             <a:endParaRPr/>
           </a:p>
@@ -17655,22 +18130,24 @@
         <p:nvSpPr>
           <p:cNvPr id="296" name="Google Shape;296;p47"/>
           <p:cNvSpPr txBox="1"/>
-          <p:nvPr>
-            <p:ph idx="1" type="subTitle"/>
-          </p:nvPr>
-        </p:nvSpPr>
-        <p:spPr>
-          <a:xfrm>
-            <a:off x="216025" y="1362425"/>
-            <a:ext cx="3323400" cy="3405900"/>
+          <p:nvPr/>
+        </p:nvSpPr>
+        <p:spPr>
+          <a:xfrm>
+            <a:off x="330525" y="1287163"/>
+            <a:ext cx="3303900" cy="3078300"/>
           </a:xfrm>
           <a:prstGeom prst="rect">
             <a:avLst/>
           </a:prstGeom>
+          <a:noFill/>
+          <a:ln>
+            <a:noFill/>
+          </a:ln>
         </p:spPr>
         <p:txBody>
           <a:bodyPr anchorCtr="0" anchor="t" bIns="91425" lIns="91425" spcFirstLastPara="1" rIns="91425" wrap="square" tIns="91425">
-            <a:normAutofit/>
+            <a:spAutoFit/>
           </a:bodyPr>
           <a:lstStyle/>
           <a:p>
@@ -17681,13 +18158,82 @@
               <a:spcAft>
                 <a:spcPts val="0"/>
               </a:spcAft>
-              <a:buNone/>
-            </a:pPr>
-            <a:r>
-              <a:rPr lang="en-GB"/>
-              <a:t>Then the csv file will save to the destination you want and after opening the file, it will look like this</a:t>
-            </a:r>
-            <a:endParaRPr/>
+              <a:buClr>
+                <a:schemeClr val="dk1"/>
+              </a:buClr>
+              <a:buSzPts val="1100"/>
+              <a:buFont typeface="Arial"/>
+              <a:buNone/>
+            </a:pPr>
+            <a:r>
+              <a:rPr lang="en-GB" sz="2350">
+                <a:solidFill>
+                  <a:srgbClr val="F3F3F3"/>
+                </a:solidFill>
+                <a:latin typeface="Verdana"/>
+                <a:ea typeface="Verdana"/>
+                <a:cs typeface="Verdana"/>
+                <a:sym typeface="Verdana"/>
+              </a:rPr>
+              <a:t>While on clicking on Message Button in Score Sheet, this window will </a:t>
+            </a:r>
+            <a:r>
+              <a:rPr lang="en-GB" sz="2350">
+                <a:solidFill>
+                  <a:srgbClr val="F3F3F3"/>
+                </a:solidFill>
+                <a:latin typeface="Verdana"/>
+                <a:ea typeface="Verdana"/>
+                <a:cs typeface="Verdana"/>
+                <a:sym typeface="Verdana"/>
+              </a:rPr>
+              <a:t>appear</a:t>
+            </a:r>
+            <a:r>
+              <a:rPr lang="en-GB" sz="2350">
+                <a:solidFill>
+                  <a:srgbClr val="F3F3F3"/>
+                </a:solidFill>
+                <a:latin typeface="Verdana"/>
+                <a:ea typeface="Verdana"/>
+                <a:cs typeface="Verdana"/>
+                <a:sym typeface="Verdana"/>
+              </a:rPr>
+              <a:t> where Student and Teacher both can </a:t>
+            </a:r>
+            <a:r>
+              <a:rPr lang="en-GB" sz="2350">
+                <a:solidFill>
+                  <a:srgbClr val="F3F3F3"/>
+                </a:solidFill>
+                <a:latin typeface="Verdana"/>
+                <a:ea typeface="Verdana"/>
+                <a:cs typeface="Verdana"/>
+                <a:sym typeface="Verdana"/>
+              </a:rPr>
+              <a:t>co-ordinate</a:t>
+            </a:r>
+            <a:r>
+              <a:rPr lang="en-GB" sz="2350">
+                <a:solidFill>
+                  <a:srgbClr val="F3F3F3"/>
+                </a:solidFill>
+                <a:latin typeface="Verdana"/>
+                <a:ea typeface="Verdana"/>
+                <a:cs typeface="Verdana"/>
+                <a:sym typeface="Verdana"/>
+              </a:rPr>
+              <a:t> to each other privately</a:t>
+            </a:r>
+            <a:endParaRPr sz="2350">
+              <a:solidFill>
+                <a:srgbClr val="F3F3F3"/>
+              </a:solidFill>
+              <a:latin typeface="Verdana"/>
+              <a:ea typeface="Verdana"/>
+              <a:cs typeface="Verdana"/>
+              <a:sym typeface="Verdana"/>
+            </a:endParaRPr>
           </a:p>
         </p:txBody>
       </p:sp>
@@ -17707,8 +18253,8 @@
         </p:blipFill>
         <p:spPr>
           <a:xfrm>
-            <a:off x="3693900" y="1111725"/>
-            <a:ext cx="5208899" cy="3445251"/>
+            <a:off x="4086525" y="978850"/>
+            <a:ext cx="4134975" cy="3777350"/>
           </a:xfrm>
           <a:prstGeom prst="rect">
             <a:avLst/>
@@ -17748,6 +18294,389 @@
         <p:nvSpPr>
           <p:cNvPr id="302" name="Google Shape;302;p48"/>
           <p:cNvSpPr txBox="1"/>
+          <p:nvPr/>
+        </p:nvSpPr>
+        <p:spPr>
+          <a:xfrm>
+            <a:off x="2334750" y="68075"/>
+            <a:ext cx="4474500" cy="1985700"/>
+          </a:xfrm>
+          <a:prstGeom prst="rect">
+            <a:avLst/>
+          </a:prstGeom>
+          <a:noFill/>
+          <a:ln>
+            <a:noFill/>
+          </a:ln>
+        </p:spPr>
+        <p:txBody>
+          <a:bodyPr anchorCtr="0" anchor="t" bIns="91425" lIns="91425" spcFirstLastPara="1" rIns="91425" wrap="square" tIns="91425">
+            <a:spAutoFit/>
+          </a:bodyPr>
+          <a:lstStyle/>
+          <a:p>
+            <a:pPr indent="0" lvl="0" marL="0" rtl="0" algn="l">
+              <a:spcBef>
+                <a:spcPts val="0"/>
+              </a:spcBef>
+              <a:spcAft>
+                <a:spcPts val="0"/>
+              </a:spcAft>
+              <a:buNone/>
+            </a:pPr>
+            <a:r>
+              <a:rPr lang="en-GB" sz="2900">
+                <a:solidFill>
+                  <a:schemeClr val="lt1"/>
+                </a:solidFill>
+                <a:latin typeface="Verdana"/>
+                <a:ea typeface="Verdana"/>
+                <a:cs typeface="Verdana"/>
+                <a:sym typeface="Verdana"/>
+              </a:rPr>
+              <a:t>16) Download Button</a:t>
+            </a:r>
+            <a:endParaRPr sz="2900">
+              <a:solidFill>
+                <a:schemeClr val="lt1"/>
+              </a:solidFill>
+              <a:latin typeface="Verdana"/>
+              <a:ea typeface="Verdana"/>
+              <a:cs typeface="Verdana"/>
+              <a:sym typeface="Verdana"/>
+            </a:endParaRPr>
+          </a:p>
+          <a:p>
+            <a:pPr indent="0" lvl="0" marL="0" rtl="0" algn="just">
+              <a:spcBef>
+                <a:spcPts val="0"/>
+              </a:spcBef>
+              <a:spcAft>
+                <a:spcPts val="0"/>
+              </a:spcAft>
+              <a:buNone/>
+            </a:pPr>
+            <a:r>
+              <a:t/>
+            </a:r>
+            <a:endParaRPr sz="1800">
+              <a:solidFill>
+                <a:schemeClr val="lt1"/>
+              </a:solidFill>
+              <a:latin typeface="Verdana"/>
+              <a:ea typeface="Verdana"/>
+              <a:cs typeface="Verdana"/>
+              <a:sym typeface="Verdana"/>
+            </a:endParaRPr>
+          </a:p>
+          <a:p>
+            <a:pPr indent="0" lvl="0" marL="0" rtl="0" algn="just">
+              <a:spcBef>
+                <a:spcPts val="0"/>
+              </a:spcBef>
+              <a:spcAft>
+                <a:spcPts val="0"/>
+              </a:spcAft>
+              <a:buNone/>
+            </a:pPr>
+            <a:r>
+              <a:t/>
+            </a:r>
+            <a:endParaRPr sz="2800">
+              <a:solidFill>
+                <a:schemeClr val="lt1"/>
+              </a:solidFill>
+              <a:latin typeface="Verdana"/>
+              <a:ea typeface="Verdana"/>
+              <a:cs typeface="Verdana"/>
+              <a:sym typeface="Verdana"/>
+            </a:endParaRPr>
+          </a:p>
+          <a:p>
+            <a:pPr indent="0" lvl="0" marL="0" rtl="0" algn="l">
+              <a:spcBef>
+                <a:spcPts val="0"/>
+              </a:spcBef>
+              <a:spcAft>
+                <a:spcPts val="0"/>
+              </a:spcAft>
+              <a:buNone/>
+            </a:pPr>
+            <a:r>
+              <a:t/>
+            </a:r>
+            <a:endParaRPr sz="2800">
+              <a:solidFill>
+                <a:schemeClr val="dk1"/>
+              </a:solidFill>
+              <a:latin typeface="Verdana"/>
+              <a:ea typeface="Verdana"/>
+              <a:cs typeface="Verdana"/>
+              <a:sym typeface="Verdana"/>
+            </a:endParaRPr>
+          </a:p>
+          <a:p>
+            <a:pPr indent="0" lvl="0" marL="0" rtl="0" algn="l">
+              <a:spcBef>
+                <a:spcPts val="0"/>
+              </a:spcBef>
+              <a:spcAft>
+                <a:spcPts val="0"/>
+              </a:spcAft>
+              <a:buNone/>
+            </a:pPr>
+            <a:r>
+              <a:t/>
+            </a:r>
+            <a:endParaRPr/>
+          </a:p>
+        </p:txBody>
+      </p:sp>
+      <p:sp>
+        <p:nvSpPr>
+          <p:cNvPr id="303" name="Google Shape;303;p48"/>
+          <p:cNvSpPr txBox="1"/>
+          <p:nvPr/>
+        </p:nvSpPr>
+        <p:spPr>
+          <a:xfrm>
+            <a:off x="357550" y="1039825"/>
+            <a:ext cx="2799300" cy="3440100"/>
+          </a:xfrm>
+          <a:prstGeom prst="rect">
+            <a:avLst/>
+          </a:prstGeom>
+          <a:noFill/>
+          <a:ln>
+            <a:noFill/>
+          </a:ln>
+        </p:spPr>
+        <p:txBody>
+          <a:bodyPr anchorCtr="0" anchor="t" bIns="91425" lIns="91425" spcFirstLastPara="1" rIns="91425" wrap="square" tIns="91425">
+            <a:spAutoFit/>
+          </a:bodyPr>
+          <a:lstStyle/>
+          <a:p>
+            <a:pPr indent="0" lvl="0" marL="0" rtl="0" algn="l">
+              <a:spcBef>
+                <a:spcPts val="0"/>
+              </a:spcBef>
+              <a:spcAft>
+                <a:spcPts val="0"/>
+              </a:spcAft>
+              <a:buClr>
+                <a:schemeClr val="dk1"/>
+              </a:buClr>
+              <a:buSzPts val="1100"/>
+              <a:buFont typeface="Arial"/>
+              <a:buNone/>
+            </a:pPr>
+            <a:r>
+              <a:rPr lang="en-GB" sz="2350">
+                <a:solidFill>
+                  <a:srgbClr val="F3F3F3"/>
+                </a:solidFill>
+                <a:latin typeface="Verdana"/>
+                <a:ea typeface="Verdana"/>
+                <a:cs typeface="Verdana"/>
+                <a:sym typeface="Verdana"/>
+              </a:rPr>
+              <a:t>by clicking on the Download  button on Result a new panel will appear that will save the overall table data into .csv(Excel) format.</a:t>
+            </a:r>
+            <a:endParaRPr sz="2350"/>
+          </a:p>
+        </p:txBody>
+      </p:sp>
+      <p:pic>
+        <p:nvPicPr>
+          <p:cNvPr id="304" name="Google Shape;304;p48"/>
+          <p:cNvPicPr preferRelativeResize="0"/>
+          <p:nvPr/>
+        </p:nvPicPr>
+        <p:blipFill>
+          <a:blip r:embed="rId3">
+            <a:alphaModFix/>
+          </a:blip>
+          <a:stretch>
+            <a:fillRect/>
+          </a:stretch>
+        </p:blipFill>
+        <p:spPr>
+          <a:xfrm>
+            <a:off x="3879250" y="1169424"/>
+            <a:ext cx="4417131" cy="2974050"/>
+          </a:xfrm>
+          <a:prstGeom prst="rect">
+            <a:avLst/>
+          </a:prstGeom>
+          <a:noFill/>
+          <a:ln>
+            <a:noFill/>
+          </a:ln>
+        </p:spPr>
+      </p:pic>
+    </p:spTree>
+  </p:cSld>
+  <p:clrMapOvr>
+    <a:masterClrMapping/>
+  </p:clrMapOvr>
+</p:sld>
+</file>
+
+<file path=ppt/slides/slide37.xml><?xml version="1.0" encoding="utf-8"?>
+<p:sld xmlns:a="http://schemas.openxmlformats.org/drawingml/2006/main" xmlns:r="http://schemas.openxmlformats.org/officeDocument/2006/relationships" xmlns:mc="http://schemas.openxmlformats.org/markup-compatibility/2006" xmlns:mv="urn:schemas-microsoft-com:mac:vml" xmlns:p="http://schemas.openxmlformats.org/presentationml/2006/main" xmlns:c="http://schemas.openxmlformats.org/drawingml/2006/chart" xmlns:dgm="http://schemas.openxmlformats.org/drawingml/2006/diagram" xmlns:o="urn:schemas-microsoft-com:office:office" xmlns:v="urn:schemas-microsoft-com:vml" xmlns:pvml="urn:schemas-microsoft-com:office:powerpoint" xmlns:com="http://schemas.openxmlformats.org/drawingml/2006/compatibility" xmlns:p14="http://schemas.microsoft.com/office/powerpoint/2010/main" xmlns:p15="http://schemas.microsoft.com/office/powerpoint/2012/main" xmlns:ahyp="http://schemas.microsoft.com/office/drawing/2018/hyperlinkcolor">
+  <p:cSld>
+    <p:spTree>
+      <p:nvGrpSpPr>
+        <p:cNvPr id="308" name="Shape 308"/>
+        <p:cNvGrpSpPr/>
+        <p:nvPr/>
+      </p:nvGrpSpPr>
+      <p:grpSpPr>
+        <a:xfrm>
+          <a:off x="0" y="0"/>
+          <a:ext cx="0" cy="0"/>
+          <a:chOff x="0" y="0"/>
+          <a:chExt cx="0" cy="0"/>
+        </a:xfrm>
+      </p:grpSpPr>
+      <p:sp>
+        <p:nvSpPr>
+          <p:cNvPr id="309" name="Google Shape;309;p49"/>
+          <p:cNvSpPr txBox="1"/>
+          <p:nvPr>
+            <p:ph type="ctrTitle"/>
+          </p:nvPr>
+        </p:nvSpPr>
+        <p:spPr>
+          <a:xfrm>
+            <a:off x="311700" y="126450"/>
+            <a:ext cx="8520600" cy="675600"/>
+          </a:xfrm>
+          <a:prstGeom prst="rect">
+            <a:avLst/>
+          </a:prstGeom>
+        </p:spPr>
+        <p:txBody>
+          <a:bodyPr anchorCtr="0" anchor="b" bIns="91425" lIns="91425" spcFirstLastPara="1" rIns="91425" wrap="square" tIns="91425">
+            <a:normAutofit/>
+          </a:bodyPr>
+          <a:lstStyle/>
+          <a:p>
+            <a:pPr indent="0" lvl="0" marL="0" rtl="0" algn="ctr">
+              <a:spcBef>
+                <a:spcPts val="0"/>
+              </a:spcBef>
+              <a:spcAft>
+                <a:spcPts val="0"/>
+              </a:spcAft>
+              <a:buNone/>
+            </a:pPr>
+            <a:r>
+              <a:rPr lang="en-GB"/>
+              <a:t>Result in Excel</a:t>
+            </a:r>
+            <a:endParaRPr/>
+          </a:p>
+        </p:txBody>
+      </p:sp>
+      <p:sp>
+        <p:nvSpPr>
+          <p:cNvPr id="310" name="Google Shape;310;p49"/>
+          <p:cNvSpPr txBox="1"/>
+          <p:nvPr>
+            <p:ph idx="1" type="subTitle"/>
+          </p:nvPr>
+        </p:nvSpPr>
+        <p:spPr>
+          <a:xfrm>
+            <a:off x="216025" y="1362425"/>
+            <a:ext cx="3323400" cy="3405900"/>
+          </a:xfrm>
+          <a:prstGeom prst="rect">
+            <a:avLst/>
+          </a:prstGeom>
+        </p:spPr>
+        <p:txBody>
+          <a:bodyPr anchorCtr="0" anchor="t" bIns="91425" lIns="91425" spcFirstLastPara="1" rIns="91425" wrap="square" tIns="91425">
+            <a:normAutofit/>
+          </a:bodyPr>
+          <a:lstStyle/>
+          <a:p>
+            <a:pPr indent="0" lvl="0" marL="0" rtl="0" algn="l">
+              <a:spcBef>
+                <a:spcPts val="0"/>
+              </a:spcBef>
+              <a:spcAft>
+                <a:spcPts val="0"/>
+              </a:spcAft>
+              <a:buNone/>
+            </a:pPr>
+            <a:r>
+              <a:rPr lang="en-GB"/>
+              <a:t>Then the csv file will save to the destination you want and after opening the file, it will look like this</a:t>
+            </a:r>
+            <a:endParaRPr/>
+          </a:p>
+        </p:txBody>
+      </p:sp>
+      <p:pic>
+        <p:nvPicPr>
+          <p:cNvPr id="311" name="Google Shape;311;p49"/>
+          <p:cNvPicPr preferRelativeResize="0"/>
+          <p:nvPr/>
+        </p:nvPicPr>
+        <p:blipFill>
+          <a:blip r:embed="rId3">
+            <a:alphaModFix/>
+          </a:blip>
+          <a:stretch>
+            <a:fillRect/>
+          </a:stretch>
+        </p:blipFill>
+        <p:spPr>
+          <a:xfrm>
+            <a:off x="3693900" y="1111725"/>
+            <a:ext cx="5208899" cy="3445251"/>
+          </a:xfrm>
+          <a:prstGeom prst="rect">
+            <a:avLst/>
+          </a:prstGeom>
+          <a:noFill/>
+          <a:ln>
+            <a:noFill/>
+          </a:ln>
+        </p:spPr>
+      </p:pic>
+    </p:spTree>
+  </p:cSld>
+  <p:clrMapOvr>
+    <a:masterClrMapping/>
+  </p:clrMapOvr>
+</p:sld>
+</file>
+
+<file path=ppt/slides/slide38.xml><?xml version="1.0" encoding="utf-8"?>
+<p:sld xmlns:a="http://schemas.openxmlformats.org/drawingml/2006/main" xmlns:r="http://schemas.openxmlformats.org/officeDocument/2006/relationships" xmlns:mc="http://schemas.openxmlformats.org/markup-compatibility/2006" xmlns:mv="urn:schemas-microsoft-com:mac:vml" xmlns:p="http://schemas.openxmlformats.org/presentationml/2006/main" xmlns:c="http://schemas.openxmlformats.org/drawingml/2006/chart" xmlns:dgm="http://schemas.openxmlformats.org/drawingml/2006/diagram" xmlns:o="urn:schemas-microsoft-com:office:office" xmlns:v="urn:schemas-microsoft-com:vml" xmlns:pvml="urn:schemas-microsoft-com:office:powerpoint" xmlns:com="http://schemas.openxmlformats.org/drawingml/2006/compatibility" xmlns:p14="http://schemas.microsoft.com/office/powerpoint/2010/main" xmlns:p15="http://schemas.microsoft.com/office/powerpoint/2012/main" xmlns:ahyp="http://schemas.microsoft.com/office/drawing/2018/hyperlinkcolor">
+  <p:cSld>
+    <p:spTree>
+      <p:nvGrpSpPr>
+        <p:cNvPr id="315" name="Shape 315"/>
+        <p:cNvGrpSpPr/>
+        <p:nvPr/>
+      </p:nvGrpSpPr>
+      <p:grpSpPr>
+        <a:xfrm>
+          <a:off x="0" y="0"/>
+          <a:ext cx="0" cy="0"/>
+          <a:chOff x="0" y="0"/>
+          <a:chExt cx="0" cy="0"/>
+        </a:xfrm>
+      </p:grpSpPr>
+      <p:sp>
+        <p:nvSpPr>
+          <p:cNvPr id="316" name="Google Shape;316;p50"/>
+          <p:cNvSpPr txBox="1"/>
           <p:nvPr>
             <p:ph type="ctrTitle"/>
           </p:nvPr>
@@ -17787,7 +18716,7 @@
       </p:sp>
       <p:sp>
         <p:nvSpPr>
-          <p:cNvPr id="303" name="Google Shape;303;p48"/>
+          <p:cNvPr id="317" name="Google Shape;317;p50"/>
           <p:cNvSpPr txBox="1"/>
           <p:nvPr>
             <p:ph idx="1" type="subTitle"/>
@@ -17879,7 +18808,7 @@
                                           </p:stCondLst>
                                         </p:cTn>
                                         <p:tgtEl>
-                                          <p:spTgt spid="302"/>
+                                          <p:spTgt spid="316"/>
                                         </p:tgtEl>
                                         <p:attrNameLst>
                                           <p:attrName>style.visibility</p:attrName>
@@ -17893,7 +18822,7 @@
                                       <p:cBhvr additive="base">
                                         <p:cTn dur="600"/>
                                         <p:tgtEl>
-                                          <p:spTgt spid="302"/>
+                                          <p:spTgt spid="316"/>
                                         </p:tgtEl>
                                         <p:attrNameLst>
                                           <p:attrName>ppt_x</p:attrName>
@@ -17929,7 +18858,7 @@
                                           </p:stCondLst>
                                         </p:cTn>
                                         <p:tgtEl>
-                                          <p:spTgt spid="303"/>
+                                          <p:spTgt spid="317"/>
                                         </p:tgtEl>
                                         <p:attrNameLst>
                                           <p:attrName>style.visibility</p:attrName>
@@ -17943,7 +18872,7 @@
                                       <p:cBhvr additive="base">
                                         <p:cTn dur="600"/>
                                         <p:tgtEl>
-                                          <p:spTgt spid="303"/>
+                                          <p:spTgt spid="317"/>
                                         </p:tgtEl>
                                         <p:attrNameLst>
                                           <p:attrName>ppt_x</p:attrName>
@@ -17996,12 +18925,12 @@
 </p:sld>
 </file>
 
-<file path=ppt/slides/slide37.xml><?xml version="1.0" encoding="utf-8"?>
+<file path=ppt/slides/slide39.xml><?xml version="1.0" encoding="utf-8"?>
 <p:sld xmlns:a="http://schemas.openxmlformats.org/drawingml/2006/main" xmlns:r="http://schemas.openxmlformats.org/officeDocument/2006/relationships" xmlns:mc="http://schemas.openxmlformats.org/markup-compatibility/2006" xmlns:mv="urn:schemas-microsoft-com:mac:vml" xmlns:p="http://schemas.openxmlformats.org/presentationml/2006/main" xmlns:c="http://schemas.openxmlformats.org/drawingml/2006/chart" xmlns:dgm="http://schemas.openxmlformats.org/drawingml/2006/diagram" xmlns:o="urn:schemas-microsoft-com:office:office" xmlns:v="urn:schemas-microsoft-com:vml" xmlns:pvml="urn:schemas-microsoft-com:office:powerpoint" xmlns:com="http://schemas.openxmlformats.org/drawingml/2006/compatibility" xmlns:p14="http://schemas.microsoft.com/office/powerpoint/2010/main" xmlns:p15="http://schemas.microsoft.com/office/powerpoint/2012/main" xmlns:ahyp="http://schemas.microsoft.com/office/drawing/2018/hyperlinkcolor">
   <p:cSld>
     <p:spTree>
       <p:nvGrpSpPr>
-        <p:cNvPr id="307" name="Shape 307"/>
+        <p:cNvPr id="321" name="Shape 321"/>
         <p:cNvGrpSpPr/>
         <p:nvPr/>
       </p:nvGrpSpPr>
@@ -18015,7 +18944,7 @@
       </p:grpSpPr>
       <p:sp>
         <p:nvSpPr>
-          <p:cNvPr id="308" name="Google Shape;308;p49"/>
+          <p:cNvPr id="322" name="Google Shape;322;p51"/>
           <p:cNvSpPr txBox="1"/>
           <p:nvPr/>
         </p:nvSpPr>
@@ -18056,7 +18985,7 @@
       </p:sp>
       <p:sp>
         <p:nvSpPr>
-          <p:cNvPr id="309" name="Google Shape;309;p49"/>
+          <p:cNvPr id="323" name="Google Shape;323;p51"/>
           <p:cNvSpPr txBox="1"/>
           <p:nvPr>
             <p:ph type="ctrTitle"/>
@@ -18089,7 +19018,7 @@
             </a:pPr>
             <a:r>
               <a:rPr lang="en-GB" sz="2810"/>
-              <a:t>  15) Student’s login</a:t>
+              <a:t>  17) Student’s login</a:t>
             </a:r>
             <a:endParaRPr sz="2810"/>
           </a:p>
@@ -18129,7 +19058,7 @@
       </p:sp>
       <p:sp>
         <p:nvSpPr>
-          <p:cNvPr id="310" name="Google Shape;310;p49"/>
+          <p:cNvPr id="324" name="Google Shape;324;p51"/>
           <p:cNvSpPr txBox="1"/>
           <p:nvPr/>
         </p:nvSpPr>
@@ -18196,7 +19125,7 @@
       </p:sp>
       <p:pic>
         <p:nvPicPr>
-          <p:cNvPr id="311" name="Google Shape;311;p49"/>
+          <p:cNvPr id="325" name="Google Shape;325;p51"/>
           <p:cNvPicPr preferRelativeResize="0"/>
           <p:nvPr/>
         </p:nvPicPr>
@@ -18211,479 +19140,6 @@
           <a:xfrm>
             <a:off x="3579700" y="1099550"/>
             <a:ext cx="4777525" cy="3306875"/>
-          </a:xfrm>
-          <a:prstGeom prst="rect">
-            <a:avLst/>
-          </a:prstGeom>
-          <a:noFill/>
-          <a:ln>
-            <a:noFill/>
-          </a:ln>
-        </p:spPr>
-      </p:pic>
-    </p:spTree>
-  </p:cSld>
-  <p:clrMapOvr>
-    <a:masterClrMapping/>
-  </p:clrMapOvr>
-</p:sld>
-</file>
-
-<file path=ppt/slides/slide38.xml><?xml version="1.0" encoding="utf-8"?>
-<p:sld xmlns:a="http://schemas.openxmlformats.org/drawingml/2006/main" xmlns:r="http://schemas.openxmlformats.org/officeDocument/2006/relationships" xmlns:mc="http://schemas.openxmlformats.org/markup-compatibility/2006" xmlns:mv="urn:schemas-microsoft-com:mac:vml" xmlns:p="http://schemas.openxmlformats.org/presentationml/2006/main" xmlns:c="http://schemas.openxmlformats.org/drawingml/2006/chart" xmlns:dgm="http://schemas.openxmlformats.org/drawingml/2006/diagram" xmlns:o="urn:schemas-microsoft-com:office:office" xmlns:v="urn:schemas-microsoft-com:vml" xmlns:pvml="urn:schemas-microsoft-com:office:powerpoint" xmlns:com="http://schemas.openxmlformats.org/drawingml/2006/compatibility" xmlns:p14="http://schemas.microsoft.com/office/powerpoint/2010/main" xmlns:p15="http://schemas.microsoft.com/office/powerpoint/2012/main" xmlns:ahyp="http://schemas.microsoft.com/office/drawing/2018/hyperlinkcolor">
-  <p:cSld>
-    <p:spTree>
-      <p:nvGrpSpPr>
-        <p:cNvPr id="315" name="Shape 315"/>
-        <p:cNvGrpSpPr/>
-        <p:nvPr/>
-      </p:nvGrpSpPr>
-      <p:grpSpPr>
-        <a:xfrm>
-          <a:off x="0" y="0"/>
-          <a:ext cx="0" cy="0"/>
-          <a:chOff x="0" y="0"/>
-          <a:chExt cx="0" cy="0"/>
-        </a:xfrm>
-      </p:grpSpPr>
-      <p:sp>
-        <p:nvSpPr>
-          <p:cNvPr id="316" name="Google Shape;316;p50"/>
-          <p:cNvSpPr txBox="1"/>
-          <p:nvPr/>
-        </p:nvSpPr>
-        <p:spPr>
-          <a:xfrm>
-            <a:off x="2110875" y="68125"/>
-            <a:ext cx="4338600" cy="1509900"/>
-          </a:xfrm>
-          <a:prstGeom prst="rect">
-            <a:avLst/>
-          </a:prstGeom>
-          <a:noFill/>
-          <a:ln>
-            <a:noFill/>
-          </a:ln>
-        </p:spPr>
-        <p:txBody>
-          <a:bodyPr anchorCtr="0" anchor="t" bIns="91425" lIns="91425" spcFirstLastPara="1" rIns="91425" wrap="square" tIns="91425">
-            <a:spAutoFit/>
-          </a:bodyPr>
-          <a:lstStyle/>
-          <a:p>
-            <a:pPr indent="0" lvl="0" marL="0" rtl="0" algn="l">
-              <a:spcBef>
-                <a:spcPts val="0"/>
-              </a:spcBef>
-              <a:spcAft>
-                <a:spcPts val="0"/>
-              </a:spcAft>
-              <a:buClr>
-                <a:schemeClr val="dk1"/>
-              </a:buClr>
-              <a:buSzPts val="990"/>
-              <a:buFont typeface="Arial"/>
-              <a:buNone/>
-            </a:pPr>
-            <a:r>
-              <a:rPr lang="en-GB" sz="2810">
-                <a:solidFill>
-                  <a:schemeClr val="lt1"/>
-                </a:solidFill>
-                <a:latin typeface="Verdana"/>
-                <a:ea typeface="Verdana"/>
-                <a:cs typeface="Verdana"/>
-                <a:sym typeface="Verdana"/>
-              </a:rPr>
-              <a:t>        16) Quiz screen</a:t>
-            </a:r>
-            <a:endParaRPr sz="2810">
-              <a:solidFill>
-                <a:schemeClr val="lt1"/>
-              </a:solidFill>
-              <a:latin typeface="Verdana"/>
-              <a:ea typeface="Verdana"/>
-              <a:cs typeface="Verdana"/>
-              <a:sym typeface="Verdana"/>
-            </a:endParaRPr>
-          </a:p>
-          <a:p>
-            <a:pPr indent="0" lvl="0" marL="0" rtl="0" algn="l">
-              <a:spcBef>
-                <a:spcPts val="0"/>
-              </a:spcBef>
-              <a:spcAft>
-                <a:spcPts val="0"/>
-              </a:spcAft>
-              <a:buClr>
-                <a:schemeClr val="dk1"/>
-              </a:buClr>
-              <a:buSzPts val="990"/>
-              <a:buFont typeface="Arial"/>
-              <a:buNone/>
-            </a:pPr>
-            <a:r>
-              <a:t/>
-            </a:r>
-            <a:endParaRPr sz="2900">
-              <a:solidFill>
-                <a:schemeClr val="lt1"/>
-              </a:solidFill>
-              <a:latin typeface="Verdana"/>
-              <a:ea typeface="Verdana"/>
-              <a:cs typeface="Verdana"/>
-              <a:sym typeface="Verdana"/>
-            </a:endParaRPr>
-          </a:p>
-          <a:p>
-            <a:pPr indent="0" lvl="0" marL="0" rtl="0" algn="l">
-              <a:spcBef>
-                <a:spcPts val="0"/>
-              </a:spcBef>
-              <a:spcAft>
-                <a:spcPts val="0"/>
-              </a:spcAft>
-              <a:buClr>
-                <a:schemeClr val="dk1"/>
-              </a:buClr>
-              <a:buSzPts val="990"/>
-              <a:buFont typeface="Arial"/>
-              <a:buNone/>
-            </a:pPr>
-            <a:r>
-              <a:t/>
-            </a:r>
-            <a:endParaRPr sz="2900">
-              <a:solidFill>
-                <a:schemeClr val="lt1"/>
-              </a:solidFill>
-              <a:latin typeface="Verdana"/>
-              <a:ea typeface="Verdana"/>
-              <a:cs typeface="Verdana"/>
-              <a:sym typeface="Verdana"/>
-            </a:endParaRPr>
-          </a:p>
-        </p:txBody>
-      </p:sp>
-      <p:pic>
-        <p:nvPicPr>
-          <p:cNvPr id="317" name="Google Shape;317;p50"/>
-          <p:cNvPicPr preferRelativeResize="0"/>
-          <p:nvPr/>
-        </p:nvPicPr>
-        <p:blipFill>
-          <a:blip r:embed="rId3">
-            <a:alphaModFix/>
-          </a:blip>
-          <a:stretch>
-            <a:fillRect/>
-          </a:stretch>
-        </p:blipFill>
-        <p:spPr>
-          <a:xfrm>
-            <a:off x="2494475" y="1113525"/>
-            <a:ext cx="6497124" cy="3478100"/>
-          </a:xfrm>
-          <a:prstGeom prst="rect">
-            <a:avLst/>
-          </a:prstGeom>
-          <a:noFill/>
-          <a:ln>
-            <a:noFill/>
-          </a:ln>
-        </p:spPr>
-      </p:pic>
-      <p:sp>
-        <p:nvSpPr>
-          <p:cNvPr id="318" name="Google Shape;318;p50"/>
-          <p:cNvSpPr txBox="1"/>
-          <p:nvPr/>
-        </p:nvSpPr>
-        <p:spPr>
-          <a:xfrm>
-            <a:off x="172025" y="1365400"/>
-            <a:ext cx="2007300" cy="2716800"/>
-          </a:xfrm>
-          <a:prstGeom prst="rect">
-            <a:avLst/>
-          </a:prstGeom>
-          <a:noFill/>
-          <a:ln>
-            <a:noFill/>
-          </a:ln>
-        </p:spPr>
-        <p:txBody>
-          <a:bodyPr anchorCtr="0" anchor="t" bIns="91425" lIns="91425" spcFirstLastPara="1" rIns="91425" wrap="square" tIns="91425">
-            <a:spAutoFit/>
-          </a:bodyPr>
-          <a:lstStyle/>
-          <a:p>
-            <a:pPr indent="0" lvl="0" marL="0" rtl="0" algn="l">
-              <a:spcBef>
-                <a:spcPts val="0"/>
-              </a:spcBef>
-              <a:spcAft>
-                <a:spcPts val="0"/>
-              </a:spcAft>
-              <a:buNone/>
-            </a:pPr>
-            <a:r>
-              <a:rPr lang="en-GB" sz="2350">
-                <a:solidFill>
-                  <a:srgbClr val="F3F3F3"/>
-                </a:solidFill>
-                <a:latin typeface="Verdana"/>
-                <a:ea typeface="Verdana"/>
-                <a:cs typeface="Verdana"/>
-                <a:sym typeface="Verdana"/>
-              </a:rPr>
-              <a:t>After </a:t>
-            </a:r>
-            <a:r>
-              <a:rPr lang="en-GB" sz="2350">
-                <a:solidFill>
-                  <a:srgbClr val="F3F3F3"/>
-                </a:solidFill>
-                <a:latin typeface="Verdana"/>
-                <a:ea typeface="Verdana"/>
-                <a:cs typeface="Verdana"/>
-                <a:sym typeface="Verdana"/>
-              </a:rPr>
-              <a:t>click on the join button, this screen will open for giving the quiz. </a:t>
-            </a:r>
-            <a:r>
-              <a:rPr lang="en-GB" sz="2350">
-                <a:solidFill>
-                  <a:srgbClr val="F3F3F3"/>
-                </a:solidFill>
-                <a:latin typeface="Verdana"/>
-                <a:ea typeface="Verdana"/>
-                <a:cs typeface="Verdana"/>
-                <a:sym typeface="Verdana"/>
-              </a:rPr>
-              <a:t> </a:t>
-            </a:r>
-            <a:endParaRPr sz="2350"/>
-          </a:p>
-        </p:txBody>
-      </p:sp>
-    </p:spTree>
-  </p:cSld>
-  <p:clrMapOvr>
-    <a:masterClrMapping/>
-  </p:clrMapOvr>
-</p:sld>
-</file>
-
-<file path=ppt/slides/slide39.xml><?xml version="1.0" encoding="utf-8"?>
-<p:sld xmlns:a="http://schemas.openxmlformats.org/drawingml/2006/main" xmlns:r="http://schemas.openxmlformats.org/officeDocument/2006/relationships" xmlns:mc="http://schemas.openxmlformats.org/markup-compatibility/2006" xmlns:mv="urn:schemas-microsoft-com:mac:vml" xmlns:p="http://schemas.openxmlformats.org/presentationml/2006/main" xmlns:c="http://schemas.openxmlformats.org/drawingml/2006/chart" xmlns:dgm="http://schemas.openxmlformats.org/drawingml/2006/diagram" xmlns:o="urn:schemas-microsoft-com:office:office" xmlns:v="urn:schemas-microsoft-com:vml" xmlns:pvml="urn:schemas-microsoft-com:office:powerpoint" xmlns:com="http://schemas.openxmlformats.org/drawingml/2006/compatibility" xmlns:p14="http://schemas.microsoft.com/office/powerpoint/2010/main" xmlns:p15="http://schemas.microsoft.com/office/powerpoint/2012/main" xmlns:ahyp="http://schemas.microsoft.com/office/drawing/2018/hyperlinkcolor">
-  <p:cSld>
-    <p:spTree>
-      <p:nvGrpSpPr>
-        <p:cNvPr id="322" name="Shape 322"/>
-        <p:cNvGrpSpPr/>
-        <p:nvPr/>
-      </p:nvGrpSpPr>
-      <p:grpSpPr>
-        <a:xfrm>
-          <a:off x="0" y="0"/>
-          <a:ext cx="0" cy="0"/>
-          <a:chOff x="0" y="0"/>
-          <a:chExt cx="0" cy="0"/>
-        </a:xfrm>
-      </p:grpSpPr>
-      <p:sp>
-        <p:nvSpPr>
-          <p:cNvPr id="323" name="Google Shape;323;p51"/>
-          <p:cNvSpPr txBox="1"/>
-          <p:nvPr/>
-        </p:nvSpPr>
-        <p:spPr>
-          <a:xfrm>
-            <a:off x="2142200" y="78575"/>
-            <a:ext cx="4317600" cy="1509900"/>
-          </a:xfrm>
-          <a:prstGeom prst="rect">
-            <a:avLst/>
-          </a:prstGeom>
-          <a:noFill/>
-          <a:ln>
-            <a:noFill/>
-          </a:ln>
-        </p:spPr>
-        <p:txBody>
-          <a:bodyPr anchorCtr="0" anchor="t" bIns="91425" lIns="91425" spcFirstLastPara="1" rIns="91425" wrap="square" tIns="91425">
-            <a:spAutoFit/>
-          </a:bodyPr>
-          <a:lstStyle/>
-          <a:p>
-            <a:pPr indent="0" lvl="0" marL="0" rtl="0" algn="l">
-              <a:spcBef>
-                <a:spcPts val="0"/>
-              </a:spcBef>
-              <a:spcAft>
-                <a:spcPts val="0"/>
-              </a:spcAft>
-              <a:buClr>
-                <a:schemeClr val="dk1"/>
-              </a:buClr>
-              <a:buSzPts val="1100"/>
-              <a:buFont typeface="Arial"/>
-              <a:buNone/>
-            </a:pPr>
-            <a:r>
-              <a:rPr lang="en-GB" sz="2810">
-                <a:solidFill>
-                  <a:schemeClr val="lt1"/>
-                </a:solidFill>
-                <a:latin typeface="Verdana"/>
-                <a:ea typeface="Verdana"/>
-                <a:cs typeface="Verdana"/>
-                <a:sym typeface="Verdana"/>
-              </a:rPr>
-              <a:t>       17) Score screen</a:t>
-            </a:r>
-            <a:endParaRPr sz="2810">
-              <a:solidFill>
-                <a:schemeClr val="lt1"/>
-              </a:solidFill>
-              <a:latin typeface="Verdana"/>
-              <a:ea typeface="Verdana"/>
-              <a:cs typeface="Verdana"/>
-              <a:sym typeface="Verdana"/>
-            </a:endParaRPr>
-          </a:p>
-          <a:p>
-            <a:pPr indent="0" lvl="0" marL="0" rtl="0" algn="l">
-              <a:spcBef>
-                <a:spcPts val="0"/>
-              </a:spcBef>
-              <a:spcAft>
-                <a:spcPts val="0"/>
-              </a:spcAft>
-              <a:buClr>
-                <a:schemeClr val="dk1"/>
-              </a:buClr>
-              <a:buSzPts val="1100"/>
-              <a:buFont typeface="Arial"/>
-              <a:buNone/>
-            </a:pPr>
-            <a:r>
-              <a:t/>
-            </a:r>
-            <a:endParaRPr sz="2900">
-              <a:solidFill>
-                <a:schemeClr val="lt1"/>
-              </a:solidFill>
-              <a:latin typeface="Verdana"/>
-              <a:ea typeface="Verdana"/>
-              <a:cs typeface="Verdana"/>
-              <a:sym typeface="Verdana"/>
-            </a:endParaRPr>
-          </a:p>
-          <a:p>
-            <a:pPr indent="0" lvl="0" marL="0" rtl="0" algn="l">
-              <a:spcBef>
-                <a:spcPts val="0"/>
-              </a:spcBef>
-              <a:spcAft>
-                <a:spcPts val="0"/>
-              </a:spcAft>
-              <a:buClr>
-                <a:schemeClr val="dk1"/>
-              </a:buClr>
-              <a:buSzPts val="1100"/>
-              <a:buFont typeface="Arial"/>
-              <a:buNone/>
-            </a:pPr>
-            <a:r>
-              <a:t/>
-            </a:r>
-            <a:endParaRPr sz="2900">
-              <a:solidFill>
-                <a:schemeClr val="lt1"/>
-              </a:solidFill>
-              <a:latin typeface="Verdana"/>
-              <a:ea typeface="Verdana"/>
-              <a:cs typeface="Verdana"/>
-              <a:sym typeface="Verdana"/>
-            </a:endParaRPr>
-          </a:p>
-        </p:txBody>
-      </p:sp>
-      <p:sp>
-        <p:nvSpPr>
-          <p:cNvPr id="324" name="Google Shape;324;p51"/>
-          <p:cNvSpPr txBox="1"/>
-          <p:nvPr/>
-        </p:nvSpPr>
-        <p:spPr>
-          <a:xfrm>
-            <a:off x="403625" y="1213350"/>
-            <a:ext cx="2613600" cy="2716800"/>
-          </a:xfrm>
-          <a:prstGeom prst="rect">
-            <a:avLst/>
-          </a:prstGeom>
-          <a:noFill/>
-          <a:ln>
-            <a:noFill/>
-          </a:ln>
-        </p:spPr>
-        <p:txBody>
-          <a:bodyPr anchorCtr="0" anchor="t" bIns="91425" lIns="91425" spcFirstLastPara="1" rIns="91425" wrap="square" tIns="91425">
-            <a:spAutoFit/>
-          </a:bodyPr>
-          <a:lstStyle/>
-          <a:p>
-            <a:pPr indent="0" lvl="0" marL="0" rtl="0" algn="l">
-              <a:spcBef>
-                <a:spcPts val="0"/>
-              </a:spcBef>
-              <a:spcAft>
-                <a:spcPts val="0"/>
-              </a:spcAft>
-              <a:buClr>
-                <a:schemeClr val="dk1"/>
-              </a:buClr>
-              <a:buSzPts val="1100"/>
-              <a:buFont typeface="Arial"/>
-              <a:buNone/>
-            </a:pPr>
-            <a:r>
-              <a:rPr lang="en-GB" sz="2350">
-                <a:solidFill>
-                  <a:srgbClr val="F3F3F3"/>
-                </a:solidFill>
-                <a:latin typeface="Verdana"/>
-                <a:ea typeface="Verdana"/>
-                <a:cs typeface="Verdana"/>
-                <a:sym typeface="Verdana"/>
-              </a:rPr>
-              <a:t>after submitting the quiz, this screen will open, to display the student's score and answer sheet.</a:t>
-            </a:r>
-            <a:endParaRPr sz="2350"/>
-          </a:p>
-        </p:txBody>
-      </p:sp>
-      <p:pic>
-        <p:nvPicPr>
-          <p:cNvPr id="325" name="Google Shape;325;p51"/>
-          <p:cNvPicPr preferRelativeResize="0"/>
-          <p:nvPr/>
-        </p:nvPicPr>
-        <p:blipFill>
-          <a:blip r:embed="rId3">
-            <a:alphaModFix/>
-          </a:blip>
-          <a:stretch>
-            <a:fillRect/>
-          </a:stretch>
-        </p:blipFill>
-        <p:spPr>
-          <a:xfrm>
-            <a:off x="3147550" y="1181625"/>
-            <a:ext cx="5821974" cy="3241844"/>
           </a:xfrm>
           <a:prstGeom prst="rect">
             <a:avLst/>
@@ -19007,6 +19463,479 @@
         <p:nvSpPr>
           <p:cNvPr id="330" name="Google Shape;330;p52"/>
           <p:cNvSpPr txBox="1"/>
+          <p:nvPr/>
+        </p:nvSpPr>
+        <p:spPr>
+          <a:xfrm>
+            <a:off x="2110875" y="68125"/>
+            <a:ext cx="4338600" cy="1509900"/>
+          </a:xfrm>
+          <a:prstGeom prst="rect">
+            <a:avLst/>
+          </a:prstGeom>
+          <a:noFill/>
+          <a:ln>
+            <a:noFill/>
+          </a:ln>
+        </p:spPr>
+        <p:txBody>
+          <a:bodyPr anchorCtr="0" anchor="t" bIns="91425" lIns="91425" spcFirstLastPara="1" rIns="91425" wrap="square" tIns="91425">
+            <a:spAutoFit/>
+          </a:bodyPr>
+          <a:lstStyle/>
+          <a:p>
+            <a:pPr indent="0" lvl="0" marL="0" rtl="0" algn="l">
+              <a:spcBef>
+                <a:spcPts val="0"/>
+              </a:spcBef>
+              <a:spcAft>
+                <a:spcPts val="0"/>
+              </a:spcAft>
+              <a:buClr>
+                <a:schemeClr val="dk1"/>
+              </a:buClr>
+              <a:buSzPts val="990"/>
+              <a:buFont typeface="Arial"/>
+              <a:buNone/>
+            </a:pPr>
+            <a:r>
+              <a:rPr lang="en-GB" sz="2810">
+                <a:solidFill>
+                  <a:schemeClr val="lt1"/>
+                </a:solidFill>
+                <a:latin typeface="Verdana"/>
+                <a:ea typeface="Verdana"/>
+                <a:cs typeface="Verdana"/>
+                <a:sym typeface="Verdana"/>
+              </a:rPr>
+              <a:t>        18) Quiz screen</a:t>
+            </a:r>
+            <a:endParaRPr sz="2810">
+              <a:solidFill>
+                <a:schemeClr val="lt1"/>
+              </a:solidFill>
+              <a:latin typeface="Verdana"/>
+              <a:ea typeface="Verdana"/>
+              <a:cs typeface="Verdana"/>
+              <a:sym typeface="Verdana"/>
+            </a:endParaRPr>
+          </a:p>
+          <a:p>
+            <a:pPr indent="0" lvl="0" marL="0" rtl="0" algn="l">
+              <a:spcBef>
+                <a:spcPts val="0"/>
+              </a:spcBef>
+              <a:spcAft>
+                <a:spcPts val="0"/>
+              </a:spcAft>
+              <a:buClr>
+                <a:schemeClr val="dk1"/>
+              </a:buClr>
+              <a:buSzPts val="990"/>
+              <a:buFont typeface="Arial"/>
+              <a:buNone/>
+            </a:pPr>
+            <a:r>
+              <a:t/>
+            </a:r>
+            <a:endParaRPr sz="2900">
+              <a:solidFill>
+                <a:schemeClr val="lt1"/>
+              </a:solidFill>
+              <a:latin typeface="Verdana"/>
+              <a:ea typeface="Verdana"/>
+              <a:cs typeface="Verdana"/>
+              <a:sym typeface="Verdana"/>
+            </a:endParaRPr>
+          </a:p>
+          <a:p>
+            <a:pPr indent="0" lvl="0" marL="0" rtl="0" algn="l">
+              <a:spcBef>
+                <a:spcPts val="0"/>
+              </a:spcBef>
+              <a:spcAft>
+                <a:spcPts val="0"/>
+              </a:spcAft>
+              <a:buClr>
+                <a:schemeClr val="dk1"/>
+              </a:buClr>
+              <a:buSzPts val="990"/>
+              <a:buFont typeface="Arial"/>
+              <a:buNone/>
+            </a:pPr>
+            <a:r>
+              <a:t/>
+            </a:r>
+            <a:endParaRPr sz="2900">
+              <a:solidFill>
+                <a:schemeClr val="lt1"/>
+              </a:solidFill>
+              <a:latin typeface="Verdana"/>
+              <a:ea typeface="Verdana"/>
+              <a:cs typeface="Verdana"/>
+              <a:sym typeface="Verdana"/>
+            </a:endParaRPr>
+          </a:p>
+        </p:txBody>
+      </p:sp>
+      <p:pic>
+        <p:nvPicPr>
+          <p:cNvPr id="331" name="Google Shape;331;p52"/>
+          <p:cNvPicPr preferRelativeResize="0"/>
+          <p:nvPr/>
+        </p:nvPicPr>
+        <p:blipFill>
+          <a:blip r:embed="rId3">
+            <a:alphaModFix/>
+          </a:blip>
+          <a:stretch>
+            <a:fillRect/>
+          </a:stretch>
+        </p:blipFill>
+        <p:spPr>
+          <a:xfrm>
+            <a:off x="2494475" y="1113525"/>
+            <a:ext cx="6497124" cy="3478100"/>
+          </a:xfrm>
+          <a:prstGeom prst="rect">
+            <a:avLst/>
+          </a:prstGeom>
+          <a:noFill/>
+          <a:ln>
+            <a:noFill/>
+          </a:ln>
+        </p:spPr>
+      </p:pic>
+      <p:sp>
+        <p:nvSpPr>
+          <p:cNvPr id="332" name="Google Shape;332;p52"/>
+          <p:cNvSpPr txBox="1"/>
+          <p:nvPr/>
+        </p:nvSpPr>
+        <p:spPr>
+          <a:xfrm>
+            <a:off x="172025" y="1365400"/>
+            <a:ext cx="2007300" cy="2716800"/>
+          </a:xfrm>
+          <a:prstGeom prst="rect">
+            <a:avLst/>
+          </a:prstGeom>
+          <a:noFill/>
+          <a:ln>
+            <a:noFill/>
+          </a:ln>
+        </p:spPr>
+        <p:txBody>
+          <a:bodyPr anchorCtr="0" anchor="t" bIns="91425" lIns="91425" spcFirstLastPara="1" rIns="91425" wrap="square" tIns="91425">
+            <a:spAutoFit/>
+          </a:bodyPr>
+          <a:lstStyle/>
+          <a:p>
+            <a:pPr indent="0" lvl="0" marL="0" rtl="0" algn="l">
+              <a:spcBef>
+                <a:spcPts val="0"/>
+              </a:spcBef>
+              <a:spcAft>
+                <a:spcPts val="0"/>
+              </a:spcAft>
+              <a:buNone/>
+            </a:pPr>
+            <a:r>
+              <a:rPr lang="en-GB" sz="2350">
+                <a:solidFill>
+                  <a:srgbClr val="F3F3F3"/>
+                </a:solidFill>
+                <a:latin typeface="Verdana"/>
+                <a:ea typeface="Verdana"/>
+                <a:cs typeface="Verdana"/>
+                <a:sym typeface="Verdana"/>
+              </a:rPr>
+              <a:t>After </a:t>
+            </a:r>
+            <a:r>
+              <a:rPr lang="en-GB" sz="2350">
+                <a:solidFill>
+                  <a:srgbClr val="F3F3F3"/>
+                </a:solidFill>
+                <a:latin typeface="Verdana"/>
+                <a:ea typeface="Verdana"/>
+                <a:cs typeface="Verdana"/>
+                <a:sym typeface="Verdana"/>
+              </a:rPr>
+              <a:t>click on the join button, this screen will open for giving the quiz. </a:t>
+            </a:r>
+            <a:r>
+              <a:rPr lang="en-GB" sz="2350">
+                <a:solidFill>
+                  <a:srgbClr val="F3F3F3"/>
+                </a:solidFill>
+                <a:latin typeface="Verdana"/>
+                <a:ea typeface="Verdana"/>
+                <a:cs typeface="Verdana"/>
+                <a:sym typeface="Verdana"/>
+              </a:rPr>
+              <a:t> </a:t>
+            </a:r>
+            <a:endParaRPr sz="2350"/>
+          </a:p>
+        </p:txBody>
+      </p:sp>
+    </p:spTree>
+  </p:cSld>
+  <p:clrMapOvr>
+    <a:masterClrMapping/>
+  </p:clrMapOvr>
+</p:sld>
+</file>
+
+<file path=ppt/slides/slide41.xml><?xml version="1.0" encoding="utf-8"?>
+<p:sld xmlns:a="http://schemas.openxmlformats.org/drawingml/2006/main" xmlns:r="http://schemas.openxmlformats.org/officeDocument/2006/relationships" xmlns:mc="http://schemas.openxmlformats.org/markup-compatibility/2006" xmlns:mv="urn:schemas-microsoft-com:mac:vml" xmlns:p="http://schemas.openxmlformats.org/presentationml/2006/main" xmlns:c="http://schemas.openxmlformats.org/drawingml/2006/chart" xmlns:dgm="http://schemas.openxmlformats.org/drawingml/2006/diagram" xmlns:o="urn:schemas-microsoft-com:office:office" xmlns:v="urn:schemas-microsoft-com:vml" xmlns:pvml="urn:schemas-microsoft-com:office:powerpoint" xmlns:com="http://schemas.openxmlformats.org/drawingml/2006/compatibility" xmlns:p14="http://schemas.microsoft.com/office/powerpoint/2010/main" xmlns:p15="http://schemas.microsoft.com/office/powerpoint/2012/main" xmlns:ahyp="http://schemas.microsoft.com/office/drawing/2018/hyperlinkcolor">
+  <p:cSld>
+    <p:spTree>
+      <p:nvGrpSpPr>
+        <p:cNvPr id="336" name="Shape 336"/>
+        <p:cNvGrpSpPr/>
+        <p:nvPr/>
+      </p:nvGrpSpPr>
+      <p:grpSpPr>
+        <a:xfrm>
+          <a:off x="0" y="0"/>
+          <a:ext cx="0" cy="0"/>
+          <a:chOff x="0" y="0"/>
+          <a:chExt cx="0" cy="0"/>
+        </a:xfrm>
+      </p:grpSpPr>
+      <p:sp>
+        <p:nvSpPr>
+          <p:cNvPr id="337" name="Google Shape;337;p53"/>
+          <p:cNvSpPr txBox="1"/>
+          <p:nvPr/>
+        </p:nvSpPr>
+        <p:spPr>
+          <a:xfrm>
+            <a:off x="2142200" y="78575"/>
+            <a:ext cx="4317600" cy="1509900"/>
+          </a:xfrm>
+          <a:prstGeom prst="rect">
+            <a:avLst/>
+          </a:prstGeom>
+          <a:noFill/>
+          <a:ln>
+            <a:noFill/>
+          </a:ln>
+        </p:spPr>
+        <p:txBody>
+          <a:bodyPr anchorCtr="0" anchor="t" bIns="91425" lIns="91425" spcFirstLastPara="1" rIns="91425" wrap="square" tIns="91425">
+            <a:spAutoFit/>
+          </a:bodyPr>
+          <a:lstStyle/>
+          <a:p>
+            <a:pPr indent="0" lvl="0" marL="0" rtl="0" algn="l">
+              <a:spcBef>
+                <a:spcPts val="0"/>
+              </a:spcBef>
+              <a:spcAft>
+                <a:spcPts val="0"/>
+              </a:spcAft>
+              <a:buClr>
+                <a:schemeClr val="dk1"/>
+              </a:buClr>
+              <a:buSzPts val="1100"/>
+              <a:buFont typeface="Arial"/>
+              <a:buNone/>
+            </a:pPr>
+            <a:r>
+              <a:rPr lang="en-GB" sz="2810">
+                <a:solidFill>
+                  <a:schemeClr val="lt1"/>
+                </a:solidFill>
+                <a:latin typeface="Verdana"/>
+                <a:ea typeface="Verdana"/>
+                <a:cs typeface="Verdana"/>
+                <a:sym typeface="Verdana"/>
+              </a:rPr>
+              <a:t>       19) Score screen</a:t>
+            </a:r>
+            <a:endParaRPr sz="2810">
+              <a:solidFill>
+                <a:schemeClr val="lt1"/>
+              </a:solidFill>
+              <a:latin typeface="Verdana"/>
+              <a:ea typeface="Verdana"/>
+              <a:cs typeface="Verdana"/>
+              <a:sym typeface="Verdana"/>
+            </a:endParaRPr>
+          </a:p>
+          <a:p>
+            <a:pPr indent="0" lvl="0" marL="0" rtl="0" algn="l">
+              <a:spcBef>
+                <a:spcPts val="0"/>
+              </a:spcBef>
+              <a:spcAft>
+                <a:spcPts val="0"/>
+              </a:spcAft>
+              <a:buClr>
+                <a:schemeClr val="dk1"/>
+              </a:buClr>
+              <a:buSzPts val="1100"/>
+              <a:buFont typeface="Arial"/>
+              <a:buNone/>
+            </a:pPr>
+            <a:r>
+              <a:t/>
+            </a:r>
+            <a:endParaRPr sz="2900">
+              <a:solidFill>
+                <a:schemeClr val="lt1"/>
+              </a:solidFill>
+              <a:latin typeface="Verdana"/>
+              <a:ea typeface="Verdana"/>
+              <a:cs typeface="Verdana"/>
+              <a:sym typeface="Verdana"/>
+            </a:endParaRPr>
+          </a:p>
+          <a:p>
+            <a:pPr indent="0" lvl="0" marL="0" rtl="0" algn="l">
+              <a:spcBef>
+                <a:spcPts val="0"/>
+              </a:spcBef>
+              <a:spcAft>
+                <a:spcPts val="0"/>
+              </a:spcAft>
+              <a:buClr>
+                <a:schemeClr val="dk1"/>
+              </a:buClr>
+              <a:buSzPts val="1100"/>
+              <a:buFont typeface="Arial"/>
+              <a:buNone/>
+            </a:pPr>
+            <a:r>
+              <a:t/>
+            </a:r>
+            <a:endParaRPr sz="2900">
+              <a:solidFill>
+                <a:schemeClr val="lt1"/>
+              </a:solidFill>
+              <a:latin typeface="Verdana"/>
+              <a:ea typeface="Verdana"/>
+              <a:cs typeface="Verdana"/>
+              <a:sym typeface="Verdana"/>
+            </a:endParaRPr>
+          </a:p>
+        </p:txBody>
+      </p:sp>
+      <p:sp>
+        <p:nvSpPr>
+          <p:cNvPr id="338" name="Google Shape;338;p53"/>
+          <p:cNvSpPr txBox="1"/>
+          <p:nvPr/>
+        </p:nvSpPr>
+        <p:spPr>
+          <a:xfrm>
+            <a:off x="144425" y="793225"/>
+            <a:ext cx="2925600" cy="3801900"/>
+          </a:xfrm>
+          <a:prstGeom prst="rect">
+            <a:avLst/>
+          </a:prstGeom>
+          <a:noFill/>
+          <a:ln>
+            <a:noFill/>
+          </a:ln>
+        </p:spPr>
+        <p:txBody>
+          <a:bodyPr anchorCtr="0" anchor="t" bIns="91425" lIns="91425" spcFirstLastPara="1" rIns="91425" wrap="square" tIns="91425">
+            <a:spAutoFit/>
+          </a:bodyPr>
+          <a:lstStyle/>
+          <a:p>
+            <a:pPr indent="0" lvl="0" marL="0" rtl="0" algn="l">
+              <a:spcBef>
+                <a:spcPts val="0"/>
+              </a:spcBef>
+              <a:spcAft>
+                <a:spcPts val="0"/>
+              </a:spcAft>
+              <a:buClr>
+                <a:schemeClr val="dk1"/>
+              </a:buClr>
+              <a:buSzPts val="1100"/>
+              <a:buFont typeface="Arial"/>
+              <a:buNone/>
+            </a:pPr>
+            <a:r>
+              <a:rPr lang="en-GB" sz="2350">
+                <a:solidFill>
+                  <a:srgbClr val="F3F3F3"/>
+                </a:solidFill>
+                <a:latin typeface="Verdana"/>
+                <a:ea typeface="Verdana"/>
+                <a:cs typeface="Verdana"/>
+                <a:sym typeface="Verdana"/>
+              </a:rPr>
+              <a:t>After submitting the quiz, this screen will open, to display the student's score and answer sheet with the functionality to contact Teacher through message.</a:t>
+            </a:r>
+            <a:endParaRPr sz="2350"/>
+          </a:p>
+        </p:txBody>
+      </p:sp>
+      <p:pic>
+        <p:nvPicPr>
+          <p:cNvPr id="339" name="Google Shape;339;p53"/>
+          <p:cNvPicPr preferRelativeResize="0"/>
+          <p:nvPr/>
+        </p:nvPicPr>
+        <p:blipFill>
+          <a:blip r:embed="rId3">
+            <a:alphaModFix/>
+          </a:blip>
+          <a:stretch>
+            <a:fillRect/>
+          </a:stretch>
+        </p:blipFill>
+        <p:spPr>
+          <a:xfrm>
+            <a:off x="3143500" y="929575"/>
+            <a:ext cx="5871799" cy="3598326"/>
+          </a:xfrm>
+          <a:prstGeom prst="rect">
+            <a:avLst/>
+          </a:prstGeom>
+          <a:noFill/>
+          <a:ln>
+            <a:noFill/>
+          </a:ln>
+        </p:spPr>
+      </p:pic>
+    </p:spTree>
+  </p:cSld>
+  <p:clrMapOvr>
+    <a:masterClrMapping/>
+  </p:clrMapOvr>
+</p:sld>
+</file>
+
+<file path=ppt/slides/slide42.xml><?xml version="1.0" encoding="utf-8"?>
+<p:sld xmlns:a="http://schemas.openxmlformats.org/drawingml/2006/main" xmlns:r="http://schemas.openxmlformats.org/officeDocument/2006/relationships" xmlns:mc="http://schemas.openxmlformats.org/markup-compatibility/2006" xmlns:mv="urn:schemas-microsoft-com:mac:vml" xmlns:p="http://schemas.openxmlformats.org/presentationml/2006/main" xmlns:c="http://schemas.openxmlformats.org/drawingml/2006/chart" xmlns:dgm="http://schemas.openxmlformats.org/drawingml/2006/diagram" xmlns:o="urn:schemas-microsoft-com:office:office" xmlns:v="urn:schemas-microsoft-com:vml" xmlns:pvml="urn:schemas-microsoft-com:office:powerpoint" xmlns:com="http://schemas.openxmlformats.org/drawingml/2006/compatibility" xmlns:p14="http://schemas.microsoft.com/office/powerpoint/2010/main" xmlns:p15="http://schemas.microsoft.com/office/powerpoint/2012/main" xmlns:ahyp="http://schemas.microsoft.com/office/drawing/2018/hyperlinkcolor">
+  <p:cSld>
+    <p:spTree>
+      <p:nvGrpSpPr>
+        <p:cNvPr id="343" name="Shape 343"/>
+        <p:cNvGrpSpPr/>
+        <p:nvPr/>
+      </p:nvGrpSpPr>
+      <p:grpSpPr>
+        <a:xfrm>
+          <a:off x="0" y="0"/>
+          <a:ext cx="0" cy="0"/>
+          <a:chOff x="0" y="0"/>
+          <a:chExt cx="0" cy="0"/>
+        </a:xfrm>
+      </p:grpSpPr>
+      <p:sp>
+        <p:nvSpPr>
+          <p:cNvPr id="344" name="Google Shape;344;p54"/>
+          <p:cNvSpPr txBox="1"/>
           <p:nvPr>
             <p:ph type="ctrTitle"/>
           </p:nvPr>
@@ -19050,7 +19979,7 @@
       </p:sp>
       <p:sp>
         <p:nvSpPr>
-          <p:cNvPr id="331" name="Google Shape;331;p52"/>
+          <p:cNvPr id="345" name="Google Shape;345;p54"/>
           <p:cNvSpPr txBox="1"/>
           <p:nvPr>
             <p:ph idx="1" type="subTitle"/>
@@ -19150,7 +20079,7 @@
                                           </p:stCondLst>
                                         </p:cTn>
                                         <p:tgtEl>
-                                          <p:spTgt spid="330"/>
+                                          <p:spTgt spid="344"/>
                                         </p:tgtEl>
                                         <p:attrNameLst>
                                           <p:attrName>style.visibility</p:attrName>
@@ -19164,7 +20093,7 @@
                                       <p:cBhvr additive="base">
                                         <p:cTn dur="600"/>
                                         <p:tgtEl>
-                                          <p:spTgt spid="330"/>
+                                          <p:spTgt spid="344"/>
                                         </p:tgtEl>
                                         <p:attrNameLst>
                                           <p:attrName>ppt_x</p:attrName>
@@ -19200,7 +20129,7 @@
                                           </p:stCondLst>
                                         </p:cTn>
                                         <p:tgtEl>
-                                          <p:spTgt spid="331"/>
+                                          <p:spTgt spid="345"/>
                                         </p:tgtEl>
                                         <p:attrNameLst>
                                           <p:attrName>style.visibility</p:attrName>
@@ -19214,7 +20143,7 @@
                                       <p:cBhvr additive="base">
                                         <p:cTn dur="600"/>
                                         <p:tgtEl>
-                                          <p:spTgt spid="331"/>
+                                          <p:spTgt spid="345"/>
                                         </p:tgtEl>
                                         <p:attrNameLst>
                                           <p:attrName>ppt_x</p:attrName>
@@ -19267,12 +20196,12 @@
 </p:sld>
 </file>
 
-<file path=ppt/slides/slide41.xml><?xml version="1.0" encoding="utf-8"?>
+<file path=ppt/slides/slide43.xml><?xml version="1.0" encoding="utf-8"?>
 <p:sld xmlns:a="http://schemas.openxmlformats.org/drawingml/2006/main" xmlns:r="http://schemas.openxmlformats.org/officeDocument/2006/relationships" xmlns:mc="http://schemas.openxmlformats.org/markup-compatibility/2006" xmlns:mv="urn:schemas-microsoft-com:mac:vml" xmlns:p="http://schemas.openxmlformats.org/presentationml/2006/main" xmlns:c="http://schemas.openxmlformats.org/drawingml/2006/chart" xmlns:dgm="http://schemas.openxmlformats.org/drawingml/2006/diagram" xmlns:o="urn:schemas-microsoft-com:office:office" xmlns:v="urn:schemas-microsoft-com:vml" xmlns:pvml="urn:schemas-microsoft-com:office:powerpoint" xmlns:com="http://schemas.openxmlformats.org/drawingml/2006/compatibility" xmlns:p14="http://schemas.microsoft.com/office/powerpoint/2010/main" xmlns:p15="http://schemas.microsoft.com/office/powerpoint/2012/main" xmlns:ahyp="http://schemas.microsoft.com/office/drawing/2018/hyperlinkcolor">
   <p:cSld>
     <p:spTree>
       <p:nvGrpSpPr>
-        <p:cNvPr id="335" name="Shape 335"/>
+        <p:cNvPr id="349" name="Shape 349"/>
         <p:cNvGrpSpPr/>
         <p:nvPr/>
       </p:nvGrpSpPr>
@@ -19286,7 +20215,7 @@
       </p:grpSpPr>
       <p:sp>
         <p:nvSpPr>
-          <p:cNvPr id="336" name="Google Shape;336;p53"/>
+          <p:cNvPr id="350" name="Google Shape;350;p55"/>
           <p:cNvSpPr txBox="1"/>
           <p:nvPr>
             <p:ph type="ctrTitle"/>
@@ -19326,7 +20255,7 @@
       </p:sp>
       <p:sp>
         <p:nvSpPr>
-          <p:cNvPr id="337" name="Google Shape;337;p53"/>
+          <p:cNvPr id="351" name="Google Shape;351;p55"/>
           <p:cNvSpPr txBox="1"/>
           <p:nvPr>
             <p:ph idx="1" type="subTitle"/>
@@ -19401,7 +20330,7 @@
       </p:sp>
       <p:sp>
         <p:nvSpPr>
-          <p:cNvPr id="338" name="Google Shape;338;p53"/>
+          <p:cNvPr id="352" name="Google Shape;352;p55"/>
           <p:cNvSpPr txBox="1"/>
           <p:nvPr>
             <p:ph type="ctrTitle"/>
@@ -19441,7 +20370,7 @@
       </p:sp>
       <p:sp>
         <p:nvSpPr>
-          <p:cNvPr id="339" name="Google Shape;339;p53"/>
+          <p:cNvPr id="353" name="Google Shape;353;p55"/>
           <p:cNvSpPr txBox="1"/>
           <p:nvPr>
             <p:ph idx="1" type="subTitle"/>
@@ -19487,12 +20416,12 @@
 </p:sld>
 </file>
 
-<file path=ppt/slides/slide42.xml><?xml version="1.0" encoding="utf-8"?>
+<file path=ppt/slides/slide44.xml><?xml version="1.0" encoding="utf-8"?>
 <p:sld xmlns:a="http://schemas.openxmlformats.org/drawingml/2006/main" xmlns:r="http://schemas.openxmlformats.org/officeDocument/2006/relationships" xmlns:mc="http://schemas.openxmlformats.org/markup-compatibility/2006" xmlns:mv="urn:schemas-microsoft-com:mac:vml" xmlns:p="http://schemas.openxmlformats.org/presentationml/2006/main" xmlns:c="http://schemas.openxmlformats.org/drawingml/2006/chart" xmlns:dgm="http://schemas.openxmlformats.org/drawingml/2006/diagram" xmlns:o="urn:schemas-microsoft-com:office:office" xmlns:v="urn:schemas-microsoft-com:vml" xmlns:pvml="urn:schemas-microsoft-com:office:powerpoint" xmlns:com="http://schemas.openxmlformats.org/drawingml/2006/compatibility" xmlns:p14="http://schemas.microsoft.com/office/powerpoint/2010/main" xmlns:p15="http://schemas.microsoft.com/office/powerpoint/2012/main" xmlns:ahyp="http://schemas.microsoft.com/office/drawing/2018/hyperlinkcolor">
   <p:cSld>
     <p:spTree>
       <p:nvGrpSpPr>
-        <p:cNvPr id="343" name="Shape 343"/>
+        <p:cNvPr id="357" name="Shape 357"/>
         <p:cNvGrpSpPr/>
         <p:nvPr/>
       </p:nvGrpSpPr>
@@ -19506,7 +20435,7 @@
       </p:grpSpPr>
       <p:sp>
         <p:nvSpPr>
-          <p:cNvPr id="344" name="Google Shape;344;p54"/>
+          <p:cNvPr id="358" name="Google Shape;358;p56"/>
           <p:cNvSpPr txBox="1"/>
           <p:nvPr>
             <p:ph type="ctrTitle"/>
@@ -19514,8 +20443,112 @@
         </p:nvSpPr>
         <p:spPr>
           <a:xfrm>
-            <a:off x="-125100" y="495425"/>
-            <a:ext cx="3782400" cy="788400"/>
+            <a:off x="417600" y="307800"/>
+            <a:ext cx="3782400" cy="929400"/>
+          </a:xfrm>
+          <a:prstGeom prst="rect">
+            <a:avLst/>
+          </a:prstGeom>
+        </p:spPr>
+        <p:txBody>
+          <a:bodyPr anchorCtr="0" anchor="b" bIns="91425" lIns="91425" spcFirstLastPara="1" rIns="91425" wrap="square" tIns="91425">
+            <a:normAutofit fontScale="90000"/>
+          </a:bodyPr>
+          <a:lstStyle/>
+          <a:p>
+            <a:pPr indent="0" lvl="0" marL="0" rtl="0" algn="l">
+              <a:spcBef>
+                <a:spcPts val="0"/>
+              </a:spcBef>
+              <a:spcAft>
+                <a:spcPts val="0"/>
+              </a:spcAft>
+              <a:buNone/>
+            </a:pPr>
+            <a:r>
+              <a:rPr lang="en-GB" sz="3200"/>
+              <a:t>Separate</a:t>
+            </a:r>
+            <a:endParaRPr sz="3200"/>
+          </a:p>
+          <a:p>
+            <a:pPr indent="0" lvl="0" marL="0" rtl="0" algn="l">
+              <a:spcBef>
+                <a:spcPts val="0"/>
+              </a:spcBef>
+              <a:spcAft>
+                <a:spcPts val="0"/>
+              </a:spcAft>
+              <a:buNone/>
+            </a:pPr>
+            <a:r>
+              <a:rPr lang="en-GB" sz="3200"/>
+              <a:t>Message Box</a:t>
+            </a:r>
+            <a:endParaRPr sz="3200"/>
+          </a:p>
+        </p:txBody>
+      </p:sp>
+      <p:sp>
+        <p:nvSpPr>
+          <p:cNvPr id="359" name="Google Shape;359;p56"/>
+          <p:cNvSpPr txBox="1"/>
+          <p:nvPr>
+            <p:ph idx="1" type="subTitle"/>
+          </p:nvPr>
+        </p:nvSpPr>
+        <p:spPr>
+          <a:xfrm>
+            <a:off x="348500" y="1237250"/>
+            <a:ext cx="4000200" cy="3405900"/>
+          </a:xfrm>
+          <a:prstGeom prst="rect">
+            <a:avLst/>
+          </a:prstGeom>
+        </p:spPr>
+        <p:txBody>
+          <a:bodyPr anchorCtr="0" anchor="t" bIns="91425" lIns="91425" spcFirstLastPara="1" rIns="91425" wrap="square" tIns="91425">
+            <a:normAutofit/>
+          </a:bodyPr>
+          <a:lstStyle/>
+          <a:p>
+            <a:pPr indent="0" lvl="0" marL="0" rtl="0" algn="l">
+              <a:spcBef>
+                <a:spcPts val="0"/>
+              </a:spcBef>
+              <a:spcAft>
+                <a:spcPts val="0"/>
+              </a:spcAft>
+              <a:buNone/>
+            </a:pPr>
+            <a:r>
+              <a:rPr lang="en-GB"/>
+              <a:t>We can add a Message Box between multiple </a:t>
+            </a:r>
+            <a:r>
+              <a:rPr lang="en-GB"/>
+              <a:t>teachers</a:t>
+            </a:r>
+            <a:r>
+              <a:rPr lang="en-GB"/>
+              <a:t> and multiple students to communicate with each other with more privacy and have the option to delete their own Messages.</a:t>
+            </a:r>
+            <a:endParaRPr/>
+          </a:p>
+        </p:txBody>
+      </p:sp>
+      <p:sp>
+        <p:nvSpPr>
+          <p:cNvPr id="360" name="Google Shape;360;p56"/>
+          <p:cNvSpPr txBox="1"/>
+          <p:nvPr>
+            <p:ph type="ctrTitle"/>
+          </p:nvPr>
+        </p:nvSpPr>
+        <p:spPr>
+          <a:xfrm>
+            <a:off x="4348700" y="561650"/>
+            <a:ext cx="4434600" cy="675600"/>
           </a:xfrm>
           <a:prstGeom prst="rect">
             <a:avLst/>
@@ -19538,7 +20571,7 @@
             </a:pPr>
             <a:r>
               <a:rPr lang="en-GB" sz="3200"/>
-              <a:t>Message Box</a:t>
+              <a:t>Proper Application</a:t>
             </a:r>
             <a:endParaRPr sz="3200"/>
           </a:p>
@@ -19546,95 +20579,7 @@
       </p:sp>
       <p:sp>
         <p:nvSpPr>
-          <p:cNvPr id="345" name="Google Shape;345;p54"/>
-          <p:cNvSpPr txBox="1"/>
-          <p:nvPr>
-            <p:ph idx="1" type="subTitle"/>
-          </p:nvPr>
-        </p:nvSpPr>
-        <p:spPr>
-          <a:xfrm>
-            <a:off x="348500" y="1227425"/>
-            <a:ext cx="4000200" cy="3405900"/>
-          </a:xfrm>
-          <a:prstGeom prst="rect">
-            <a:avLst/>
-          </a:prstGeom>
-        </p:spPr>
-        <p:txBody>
-          <a:bodyPr anchorCtr="0" anchor="t" bIns="91425" lIns="91425" spcFirstLastPara="1" rIns="91425" wrap="square" tIns="91425">
-            <a:normAutofit/>
-          </a:bodyPr>
-          <a:lstStyle/>
-          <a:p>
-            <a:pPr indent="0" lvl="0" marL="0" rtl="0" algn="l">
-              <a:spcBef>
-                <a:spcPts val="0"/>
-              </a:spcBef>
-              <a:spcAft>
-                <a:spcPts val="0"/>
-              </a:spcAft>
-              <a:buNone/>
-            </a:pPr>
-            <a:r>
-              <a:rPr lang="en-GB"/>
-              <a:t>We can add a simple Message Box between </a:t>
-            </a:r>
-            <a:r>
-              <a:rPr lang="en-GB"/>
-              <a:t>teacher</a:t>
-            </a:r>
-            <a:r>
-              <a:rPr lang="en-GB"/>
-              <a:t> and a student to communicate with each other.</a:t>
-            </a:r>
-            <a:endParaRPr/>
-          </a:p>
-        </p:txBody>
-      </p:sp>
-      <p:sp>
-        <p:nvSpPr>
-          <p:cNvPr id="346" name="Google Shape;346;p54"/>
-          <p:cNvSpPr txBox="1"/>
-          <p:nvPr>
-            <p:ph type="ctrTitle"/>
-          </p:nvPr>
-        </p:nvSpPr>
-        <p:spPr>
-          <a:xfrm>
-            <a:off x="4348700" y="561650"/>
-            <a:ext cx="4434600" cy="675600"/>
-          </a:xfrm>
-          <a:prstGeom prst="rect">
-            <a:avLst/>
-          </a:prstGeom>
-        </p:spPr>
-        <p:txBody>
-          <a:bodyPr anchorCtr="0" anchor="b" bIns="91425" lIns="91425" spcFirstLastPara="1" rIns="91425" wrap="square" tIns="91425">
-            <a:normAutofit/>
-          </a:bodyPr>
-          <a:lstStyle/>
-          <a:p>
-            <a:pPr indent="0" lvl="0" marL="0" rtl="0" algn="ctr">
-              <a:spcBef>
-                <a:spcPts val="0"/>
-              </a:spcBef>
-              <a:spcAft>
-                <a:spcPts val="0"/>
-              </a:spcAft>
-              <a:buNone/>
-            </a:pPr>
-            <a:r>
-              <a:rPr lang="en-GB" sz="3200"/>
-              <a:t>Proper Application</a:t>
-            </a:r>
-            <a:endParaRPr sz="3200"/>
-          </a:p>
-        </p:txBody>
-      </p:sp>
-      <p:sp>
-        <p:nvSpPr>
-          <p:cNvPr id="347" name="Google Shape;347;p54"/>
+          <p:cNvPr id="361" name="Google Shape;361;p56"/>
           <p:cNvSpPr txBox="1"/>
           <p:nvPr>
             <p:ph idx="1" type="subTitle"/>
@@ -19680,12 +20625,12 @@
 </p:sld>
 </file>
 
-<file path=ppt/slides/slide43.xml><?xml version="1.0" encoding="utf-8"?>
+<file path=ppt/slides/slide45.xml><?xml version="1.0" encoding="utf-8"?>
 <p:sld xmlns:a="http://schemas.openxmlformats.org/drawingml/2006/main" xmlns:r="http://schemas.openxmlformats.org/officeDocument/2006/relationships" xmlns:mc="http://schemas.openxmlformats.org/markup-compatibility/2006" xmlns:mv="urn:schemas-microsoft-com:mac:vml" xmlns:p="http://schemas.openxmlformats.org/presentationml/2006/main" xmlns:c="http://schemas.openxmlformats.org/drawingml/2006/chart" xmlns:dgm="http://schemas.openxmlformats.org/drawingml/2006/diagram" xmlns:o="urn:schemas-microsoft-com:office:office" xmlns:v="urn:schemas-microsoft-com:vml" xmlns:pvml="urn:schemas-microsoft-com:office:powerpoint" xmlns:com="http://schemas.openxmlformats.org/drawingml/2006/compatibility" xmlns:p14="http://schemas.microsoft.com/office/powerpoint/2010/main" xmlns:p15="http://schemas.microsoft.com/office/powerpoint/2012/main" xmlns:ahyp="http://schemas.microsoft.com/office/drawing/2018/hyperlinkcolor">
   <p:cSld>
     <p:spTree>
       <p:nvGrpSpPr>
-        <p:cNvPr id="351" name="Shape 351"/>
+        <p:cNvPr id="365" name="Shape 365"/>
         <p:cNvGrpSpPr/>
         <p:nvPr/>
       </p:nvGrpSpPr>
@@ -19699,7 +20644,7 @@
       </p:grpSpPr>
       <p:sp>
         <p:nvSpPr>
-          <p:cNvPr id="352" name="Google Shape;352;p55"/>
+          <p:cNvPr id="366" name="Google Shape;366;p57"/>
           <p:cNvSpPr txBox="1"/>
           <p:nvPr>
             <p:ph type="ctrTitle"/>
@@ -19740,7 +20685,7 @@
       </p:sp>
       <p:sp>
         <p:nvSpPr>
-          <p:cNvPr id="353" name="Google Shape;353;p55"/>
+          <p:cNvPr id="367" name="Google Shape;367;p57"/>
           <p:cNvSpPr txBox="1"/>
           <p:nvPr>
             <p:ph idx="1" type="subTitle"/>
@@ -19836,7 +20781,7 @@
                                           </p:stCondLst>
                                         </p:cTn>
                                         <p:tgtEl>
-                                          <p:spTgt spid="352"/>
+                                          <p:spTgt spid="366"/>
                                         </p:tgtEl>
                                         <p:attrNameLst>
                                           <p:attrName>style.visibility</p:attrName>
@@ -19850,7 +20795,7 @@
                                       <p:cBhvr additive="base">
                                         <p:cTn dur="600"/>
                                         <p:tgtEl>
-                                          <p:spTgt spid="352"/>
+                                          <p:spTgt spid="366"/>
                                         </p:tgtEl>
                                         <p:attrNameLst>
                                           <p:attrName>ppt_x</p:attrName>
@@ -19886,7 +20831,7 @@
                                           </p:stCondLst>
                                         </p:cTn>
                                         <p:tgtEl>
-                                          <p:spTgt spid="353"/>
+                                          <p:spTgt spid="367"/>
                                         </p:tgtEl>
                                         <p:attrNameLst>
                                           <p:attrName>style.visibility</p:attrName>
@@ -19900,7 +20845,7 @@
                                       <p:cBhvr additive="base">
                                         <p:cTn dur="600"/>
                                         <p:tgtEl>
-                                          <p:spTgt spid="353"/>
+                                          <p:spTgt spid="367"/>
                                         </p:tgtEl>
                                         <p:attrNameLst>
                                           <p:attrName>ppt_x</p:attrName>
@@ -19953,12 +20898,12 @@
 </p:sld>
 </file>
 
-<file path=ppt/slides/slide44.xml><?xml version="1.0" encoding="utf-8"?>
+<file path=ppt/slides/slide46.xml><?xml version="1.0" encoding="utf-8"?>
 <p:sld xmlns:a="http://schemas.openxmlformats.org/drawingml/2006/main" xmlns:r="http://schemas.openxmlformats.org/officeDocument/2006/relationships" xmlns:mc="http://schemas.openxmlformats.org/markup-compatibility/2006" xmlns:mv="urn:schemas-microsoft-com:mac:vml" xmlns:p="http://schemas.openxmlformats.org/presentationml/2006/main" xmlns:c="http://schemas.openxmlformats.org/drawingml/2006/chart" xmlns:dgm="http://schemas.openxmlformats.org/drawingml/2006/diagram" xmlns:o="urn:schemas-microsoft-com:office:office" xmlns:v="urn:schemas-microsoft-com:vml" xmlns:pvml="urn:schemas-microsoft-com:office:powerpoint" xmlns:com="http://schemas.openxmlformats.org/drawingml/2006/compatibility" xmlns:p14="http://schemas.microsoft.com/office/powerpoint/2010/main" xmlns:p15="http://schemas.microsoft.com/office/powerpoint/2012/main" xmlns:ahyp="http://schemas.microsoft.com/office/drawing/2018/hyperlinkcolor">
   <p:cSld>
     <p:spTree>
       <p:nvGrpSpPr>
-        <p:cNvPr id="357" name="Shape 357"/>
+        <p:cNvPr id="371" name="Shape 371"/>
         <p:cNvGrpSpPr/>
         <p:nvPr/>
       </p:nvGrpSpPr>
@@ -19972,7 +20917,7 @@
       </p:grpSpPr>
       <p:sp>
         <p:nvSpPr>
-          <p:cNvPr id="358" name="Google Shape;358;p56"/>
+          <p:cNvPr id="372" name="Google Shape;372;p58"/>
           <p:cNvSpPr txBox="1"/>
           <p:nvPr>
             <p:ph type="ctrTitle"/>
@@ -20012,7 +20957,7 @@
       </p:sp>
       <p:sp>
         <p:nvSpPr>
-          <p:cNvPr id="359" name="Google Shape;359;p56"/>
+          <p:cNvPr id="373" name="Google Shape;373;p58"/>
           <p:cNvSpPr txBox="1"/>
           <p:nvPr>
             <p:ph idx="1" type="subTitle"/>
@@ -20226,7 +21171,7 @@
       </p:sp>
       <p:pic>
         <p:nvPicPr>
-          <p:cNvPr id="360" name="Google Shape;360;p56"/>
+          <p:cNvPr id="374" name="Google Shape;374;p58"/>
           <p:cNvPicPr preferRelativeResize="0"/>
           <p:nvPr/>
         </p:nvPicPr>
@@ -20244,740 +21189,6 @@
             <a:ext cx="3857725" cy="2169976"/>
           </a:xfrm>
           <a:prstGeom prst="rect">
-            <a:avLst/>
-          </a:prstGeom>
-          <a:noFill/>
-          <a:ln>
-            <a:noFill/>
-          </a:ln>
-        </p:spPr>
-      </p:pic>
-    </p:spTree>
-  </p:cSld>
-  <p:clrMapOvr>
-    <a:masterClrMapping/>
-  </p:clrMapOvr>
-</p:sld>
-</file>
-
-<file path=ppt/slides/slide45.xml><?xml version="1.0" encoding="utf-8"?>
-<p:sld xmlns:a="http://schemas.openxmlformats.org/drawingml/2006/main" xmlns:r="http://schemas.openxmlformats.org/officeDocument/2006/relationships" xmlns:mc="http://schemas.openxmlformats.org/markup-compatibility/2006" xmlns:mv="urn:schemas-microsoft-com:mac:vml" xmlns:p="http://schemas.openxmlformats.org/presentationml/2006/main" xmlns:c="http://schemas.openxmlformats.org/drawingml/2006/chart" xmlns:dgm="http://schemas.openxmlformats.org/drawingml/2006/diagram" xmlns:o="urn:schemas-microsoft-com:office:office" xmlns:v="urn:schemas-microsoft-com:vml" xmlns:pvml="urn:schemas-microsoft-com:office:powerpoint" xmlns:com="http://schemas.openxmlformats.org/drawingml/2006/compatibility" xmlns:p14="http://schemas.microsoft.com/office/powerpoint/2010/main" xmlns:p15="http://schemas.microsoft.com/office/powerpoint/2012/main" xmlns:ahyp="http://schemas.microsoft.com/office/drawing/2018/hyperlinkcolor">
-  <p:cSld>
-    <p:spTree>
-      <p:nvGrpSpPr>
-        <p:cNvPr id="364" name="Shape 364"/>
-        <p:cNvGrpSpPr/>
-        <p:nvPr/>
-      </p:nvGrpSpPr>
-      <p:grpSpPr>
-        <a:xfrm>
-          <a:off x="0" y="0"/>
-          <a:ext cx="0" cy="0"/>
-          <a:chOff x="0" y="0"/>
-          <a:chExt cx="0" cy="0"/>
-        </a:xfrm>
-      </p:grpSpPr>
-      <p:sp>
-        <p:nvSpPr>
-          <p:cNvPr id="365" name="Google Shape;365;p57"/>
-          <p:cNvSpPr txBox="1"/>
-          <p:nvPr>
-            <p:ph type="ctrTitle"/>
-          </p:nvPr>
-        </p:nvSpPr>
-        <p:spPr>
-          <a:xfrm>
-            <a:off x="311700" y="185325"/>
-            <a:ext cx="8520600" cy="675600"/>
-          </a:xfrm>
-          <a:prstGeom prst="rect">
-            <a:avLst/>
-          </a:prstGeom>
-        </p:spPr>
-        <p:txBody>
-          <a:bodyPr anchorCtr="0" anchor="b" bIns="91425" lIns="91425" spcFirstLastPara="1" rIns="91425" wrap="square" tIns="91425">
-            <a:normAutofit/>
-          </a:bodyPr>
-          <a:lstStyle/>
-          <a:p>
-            <a:pPr indent="0" lvl="0" marL="0" rtl="0" algn="ctr">
-              <a:spcBef>
-                <a:spcPts val="0"/>
-              </a:spcBef>
-              <a:spcAft>
-                <a:spcPts val="0"/>
-              </a:spcAft>
-              <a:buNone/>
-            </a:pPr>
-            <a:r>
-              <a:rPr lang="en-GB"/>
-              <a:t>Contributions</a:t>
-            </a:r>
-            <a:endParaRPr/>
-          </a:p>
-        </p:txBody>
-      </p:sp>
-      <p:sp>
-        <p:nvSpPr>
-          <p:cNvPr id="366" name="Google Shape;366;p57"/>
-          <p:cNvSpPr txBox="1"/>
-          <p:nvPr>
-            <p:ph idx="1" type="subTitle"/>
-          </p:nvPr>
-        </p:nvSpPr>
-        <p:spPr>
-          <a:xfrm>
-            <a:off x="129600" y="1101600"/>
-            <a:ext cx="5799600" cy="3720600"/>
-          </a:xfrm>
-          <a:prstGeom prst="rect">
-            <a:avLst/>
-          </a:prstGeom>
-        </p:spPr>
-        <p:txBody>
-          <a:bodyPr anchorCtr="0" anchor="t" bIns="91425" lIns="91425" spcFirstLastPara="1" rIns="91425" wrap="square" tIns="91425">
-            <a:normAutofit fontScale="85000" lnSpcReduction="20000"/>
-          </a:bodyPr>
-          <a:lstStyle/>
-          <a:p>
-            <a:pPr indent="0" lvl="0" marL="0" rtl="0" algn="l">
-              <a:spcBef>
-                <a:spcPts val="0"/>
-              </a:spcBef>
-              <a:spcAft>
-                <a:spcPts val="0"/>
-              </a:spcAft>
-              <a:buNone/>
-            </a:pPr>
-            <a:r>
-              <a:rPr lang="en-GB"/>
-              <a:t>We are willing have Open Contributions in our Project to make it more efficient and to achieve the goals described above in ‘Future Plans’</a:t>
-            </a:r>
-            <a:endParaRPr/>
-          </a:p>
-          <a:p>
-            <a:pPr indent="0" lvl="0" marL="0" rtl="0" algn="l">
-              <a:spcBef>
-                <a:spcPts val="0"/>
-              </a:spcBef>
-              <a:spcAft>
-                <a:spcPts val="0"/>
-              </a:spcAft>
-              <a:buNone/>
-            </a:pPr>
-            <a:r>
-              <a:t/>
-            </a:r>
-            <a:endParaRPr/>
-          </a:p>
-          <a:p>
-            <a:pPr indent="0" lvl="0" marL="0" rtl="0" algn="l">
-              <a:spcBef>
-                <a:spcPts val="0"/>
-              </a:spcBef>
-              <a:spcAft>
-                <a:spcPts val="0"/>
-              </a:spcAft>
-              <a:buNone/>
-            </a:pPr>
-            <a:r>
-              <a:rPr lang="en-GB"/>
-              <a:t>Just download Git and run the below given command to clone the repository</a:t>
-            </a:r>
-            <a:endParaRPr/>
-          </a:p>
-          <a:p>
-            <a:pPr indent="0" lvl="0" marL="0" rtl="0" algn="l">
-              <a:spcBef>
-                <a:spcPts val="0"/>
-              </a:spcBef>
-              <a:spcAft>
-                <a:spcPts val="0"/>
-              </a:spcAft>
-              <a:buNone/>
-            </a:pPr>
-            <a:r>
-              <a:t/>
-            </a:r>
-            <a:endParaRPr/>
-          </a:p>
-          <a:p>
-            <a:pPr indent="-379730" lvl="0" marL="457200" rtl="0" algn="l">
-              <a:spcBef>
-                <a:spcPts val="0"/>
-              </a:spcBef>
-              <a:spcAft>
-                <a:spcPts val="0"/>
-              </a:spcAft>
-              <a:buClr>
-                <a:schemeClr val="lt1"/>
-              </a:buClr>
-              <a:buSzPct val="119148"/>
-              <a:buChar char="-"/>
-            </a:pPr>
-            <a:r>
-              <a:rPr lang="en-GB">
-                <a:solidFill>
-                  <a:srgbClr val="0B5394"/>
-                </a:solidFill>
-              </a:rPr>
-              <a:t>git clone https://github.com/Muzammiljethwa/OOP-in-Java.git</a:t>
-            </a:r>
-            <a:endParaRPr>
-              <a:solidFill>
-                <a:srgbClr val="0B5394"/>
-              </a:solidFill>
-            </a:endParaRPr>
-          </a:p>
-          <a:p>
-            <a:pPr indent="0" lvl="0" marL="0" rtl="0" algn="l">
-              <a:spcBef>
-                <a:spcPts val="0"/>
-              </a:spcBef>
-              <a:spcAft>
-                <a:spcPts val="0"/>
-              </a:spcAft>
-              <a:buNone/>
-            </a:pPr>
-            <a:r>
-              <a:t/>
-            </a:r>
-            <a:endParaRPr/>
-          </a:p>
-          <a:p>
-            <a:pPr indent="0" lvl="0" marL="0" rtl="0" algn="l">
-              <a:spcBef>
-                <a:spcPts val="0"/>
-              </a:spcBef>
-              <a:spcAft>
-                <a:spcPts val="0"/>
-              </a:spcAft>
-              <a:buClr>
-                <a:schemeClr val="dk1"/>
-              </a:buClr>
-              <a:buSzPct val="46808"/>
-              <a:buFont typeface="Arial"/>
-              <a:buNone/>
-            </a:pPr>
-            <a:r>
-              <a:rPr lang="en-GB"/>
-              <a:t>We are awaiting for your Contributions    </a:t>
-            </a:r>
-            <a:endParaRPr/>
-          </a:p>
-          <a:p>
-            <a:pPr indent="0" lvl="0" marL="0" rtl="0" algn="l">
-              <a:spcBef>
-                <a:spcPts val="0"/>
-              </a:spcBef>
-              <a:spcAft>
-                <a:spcPts val="0"/>
-              </a:spcAft>
-              <a:buNone/>
-            </a:pPr>
-            <a:r>
-              <a:t/>
-            </a:r>
-            <a:endParaRPr>
-              <a:solidFill>
-                <a:srgbClr val="F3F3F3"/>
-              </a:solidFill>
-            </a:endParaRPr>
-          </a:p>
-        </p:txBody>
-      </p:sp>
-      <p:pic>
-        <p:nvPicPr>
-          <p:cNvPr descr="Fire on Microsoft Windows 10 May 2019 Update" id="367" name="Google Shape;367;p57"/>
-          <p:cNvPicPr preferRelativeResize="0"/>
-          <p:nvPr/>
-        </p:nvPicPr>
-        <p:blipFill>
-          <a:blip r:embed="rId3">
-            <a:alphaModFix/>
-          </a:blip>
-          <a:stretch>
-            <a:fillRect/>
-          </a:stretch>
-        </p:blipFill>
-        <p:spPr>
-          <a:xfrm>
-            <a:off x="5256900" y="4052325"/>
-            <a:ext cx="337875" cy="337875"/>
-          </a:xfrm>
-          <a:prstGeom prst="rect">
-            <a:avLst/>
-          </a:prstGeom>
-          <a:noFill/>
-          <a:ln>
-            <a:noFill/>
-          </a:ln>
-        </p:spPr>
-      </p:pic>
-      <p:pic>
-        <p:nvPicPr>
-          <p:cNvPr id="368" name="Google Shape;368;p57"/>
-          <p:cNvPicPr preferRelativeResize="0"/>
-          <p:nvPr/>
-        </p:nvPicPr>
-        <p:blipFill>
-          <a:blip r:embed="rId4">
-            <a:alphaModFix/>
-          </a:blip>
-          <a:stretch>
-            <a:fillRect/>
-          </a:stretch>
-        </p:blipFill>
-        <p:spPr>
-          <a:xfrm>
-            <a:off x="5723000" y="1502963"/>
-            <a:ext cx="3109300" cy="2331975"/>
-          </a:xfrm>
-          <a:prstGeom prst="rect">
-            <a:avLst/>
-          </a:prstGeom>
-          <a:noFill/>
-          <a:ln>
-            <a:noFill/>
-          </a:ln>
-        </p:spPr>
-      </p:pic>
-    </p:spTree>
-  </p:cSld>
-  <p:clrMapOvr>
-    <a:masterClrMapping/>
-  </p:clrMapOvr>
-</p:sld>
-</file>
-
-<file path=ppt/slides/slide46.xml><?xml version="1.0" encoding="utf-8"?>
-<p:sld xmlns:a="http://schemas.openxmlformats.org/drawingml/2006/main" xmlns:r="http://schemas.openxmlformats.org/officeDocument/2006/relationships" xmlns:mc="http://schemas.openxmlformats.org/markup-compatibility/2006" xmlns:mv="urn:schemas-microsoft-com:mac:vml" xmlns:p="http://schemas.openxmlformats.org/presentationml/2006/main" xmlns:c="http://schemas.openxmlformats.org/drawingml/2006/chart" xmlns:dgm="http://schemas.openxmlformats.org/drawingml/2006/diagram" xmlns:o="urn:schemas-microsoft-com:office:office" xmlns:v="urn:schemas-microsoft-com:vml" xmlns:pvml="urn:schemas-microsoft-com:office:powerpoint" xmlns:com="http://schemas.openxmlformats.org/drawingml/2006/compatibility" xmlns:p14="http://schemas.microsoft.com/office/powerpoint/2010/main" xmlns:p15="http://schemas.microsoft.com/office/powerpoint/2012/main" xmlns:ahyp="http://schemas.microsoft.com/office/drawing/2018/hyperlinkcolor">
-  <p:cSld>
-    <p:spTree>
-      <p:nvGrpSpPr>
-        <p:cNvPr id="372" name="Shape 372"/>
-        <p:cNvGrpSpPr/>
-        <p:nvPr/>
-      </p:nvGrpSpPr>
-      <p:grpSpPr>
-        <a:xfrm>
-          <a:off x="0" y="0"/>
-          <a:ext cx="0" cy="0"/>
-          <a:chOff x="0" y="0"/>
-          <a:chExt cx="0" cy="0"/>
-        </a:xfrm>
-      </p:grpSpPr>
-      <p:sp>
-        <p:nvSpPr>
-          <p:cNvPr id="373" name="Google Shape;373;p58"/>
-          <p:cNvSpPr txBox="1"/>
-          <p:nvPr>
-            <p:ph type="ctrTitle"/>
-          </p:nvPr>
-        </p:nvSpPr>
-        <p:spPr>
-          <a:xfrm>
-            <a:off x="311700" y="185325"/>
-            <a:ext cx="8520600" cy="675600"/>
-          </a:xfrm>
-          <a:prstGeom prst="rect">
-            <a:avLst/>
-          </a:prstGeom>
-        </p:spPr>
-        <p:txBody>
-          <a:bodyPr anchorCtr="0" anchor="b" bIns="91425" lIns="91425" spcFirstLastPara="1" rIns="91425" wrap="square" tIns="91425">
-            <a:normAutofit/>
-          </a:bodyPr>
-          <a:lstStyle/>
-          <a:p>
-            <a:pPr indent="0" lvl="0" marL="0" rtl="0" algn="ctr">
-              <a:spcBef>
-                <a:spcPts val="0"/>
-              </a:spcBef>
-              <a:spcAft>
-                <a:spcPts val="0"/>
-              </a:spcAft>
-              <a:buNone/>
-            </a:pPr>
-            <a:r>
-              <a:rPr lang="en-GB" sz="3200"/>
-              <a:t>Main Contributions</a:t>
-            </a:r>
-            <a:endParaRPr sz="3200"/>
-          </a:p>
-        </p:txBody>
-      </p:sp>
-      <p:sp>
-        <p:nvSpPr>
-          <p:cNvPr id="374" name="Google Shape;374;p58"/>
-          <p:cNvSpPr txBox="1"/>
-          <p:nvPr>
-            <p:ph idx="1" type="subTitle"/>
-          </p:nvPr>
-        </p:nvSpPr>
-        <p:spPr>
-          <a:xfrm>
-            <a:off x="311700" y="1769438"/>
-            <a:ext cx="6455700" cy="1466100"/>
-          </a:xfrm>
-          <a:prstGeom prst="rect">
-            <a:avLst/>
-          </a:prstGeom>
-        </p:spPr>
-        <p:txBody>
-          <a:bodyPr anchorCtr="0" anchor="t" bIns="91425" lIns="91425" spcFirstLastPara="1" rIns="91425" wrap="square" tIns="91425">
-            <a:normAutofit/>
-          </a:bodyPr>
-          <a:lstStyle/>
-          <a:p>
-            <a:pPr indent="0" lvl="0" marL="0" rtl="0" algn="l">
-              <a:spcBef>
-                <a:spcPts val="0"/>
-              </a:spcBef>
-              <a:spcAft>
-                <a:spcPts val="0"/>
-              </a:spcAft>
-              <a:buNone/>
-            </a:pPr>
-            <a:r>
-              <a:rPr b="1" lang="en-GB">
-                <a:solidFill>
-                  <a:schemeClr val="lt1"/>
-                </a:solidFill>
-              </a:rPr>
-              <a:t>         </a:t>
-            </a:r>
-            <a:r>
-              <a:rPr b="1" lang="en-GB" sz="1800">
-                <a:solidFill>
-                  <a:schemeClr val="lt1"/>
-                </a:solidFill>
-              </a:rPr>
-              <a:t>Name:</a:t>
-            </a:r>
-            <a:r>
-              <a:rPr lang="en-GB" sz="1800"/>
-              <a:t> Muzammil Jethwa</a:t>
-            </a:r>
-            <a:endParaRPr sz="1800"/>
-          </a:p>
-          <a:p>
-            <a:pPr indent="0" lvl="0" marL="0" rtl="0" algn="l">
-              <a:spcBef>
-                <a:spcPts val="0"/>
-              </a:spcBef>
-              <a:spcAft>
-                <a:spcPts val="0"/>
-              </a:spcAft>
-              <a:buNone/>
-            </a:pPr>
-            <a:r>
-              <a:rPr b="1" lang="en-GB" sz="1800">
-                <a:solidFill>
-                  <a:schemeClr val="lt1"/>
-                </a:solidFill>
-              </a:rPr>
-              <a:t>Seat Number:</a:t>
-            </a:r>
-            <a:r>
-              <a:rPr lang="en-GB" sz="1800"/>
-              <a:t> B19102111</a:t>
-            </a:r>
-            <a:endParaRPr sz="1800">
-              <a:solidFill>
-                <a:srgbClr val="F3F3F3"/>
-              </a:solidFill>
-            </a:endParaRPr>
-          </a:p>
-          <a:p>
-            <a:pPr indent="0" lvl="0" marL="0" rtl="0" algn="l">
-              <a:spcBef>
-                <a:spcPts val="0"/>
-              </a:spcBef>
-              <a:spcAft>
-                <a:spcPts val="0"/>
-              </a:spcAft>
-              <a:buNone/>
-            </a:pPr>
-            <a:r>
-              <a:rPr b="1" lang="en-GB" sz="1800">
-                <a:solidFill>
-                  <a:schemeClr val="lt1"/>
-                </a:solidFill>
-              </a:rPr>
-              <a:t>          GitHub: </a:t>
-            </a:r>
-            <a:r>
-              <a:rPr lang="en-GB" sz="1800" u="sng">
-                <a:solidFill>
-                  <a:srgbClr val="0B5394"/>
-                </a:solidFill>
-                <a:hlinkClick r:id="rId3">
-                  <a:extLst>
-                    <a:ext uri="{A12FA001-AC4F-418D-AE19-62706E023703}">
-                      <ahyp:hlinkClr val="tx"/>
-                    </a:ext>
-                  </a:extLst>
-                </a:hlinkClick>
-              </a:rPr>
-              <a:t>https://github.com/Muzammiljethwa/</a:t>
-            </a:r>
-            <a:endParaRPr b="1" sz="1800">
-              <a:solidFill>
-                <a:srgbClr val="0B5394"/>
-              </a:solidFill>
-            </a:endParaRPr>
-          </a:p>
-          <a:p>
-            <a:pPr indent="0" lvl="0" marL="0" rtl="0" algn="l">
-              <a:spcBef>
-                <a:spcPts val="0"/>
-              </a:spcBef>
-              <a:spcAft>
-                <a:spcPts val="0"/>
-              </a:spcAft>
-              <a:buNone/>
-            </a:pPr>
-            <a:r>
-              <a:t/>
-            </a:r>
-            <a:endParaRPr>
-              <a:solidFill>
-                <a:srgbClr val="F3F3F3"/>
-              </a:solidFill>
-            </a:endParaRPr>
-          </a:p>
-        </p:txBody>
-      </p:sp>
-      <p:sp>
-        <p:nvSpPr>
-          <p:cNvPr id="375" name="Google Shape;375;p58"/>
-          <p:cNvSpPr txBox="1"/>
-          <p:nvPr>
-            <p:ph type="ctrTitle"/>
-          </p:nvPr>
-        </p:nvSpPr>
-        <p:spPr>
-          <a:xfrm>
-            <a:off x="407400" y="974325"/>
-            <a:ext cx="4630800" cy="551700"/>
-          </a:xfrm>
-          <a:prstGeom prst="rect">
-            <a:avLst/>
-          </a:prstGeom>
-        </p:spPr>
-        <p:txBody>
-          <a:bodyPr anchorCtr="0" anchor="b" bIns="91425" lIns="91425" spcFirstLastPara="1" rIns="91425" wrap="square" tIns="91425">
-            <a:noAutofit/>
-          </a:bodyPr>
-          <a:lstStyle/>
-          <a:p>
-            <a:pPr indent="0" lvl="0" marL="0" rtl="0" algn="l">
-              <a:spcBef>
-                <a:spcPts val="0"/>
-              </a:spcBef>
-              <a:spcAft>
-                <a:spcPts val="0"/>
-              </a:spcAft>
-              <a:buNone/>
-            </a:pPr>
-            <a:r>
-              <a:rPr lang="en-GB" sz="2500"/>
-              <a:t>Our Main Contributors are:</a:t>
-            </a:r>
-            <a:endParaRPr sz="2500"/>
-          </a:p>
-        </p:txBody>
-      </p:sp>
-      <p:pic>
-        <p:nvPicPr>
-          <p:cNvPr id="376" name="Google Shape;376;p58"/>
-          <p:cNvPicPr preferRelativeResize="0"/>
-          <p:nvPr/>
-        </p:nvPicPr>
-        <p:blipFill>
-          <a:blip r:embed="rId4">
-            <a:alphaModFix/>
-          </a:blip>
-          <a:stretch>
-            <a:fillRect/>
-          </a:stretch>
-        </p:blipFill>
-        <p:spPr>
-          <a:xfrm>
-            <a:off x="7014450" y="1705050"/>
-            <a:ext cx="1425900" cy="1425900"/>
-          </a:xfrm>
-          <a:prstGeom prst="ellipse">
-            <a:avLst/>
-          </a:prstGeom>
-          <a:noFill/>
-          <a:ln>
-            <a:noFill/>
-          </a:ln>
-        </p:spPr>
-      </p:pic>
-      <p:sp>
-        <p:nvSpPr>
-          <p:cNvPr id="377" name="Google Shape;377;p58"/>
-          <p:cNvSpPr txBox="1"/>
-          <p:nvPr>
-            <p:ph idx="1" type="subTitle"/>
-          </p:nvPr>
-        </p:nvSpPr>
-        <p:spPr>
-          <a:xfrm>
-            <a:off x="311700" y="3365438"/>
-            <a:ext cx="6455700" cy="1466100"/>
-          </a:xfrm>
-          <a:prstGeom prst="rect">
-            <a:avLst/>
-          </a:prstGeom>
-        </p:spPr>
-        <p:txBody>
-          <a:bodyPr anchorCtr="0" anchor="t" bIns="91425" lIns="91425" spcFirstLastPara="1" rIns="91425" wrap="square" tIns="91425">
-            <a:normAutofit/>
-          </a:bodyPr>
-          <a:lstStyle/>
-          <a:p>
-            <a:pPr indent="0" lvl="0" marL="0" rtl="0" algn="l">
-              <a:spcBef>
-                <a:spcPts val="0"/>
-              </a:spcBef>
-              <a:spcAft>
-                <a:spcPts val="0"/>
-              </a:spcAft>
-              <a:buNone/>
-            </a:pPr>
-            <a:r>
-              <a:rPr b="1" lang="en-GB">
-                <a:solidFill>
-                  <a:schemeClr val="lt1"/>
-                </a:solidFill>
-              </a:rPr>
-              <a:t>         </a:t>
-            </a:r>
-            <a:r>
-              <a:rPr b="1" lang="en-GB" sz="1800">
-                <a:solidFill>
-                  <a:schemeClr val="lt1"/>
-                </a:solidFill>
-              </a:rPr>
-              <a:t>Name:</a:t>
-            </a:r>
-            <a:r>
-              <a:rPr lang="en-GB" sz="1800"/>
-              <a:t> Muhammad Ahmed Amir</a:t>
-            </a:r>
-            <a:endParaRPr sz="1800"/>
-          </a:p>
-          <a:p>
-            <a:pPr indent="0" lvl="0" marL="0" rtl="0" algn="l">
-              <a:spcBef>
-                <a:spcPts val="0"/>
-              </a:spcBef>
-              <a:spcAft>
-                <a:spcPts val="0"/>
-              </a:spcAft>
-              <a:buNone/>
-            </a:pPr>
-            <a:r>
-              <a:rPr b="1" lang="en-GB" sz="1800">
-                <a:solidFill>
-                  <a:schemeClr val="lt1"/>
-                </a:solidFill>
-              </a:rPr>
-              <a:t>Seat Number:</a:t>
-            </a:r>
-            <a:r>
-              <a:rPr lang="en-GB" sz="1800"/>
-              <a:t> B19102063</a:t>
-            </a:r>
-            <a:endParaRPr sz="1800">
-              <a:solidFill>
-                <a:srgbClr val="F3F3F3"/>
-              </a:solidFill>
-            </a:endParaRPr>
-          </a:p>
-          <a:p>
-            <a:pPr indent="0" lvl="0" marL="0" rtl="0" algn="l">
-              <a:spcBef>
-                <a:spcPts val="0"/>
-              </a:spcBef>
-              <a:spcAft>
-                <a:spcPts val="0"/>
-              </a:spcAft>
-              <a:buNone/>
-            </a:pPr>
-            <a:r>
-              <a:rPr b="1" lang="en-GB" sz="1800">
-                <a:solidFill>
-                  <a:schemeClr val="lt1"/>
-                </a:solidFill>
-              </a:rPr>
-              <a:t>          GitHub: </a:t>
-            </a:r>
-            <a:r>
-              <a:rPr lang="en-GB" sz="1800" u="sng">
-                <a:solidFill>
-                  <a:srgbClr val="0B5394"/>
-                </a:solidFill>
-                <a:hlinkClick r:id="rId5">
-                  <a:extLst>
-                    <a:ext uri="{A12FA001-AC4F-418D-AE19-62706E023703}">
-                      <ahyp:hlinkClr val="tx"/>
-                    </a:ext>
-                  </a:extLst>
-                </a:hlinkClick>
-              </a:rPr>
-              <a:t>https://github.com/AhmedAmir1/</a:t>
-            </a:r>
-            <a:endParaRPr b="1" sz="1800">
-              <a:solidFill>
-                <a:srgbClr val="0B5394"/>
-              </a:solidFill>
-            </a:endParaRPr>
-          </a:p>
-          <a:p>
-            <a:pPr indent="0" lvl="0" marL="0" rtl="0" algn="l">
-              <a:spcBef>
-                <a:spcPts val="0"/>
-              </a:spcBef>
-              <a:spcAft>
-                <a:spcPts val="0"/>
-              </a:spcAft>
-              <a:buNone/>
-            </a:pPr>
-            <a:r>
-              <a:t/>
-            </a:r>
-            <a:endParaRPr>
-              <a:solidFill>
-                <a:srgbClr val="F3F3F3"/>
-              </a:solidFill>
-            </a:endParaRPr>
-          </a:p>
-        </p:txBody>
-      </p:sp>
-      <p:pic>
-        <p:nvPicPr>
-          <p:cNvPr id="378" name="Google Shape;378;p58"/>
-          <p:cNvPicPr preferRelativeResize="0"/>
-          <p:nvPr/>
-        </p:nvPicPr>
-        <p:blipFill rotWithShape="1">
-          <a:blip r:embed="rId6">
-            <a:alphaModFix/>
-          </a:blip>
-          <a:srcRect b="0" l="0" r="0" t="0"/>
-          <a:stretch/>
-        </p:blipFill>
-        <p:spPr>
-          <a:xfrm>
-            <a:off x="7014450" y="3334050"/>
-            <a:ext cx="1425900" cy="1425900"/>
-          </a:xfrm>
-          <a:prstGeom prst="ellipse">
             <a:avLst/>
           </a:prstGeom>
           <a:noFill/>
@@ -20999,7 +21210,7 @@
   <p:cSld>
     <p:spTree>
       <p:nvGrpSpPr>
-        <p:cNvPr id="382" name="Shape 382"/>
+        <p:cNvPr id="378" name="Shape 378"/>
         <p:cNvGrpSpPr/>
         <p:nvPr/>
       </p:nvGrpSpPr>
@@ -21013,7 +21224,7 @@
       </p:grpSpPr>
       <p:sp>
         <p:nvSpPr>
-          <p:cNvPr id="383" name="Google Shape;383;p59"/>
+          <p:cNvPr id="379" name="Google Shape;379;p59"/>
           <p:cNvSpPr txBox="1"/>
           <p:nvPr>
             <p:ph type="ctrTitle"/>
@@ -21021,8 +21232,480 @@
         </p:nvSpPr>
         <p:spPr>
           <a:xfrm>
-            <a:off x="43800" y="1074325"/>
-            <a:ext cx="9144000" cy="2054100"/>
+            <a:off x="311700" y="185325"/>
+            <a:ext cx="8520600" cy="675600"/>
+          </a:xfrm>
+          <a:prstGeom prst="rect">
+            <a:avLst/>
+          </a:prstGeom>
+        </p:spPr>
+        <p:txBody>
+          <a:bodyPr anchorCtr="0" anchor="b" bIns="91425" lIns="91425" spcFirstLastPara="1" rIns="91425" wrap="square" tIns="91425">
+            <a:normAutofit/>
+          </a:bodyPr>
+          <a:lstStyle/>
+          <a:p>
+            <a:pPr indent="0" lvl="0" marL="0" rtl="0" algn="ctr">
+              <a:spcBef>
+                <a:spcPts val="0"/>
+              </a:spcBef>
+              <a:spcAft>
+                <a:spcPts val="0"/>
+              </a:spcAft>
+              <a:buNone/>
+            </a:pPr>
+            <a:r>
+              <a:rPr lang="en-GB"/>
+              <a:t>Contributions</a:t>
+            </a:r>
+            <a:endParaRPr/>
+          </a:p>
+        </p:txBody>
+      </p:sp>
+      <p:sp>
+        <p:nvSpPr>
+          <p:cNvPr id="380" name="Google Shape;380;p59"/>
+          <p:cNvSpPr txBox="1"/>
+          <p:nvPr>
+            <p:ph idx="1" type="subTitle"/>
+          </p:nvPr>
+        </p:nvSpPr>
+        <p:spPr>
+          <a:xfrm>
+            <a:off x="129600" y="1101600"/>
+            <a:ext cx="5799600" cy="3720600"/>
+          </a:xfrm>
+          <a:prstGeom prst="rect">
+            <a:avLst/>
+          </a:prstGeom>
+        </p:spPr>
+        <p:txBody>
+          <a:bodyPr anchorCtr="0" anchor="t" bIns="91425" lIns="91425" spcFirstLastPara="1" rIns="91425" wrap="square" tIns="91425">
+            <a:normAutofit fontScale="85000" lnSpcReduction="20000"/>
+          </a:bodyPr>
+          <a:lstStyle/>
+          <a:p>
+            <a:pPr indent="0" lvl="0" marL="0" rtl="0" algn="l">
+              <a:spcBef>
+                <a:spcPts val="0"/>
+              </a:spcBef>
+              <a:spcAft>
+                <a:spcPts val="0"/>
+              </a:spcAft>
+              <a:buNone/>
+            </a:pPr>
+            <a:r>
+              <a:rPr lang="en-GB"/>
+              <a:t>We are willing have Open Contributions in our Project to make it more efficient and to achieve the goals described above in ‘Future Plans’</a:t>
+            </a:r>
+            <a:endParaRPr/>
+          </a:p>
+          <a:p>
+            <a:pPr indent="0" lvl="0" marL="0" rtl="0" algn="l">
+              <a:spcBef>
+                <a:spcPts val="0"/>
+              </a:spcBef>
+              <a:spcAft>
+                <a:spcPts val="0"/>
+              </a:spcAft>
+              <a:buNone/>
+            </a:pPr>
+            <a:r>
+              <a:t/>
+            </a:r>
+            <a:endParaRPr/>
+          </a:p>
+          <a:p>
+            <a:pPr indent="0" lvl="0" marL="0" rtl="0" algn="l">
+              <a:spcBef>
+                <a:spcPts val="0"/>
+              </a:spcBef>
+              <a:spcAft>
+                <a:spcPts val="0"/>
+              </a:spcAft>
+              <a:buNone/>
+            </a:pPr>
+            <a:r>
+              <a:rPr lang="en-GB"/>
+              <a:t>Just download Git and run the below given command to clone the repository</a:t>
+            </a:r>
+            <a:endParaRPr/>
+          </a:p>
+          <a:p>
+            <a:pPr indent="0" lvl="0" marL="0" rtl="0" algn="l">
+              <a:spcBef>
+                <a:spcPts val="0"/>
+              </a:spcBef>
+              <a:spcAft>
+                <a:spcPts val="0"/>
+              </a:spcAft>
+              <a:buNone/>
+            </a:pPr>
+            <a:r>
+              <a:t/>
+            </a:r>
+            <a:endParaRPr/>
+          </a:p>
+          <a:p>
+            <a:pPr indent="-379730" lvl="0" marL="457200" rtl="0" algn="l">
+              <a:spcBef>
+                <a:spcPts val="0"/>
+              </a:spcBef>
+              <a:spcAft>
+                <a:spcPts val="0"/>
+              </a:spcAft>
+              <a:buClr>
+                <a:schemeClr val="lt1"/>
+              </a:buClr>
+              <a:buSzPct val="119148"/>
+              <a:buChar char="-"/>
+            </a:pPr>
+            <a:r>
+              <a:rPr lang="en-GB">
+                <a:solidFill>
+                  <a:srgbClr val="0B5394"/>
+                </a:solidFill>
+              </a:rPr>
+              <a:t>git clone https://github.com/Muzammiljethwa/OOP-in-Java.git</a:t>
+            </a:r>
+            <a:endParaRPr>
+              <a:solidFill>
+                <a:srgbClr val="0B5394"/>
+              </a:solidFill>
+            </a:endParaRPr>
+          </a:p>
+          <a:p>
+            <a:pPr indent="0" lvl="0" marL="0" rtl="0" algn="l">
+              <a:spcBef>
+                <a:spcPts val="0"/>
+              </a:spcBef>
+              <a:spcAft>
+                <a:spcPts val="0"/>
+              </a:spcAft>
+              <a:buNone/>
+            </a:pPr>
+            <a:r>
+              <a:t/>
+            </a:r>
+            <a:endParaRPr/>
+          </a:p>
+          <a:p>
+            <a:pPr indent="0" lvl="0" marL="0" rtl="0" algn="l">
+              <a:spcBef>
+                <a:spcPts val="0"/>
+              </a:spcBef>
+              <a:spcAft>
+                <a:spcPts val="0"/>
+              </a:spcAft>
+              <a:buClr>
+                <a:schemeClr val="dk1"/>
+              </a:buClr>
+              <a:buSzPct val="46808"/>
+              <a:buFont typeface="Arial"/>
+              <a:buNone/>
+            </a:pPr>
+            <a:r>
+              <a:rPr lang="en-GB"/>
+              <a:t>We are awaiting for your Contributions    </a:t>
+            </a:r>
+            <a:endParaRPr/>
+          </a:p>
+          <a:p>
+            <a:pPr indent="0" lvl="0" marL="0" rtl="0" algn="l">
+              <a:spcBef>
+                <a:spcPts val="0"/>
+              </a:spcBef>
+              <a:spcAft>
+                <a:spcPts val="0"/>
+              </a:spcAft>
+              <a:buNone/>
+            </a:pPr>
+            <a:r>
+              <a:t/>
+            </a:r>
+            <a:endParaRPr>
+              <a:solidFill>
+                <a:srgbClr val="F3F3F3"/>
+              </a:solidFill>
+            </a:endParaRPr>
+          </a:p>
+        </p:txBody>
+      </p:sp>
+      <p:pic>
+        <p:nvPicPr>
+          <p:cNvPr descr="Fire on Microsoft Windows 10 May 2019 Update" id="381" name="Google Shape;381;p59"/>
+          <p:cNvPicPr preferRelativeResize="0"/>
+          <p:nvPr/>
+        </p:nvPicPr>
+        <p:blipFill>
+          <a:blip r:embed="rId3">
+            <a:alphaModFix/>
+          </a:blip>
+          <a:stretch>
+            <a:fillRect/>
+          </a:stretch>
+        </p:blipFill>
+        <p:spPr>
+          <a:xfrm>
+            <a:off x="5256900" y="4052325"/>
+            <a:ext cx="337875" cy="337875"/>
+          </a:xfrm>
+          <a:prstGeom prst="rect">
+            <a:avLst/>
+          </a:prstGeom>
+          <a:noFill/>
+          <a:ln>
+            <a:noFill/>
+          </a:ln>
+        </p:spPr>
+      </p:pic>
+      <p:pic>
+        <p:nvPicPr>
+          <p:cNvPr id="382" name="Google Shape;382;p59"/>
+          <p:cNvPicPr preferRelativeResize="0"/>
+          <p:nvPr/>
+        </p:nvPicPr>
+        <p:blipFill>
+          <a:blip r:embed="rId4">
+            <a:alphaModFix/>
+          </a:blip>
+          <a:stretch>
+            <a:fillRect/>
+          </a:stretch>
+        </p:blipFill>
+        <p:spPr>
+          <a:xfrm>
+            <a:off x="5723000" y="1502963"/>
+            <a:ext cx="3109300" cy="2331975"/>
+          </a:xfrm>
+          <a:prstGeom prst="rect">
+            <a:avLst/>
+          </a:prstGeom>
+          <a:noFill/>
+          <a:ln>
+            <a:noFill/>
+          </a:ln>
+        </p:spPr>
+      </p:pic>
+    </p:spTree>
+  </p:cSld>
+  <p:clrMapOvr>
+    <a:masterClrMapping/>
+  </p:clrMapOvr>
+</p:sld>
+</file>
+
+<file path=ppt/slides/slide48.xml><?xml version="1.0" encoding="utf-8"?>
+<p:sld xmlns:a="http://schemas.openxmlformats.org/drawingml/2006/main" xmlns:r="http://schemas.openxmlformats.org/officeDocument/2006/relationships" xmlns:mc="http://schemas.openxmlformats.org/markup-compatibility/2006" xmlns:mv="urn:schemas-microsoft-com:mac:vml" xmlns:p="http://schemas.openxmlformats.org/presentationml/2006/main" xmlns:c="http://schemas.openxmlformats.org/drawingml/2006/chart" xmlns:dgm="http://schemas.openxmlformats.org/drawingml/2006/diagram" xmlns:o="urn:schemas-microsoft-com:office:office" xmlns:v="urn:schemas-microsoft-com:vml" xmlns:pvml="urn:schemas-microsoft-com:office:powerpoint" xmlns:com="http://schemas.openxmlformats.org/drawingml/2006/compatibility" xmlns:p14="http://schemas.microsoft.com/office/powerpoint/2010/main" xmlns:p15="http://schemas.microsoft.com/office/powerpoint/2012/main" xmlns:ahyp="http://schemas.microsoft.com/office/drawing/2018/hyperlinkcolor">
+  <p:cSld>
+    <p:spTree>
+      <p:nvGrpSpPr>
+        <p:cNvPr id="386" name="Shape 386"/>
+        <p:cNvGrpSpPr/>
+        <p:nvPr/>
+      </p:nvGrpSpPr>
+      <p:grpSpPr>
+        <a:xfrm>
+          <a:off x="0" y="0"/>
+          <a:ext cx="0" cy="0"/>
+          <a:chOff x="0" y="0"/>
+          <a:chExt cx="0" cy="0"/>
+        </a:xfrm>
+      </p:grpSpPr>
+      <p:sp>
+        <p:nvSpPr>
+          <p:cNvPr id="387" name="Google Shape;387;p60"/>
+          <p:cNvSpPr txBox="1"/>
+          <p:nvPr>
+            <p:ph type="ctrTitle"/>
+          </p:nvPr>
+        </p:nvSpPr>
+        <p:spPr>
+          <a:xfrm>
+            <a:off x="311700" y="185325"/>
+            <a:ext cx="8520600" cy="675600"/>
+          </a:xfrm>
+          <a:prstGeom prst="rect">
+            <a:avLst/>
+          </a:prstGeom>
+        </p:spPr>
+        <p:txBody>
+          <a:bodyPr anchorCtr="0" anchor="b" bIns="91425" lIns="91425" spcFirstLastPara="1" rIns="91425" wrap="square" tIns="91425">
+            <a:normAutofit/>
+          </a:bodyPr>
+          <a:lstStyle/>
+          <a:p>
+            <a:pPr indent="0" lvl="0" marL="0" rtl="0" algn="ctr">
+              <a:spcBef>
+                <a:spcPts val="0"/>
+              </a:spcBef>
+              <a:spcAft>
+                <a:spcPts val="0"/>
+              </a:spcAft>
+              <a:buNone/>
+            </a:pPr>
+            <a:r>
+              <a:rPr lang="en-GB" sz="3200"/>
+              <a:t>Main Contributions</a:t>
+            </a:r>
+            <a:endParaRPr sz="3200"/>
+          </a:p>
+        </p:txBody>
+      </p:sp>
+      <p:sp>
+        <p:nvSpPr>
+          <p:cNvPr id="388" name="Google Shape;388;p60"/>
+          <p:cNvSpPr txBox="1"/>
+          <p:nvPr>
+            <p:ph idx="1" type="subTitle"/>
+          </p:nvPr>
+        </p:nvSpPr>
+        <p:spPr>
+          <a:xfrm>
+            <a:off x="311700" y="1769438"/>
+            <a:ext cx="6455700" cy="1466100"/>
+          </a:xfrm>
+          <a:prstGeom prst="rect">
+            <a:avLst/>
+          </a:prstGeom>
+        </p:spPr>
+        <p:txBody>
+          <a:bodyPr anchorCtr="0" anchor="t" bIns="91425" lIns="91425" spcFirstLastPara="1" rIns="91425" wrap="square" tIns="91425">
+            <a:normAutofit/>
+          </a:bodyPr>
+          <a:lstStyle/>
+          <a:p>
+            <a:pPr indent="0" lvl="0" marL="0" rtl="0" algn="l">
+              <a:spcBef>
+                <a:spcPts val="0"/>
+              </a:spcBef>
+              <a:spcAft>
+                <a:spcPts val="0"/>
+              </a:spcAft>
+              <a:buNone/>
+            </a:pPr>
+            <a:r>
+              <a:rPr b="1" lang="en-GB">
+                <a:solidFill>
+                  <a:schemeClr val="lt1"/>
+                </a:solidFill>
+              </a:rPr>
+              <a:t>         </a:t>
+            </a:r>
+            <a:r>
+              <a:rPr b="1" lang="en-GB" sz="1800">
+                <a:solidFill>
+                  <a:schemeClr val="lt1"/>
+                </a:solidFill>
+              </a:rPr>
+              <a:t>Name:</a:t>
+            </a:r>
+            <a:r>
+              <a:rPr lang="en-GB" sz="1800"/>
+              <a:t> Muzammil Jethwa</a:t>
+            </a:r>
+            <a:endParaRPr sz="1800"/>
+          </a:p>
+          <a:p>
+            <a:pPr indent="0" lvl="0" marL="0" rtl="0" algn="l">
+              <a:spcBef>
+                <a:spcPts val="0"/>
+              </a:spcBef>
+              <a:spcAft>
+                <a:spcPts val="0"/>
+              </a:spcAft>
+              <a:buNone/>
+            </a:pPr>
+            <a:r>
+              <a:rPr b="1" lang="en-GB" sz="1800">
+                <a:solidFill>
+                  <a:schemeClr val="lt1"/>
+                </a:solidFill>
+              </a:rPr>
+              <a:t>Seat Number:</a:t>
+            </a:r>
+            <a:r>
+              <a:rPr lang="en-GB" sz="1800"/>
+              <a:t> B19102111</a:t>
+            </a:r>
+            <a:endParaRPr sz="1800">
+              <a:solidFill>
+                <a:srgbClr val="F3F3F3"/>
+              </a:solidFill>
+            </a:endParaRPr>
+          </a:p>
+          <a:p>
+            <a:pPr indent="0" lvl="0" marL="0" rtl="0" algn="l">
+              <a:spcBef>
+                <a:spcPts val="0"/>
+              </a:spcBef>
+              <a:spcAft>
+                <a:spcPts val="0"/>
+              </a:spcAft>
+              <a:buNone/>
+            </a:pPr>
+            <a:r>
+              <a:rPr b="1" lang="en-GB" sz="1800">
+                <a:solidFill>
+                  <a:schemeClr val="lt1"/>
+                </a:solidFill>
+              </a:rPr>
+              <a:t>          GitHub: </a:t>
+            </a:r>
+            <a:r>
+              <a:rPr lang="en-GB" sz="1800" u="sng">
+                <a:solidFill>
+                  <a:srgbClr val="0B5394"/>
+                </a:solidFill>
+                <a:hlinkClick r:id="rId3">
+                  <a:extLst>
+                    <a:ext uri="{A12FA001-AC4F-418D-AE19-62706E023703}">
+                      <ahyp:hlinkClr val="tx"/>
+                    </a:ext>
+                  </a:extLst>
+                </a:hlinkClick>
+              </a:rPr>
+              <a:t>https://github.com/Muzammiljethwa/</a:t>
+            </a:r>
+            <a:endParaRPr b="1" sz="1800">
+              <a:solidFill>
+                <a:srgbClr val="0B5394"/>
+              </a:solidFill>
+            </a:endParaRPr>
+          </a:p>
+          <a:p>
+            <a:pPr indent="0" lvl="0" marL="0" rtl="0" algn="l">
+              <a:spcBef>
+                <a:spcPts val="0"/>
+              </a:spcBef>
+              <a:spcAft>
+                <a:spcPts val="0"/>
+              </a:spcAft>
+              <a:buNone/>
+            </a:pPr>
+            <a:r>
+              <a:t/>
+            </a:r>
+            <a:endParaRPr>
+              <a:solidFill>
+                <a:srgbClr val="F3F3F3"/>
+              </a:solidFill>
+            </a:endParaRPr>
+          </a:p>
+        </p:txBody>
+      </p:sp>
+      <p:sp>
+        <p:nvSpPr>
+          <p:cNvPr id="389" name="Google Shape;389;p60"/>
+          <p:cNvSpPr txBox="1"/>
+          <p:nvPr>
+            <p:ph type="ctrTitle"/>
+          </p:nvPr>
+        </p:nvSpPr>
+        <p:spPr>
+          <a:xfrm>
+            <a:off x="407400" y="974325"/>
+            <a:ext cx="4630800" cy="551700"/>
           </a:xfrm>
           <a:prstGeom prst="rect">
             <a:avLst/>
@@ -21041,6 +21724,268 @@
               <a:spcAft>
                 <a:spcPts val="0"/>
               </a:spcAft>
+              <a:buNone/>
+            </a:pPr>
+            <a:r>
+              <a:rPr lang="en-GB" sz="2500"/>
+              <a:t>Our Main Contributors are:</a:t>
+            </a:r>
+            <a:endParaRPr sz="2500"/>
+          </a:p>
+        </p:txBody>
+      </p:sp>
+      <p:pic>
+        <p:nvPicPr>
+          <p:cNvPr id="390" name="Google Shape;390;p60"/>
+          <p:cNvPicPr preferRelativeResize="0"/>
+          <p:nvPr/>
+        </p:nvPicPr>
+        <p:blipFill>
+          <a:blip r:embed="rId4">
+            <a:alphaModFix/>
+          </a:blip>
+          <a:stretch>
+            <a:fillRect/>
+          </a:stretch>
+        </p:blipFill>
+        <p:spPr>
+          <a:xfrm>
+            <a:off x="7014450" y="1591650"/>
+            <a:ext cx="1425900" cy="1425900"/>
+          </a:xfrm>
+          <a:prstGeom prst="ellipse">
+            <a:avLst/>
+          </a:prstGeom>
+          <a:noFill/>
+          <a:ln>
+            <a:noFill/>
+          </a:ln>
+        </p:spPr>
+      </p:pic>
+      <p:sp>
+        <p:nvSpPr>
+          <p:cNvPr id="391" name="Google Shape;391;p60"/>
+          <p:cNvSpPr txBox="1"/>
+          <p:nvPr>
+            <p:ph idx="1" type="subTitle"/>
+          </p:nvPr>
+        </p:nvSpPr>
+        <p:spPr>
+          <a:xfrm>
+            <a:off x="311700" y="3365438"/>
+            <a:ext cx="6455700" cy="1466100"/>
+          </a:xfrm>
+          <a:prstGeom prst="rect">
+            <a:avLst/>
+          </a:prstGeom>
+        </p:spPr>
+        <p:txBody>
+          <a:bodyPr anchorCtr="0" anchor="t" bIns="91425" lIns="91425" spcFirstLastPara="1" rIns="91425" wrap="square" tIns="91425">
+            <a:normAutofit/>
+          </a:bodyPr>
+          <a:lstStyle/>
+          <a:p>
+            <a:pPr indent="0" lvl="0" marL="0" rtl="0" algn="l">
+              <a:spcBef>
+                <a:spcPts val="0"/>
+              </a:spcBef>
+              <a:spcAft>
+                <a:spcPts val="0"/>
+              </a:spcAft>
+              <a:buNone/>
+            </a:pPr>
+            <a:r>
+              <a:rPr b="1" lang="en-GB">
+                <a:solidFill>
+                  <a:schemeClr val="lt1"/>
+                </a:solidFill>
+              </a:rPr>
+              <a:t>         </a:t>
+            </a:r>
+            <a:r>
+              <a:rPr b="1" lang="en-GB" sz="1800">
+                <a:solidFill>
+                  <a:schemeClr val="lt1"/>
+                </a:solidFill>
+              </a:rPr>
+              <a:t>Name:</a:t>
+            </a:r>
+            <a:r>
+              <a:rPr lang="en-GB" sz="1800"/>
+              <a:t> Muhammad Ahmed Amir</a:t>
+            </a:r>
+            <a:endParaRPr sz="1800"/>
+          </a:p>
+          <a:p>
+            <a:pPr indent="0" lvl="0" marL="0" rtl="0" algn="l">
+              <a:spcBef>
+                <a:spcPts val="0"/>
+              </a:spcBef>
+              <a:spcAft>
+                <a:spcPts val="0"/>
+              </a:spcAft>
+              <a:buNone/>
+            </a:pPr>
+            <a:r>
+              <a:rPr b="1" lang="en-GB" sz="1800">
+                <a:solidFill>
+                  <a:schemeClr val="lt1"/>
+                </a:solidFill>
+              </a:rPr>
+              <a:t>Seat Number:</a:t>
+            </a:r>
+            <a:r>
+              <a:rPr lang="en-GB" sz="1800"/>
+              <a:t> B19102063</a:t>
+            </a:r>
+            <a:endParaRPr sz="1800">
+              <a:solidFill>
+                <a:srgbClr val="F3F3F3"/>
+              </a:solidFill>
+            </a:endParaRPr>
+          </a:p>
+          <a:p>
+            <a:pPr indent="0" lvl="0" marL="0" rtl="0" algn="l">
+              <a:spcBef>
+                <a:spcPts val="0"/>
+              </a:spcBef>
+              <a:spcAft>
+                <a:spcPts val="0"/>
+              </a:spcAft>
+              <a:buNone/>
+            </a:pPr>
+            <a:r>
+              <a:rPr b="1" lang="en-GB" sz="1800">
+                <a:solidFill>
+                  <a:schemeClr val="lt1"/>
+                </a:solidFill>
+              </a:rPr>
+              <a:t>          GitHub: </a:t>
+            </a:r>
+            <a:r>
+              <a:rPr lang="en-GB" sz="1800" u="sng">
+                <a:solidFill>
+                  <a:srgbClr val="0B5394"/>
+                </a:solidFill>
+                <a:hlinkClick r:id="rId5">
+                  <a:extLst>
+                    <a:ext uri="{A12FA001-AC4F-418D-AE19-62706E023703}">
+                      <ahyp:hlinkClr val="tx"/>
+                    </a:ext>
+                  </a:extLst>
+                </a:hlinkClick>
+              </a:rPr>
+              <a:t>https://github.com/AhmedAmir1/</a:t>
+            </a:r>
+            <a:endParaRPr b="1" sz="1800">
+              <a:solidFill>
+                <a:srgbClr val="0B5394"/>
+              </a:solidFill>
+            </a:endParaRPr>
+          </a:p>
+          <a:p>
+            <a:pPr indent="0" lvl="0" marL="0" rtl="0" algn="l">
+              <a:spcBef>
+                <a:spcPts val="0"/>
+              </a:spcBef>
+              <a:spcAft>
+                <a:spcPts val="0"/>
+              </a:spcAft>
+              <a:buNone/>
+            </a:pPr>
+            <a:r>
+              <a:t/>
+            </a:r>
+            <a:endParaRPr>
+              <a:solidFill>
+                <a:srgbClr val="F3F3F3"/>
+              </a:solidFill>
+            </a:endParaRPr>
+          </a:p>
+        </p:txBody>
+      </p:sp>
+      <p:pic>
+        <p:nvPicPr>
+          <p:cNvPr id="392" name="Google Shape;392;p60"/>
+          <p:cNvPicPr preferRelativeResize="0"/>
+          <p:nvPr/>
+        </p:nvPicPr>
+        <p:blipFill rotWithShape="1">
+          <a:blip r:embed="rId6">
+            <a:alphaModFix/>
+          </a:blip>
+          <a:srcRect b="0" l="0" r="0" t="0"/>
+          <a:stretch/>
+        </p:blipFill>
+        <p:spPr>
+          <a:xfrm>
+            <a:off x="7014450" y="3235550"/>
+            <a:ext cx="1425900" cy="1425900"/>
+          </a:xfrm>
+          <a:prstGeom prst="ellipse">
+            <a:avLst/>
+          </a:prstGeom>
+          <a:noFill/>
+          <a:ln>
+            <a:noFill/>
+          </a:ln>
+        </p:spPr>
+      </p:pic>
+    </p:spTree>
+  </p:cSld>
+  <p:clrMapOvr>
+    <a:masterClrMapping/>
+  </p:clrMapOvr>
+</p:sld>
+</file>
+
+<file path=ppt/slides/slide49.xml><?xml version="1.0" encoding="utf-8"?>
+<p:sld xmlns:a="http://schemas.openxmlformats.org/drawingml/2006/main" xmlns:r="http://schemas.openxmlformats.org/officeDocument/2006/relationships" xmlns:mc="http://schemas.openxmlformats.org/markup-compatibility/2006" xmlns:mv="urn:schemas-microsoft-com:mac:vml" xmlns:p="http://schemas.openxmlformats.org/presentationml/2006/main" xmlns:c="http://schemas.openxmlformats.org/drawingml/2006/chart" xmlns:dgm="http://schemas.openxmlformats.org/drawingml/2006/diagram" xmlns:o="urn:schemas-microsoft-com:office:office" xmlns:v="urn:schemas-microsoft-com:vml" xmlns:pvml="urn:schemas-microsoft-com:office:powerpoint" xmlns:com="http://schemas.openxmlformats.org/drawingml/2006/compatibility" xmlns:p14="http://schemas.microsoft.com/office/powerpoint/2010/main" xmlns:p15="http://schemas.microsoft.com/office/powerpoint/2012/main" xmlns:ahyp="http://schemas.microsoft.com/office/drawing/2018/hyperlinkcolor">
+  <p:cSld>
+    <p:spTree>
+      <p:nvGrpSpPr>
+        <p:cNvPr id="396" name="Shape 396"/>
+        <p:cNvGrpSpPr/>
+        <p:nvPr/>
+      </p:nvGrpSpPr>
+      <p:grpSpPr>
+        <a:xfrm>
+          <a:off x="0" y="0"/>
+          <a:ext cx="0" cy="0"/>
+          <a:chOff x="0" y="0"/>
+          <a:chExt cx="0" cy="0"/>
+        </a:xfrm>
+      </p:grpSpPr>
+      <p:sp>
+        <p:nvSpPr>
+          <p:cNvPr id="397" name="Google Shape;397;p61"/>
+          <p:cNvSpPr txBox="1"/>
+          <p:nvPr>
+            <p:ph type="ctrTitle"/>
+          </p:nvPr>
+        </p:nvSpPr>
+        <p:spPr>
+          <a:xfrm>
+            <a:off x="43800" y="1074325"/>
+            <a:ext cx="9144000" cy="2054100"/>
+          </a:xfrm>
+          <a:prstGeom prst="rect">
+            <a:avLst/>
+          </a:prstGeom>
+        </p:spPr>
+        <p:txBody>
+          <a:bodyPr anchorCtr="0" anchor="b" bIns="91425" lIns="91425" spcFirstLastPara="1" rIns="91425" wrap="square" tIns="91425">
+            <a:noAutofit/>
+          </a:bodyPr>
+          <a:lstStyle/>
+          <a:p>
+            <a:pPr indent="0" lvl="0" marL="0" rtl="0" algn="l">
+              <a:spcBef>
+                <a:spcPts val="0"/>
+              </a:spcBef>
+              <a:spcAft>
+                <a:spcPts val="0"/>
+              </a:spcAft>
               <a:buSzPts val="990"/>
               <a:buNone/>
             </a:pPr>
@@ -21054,7 +21999,7 @@
       </p:sp>
       <p:sp>
         <p:nvSpPr>
-          <p:cNvPr id="384" name="Google Shape;384;p59"/>
+          <p:cNvPr id="398" name="Google Shape;398;p61"/>
           <p:cNvSpPr txBox="1"/>
           <p:nvPr>
             <p:ph idx="1" type="subTitle"/>
@@ -21160,7 +22105,7 @@
                                           </p:stCondLst>
                                         </p:cTn>
                                         <p:tgtEl>
-                                          <p:spTgt spid="383"/>
+                                          <p:spTgt spid="397"/>
                                         </p:tgtEl>
                                         <p:attrNameLst>
                                           <p:attrName>style.visibility</p:attrName>
@@ -21174,7 +22119,7 @@
                                       <p:cBhvr additive="base">
                                         <p:cTn dur="600"/>
                                         <p:tgtEl>
-                                          <p:spTgt spid="383"/>
+                                          <p:spTgt spid="397"/>
                                         </p:tgtEl>
                                         <p:attrNameLst>
                                           <p:attrName>ppt_x</p:attrName>
@@ -21210,7 +22155,7 @@
                                           </p:stCondLst>
                                         </p:cTn>
                                         <p:tgtEl>
-                                          <p:spTgt spid="384"/>
+                                          <p:spTgt spid="398"/>
                                         </p:tgtEl>
                                         <p:attrNameLst>
                                           <p:attrName>style.visibility</p:attrName>
@@ -21224,7 +22169,7 @@
                                       <p:cBhvr additive="base">
                                         <p:cTn dur="600"/>
                                         <p:tgtEl>
-                                          <p:spTgt spid="384"/>
+                                          <p:spTgt spid="398"/>
                                         </p:tgtEl>
                                         <p:attrNameLst>
                                           <p:attrName>ppt_x</p:attrName>
@@ -21277,12 +22222,12 @@
 </p:sld>
 </file>
 
-<file path=ppt/slides/slide48.xml><?xml version="1.0" encoding="utf-8"?>
+<file path=ppt/slides/slide5.xml><?xml version="1.0" encoding="utf-8"?>
 <p:sld xmlns:a="http://schemas.openxmlformats.org/drawingml/2006/main" xmlns:r="http://schemas.openxmlformats.org/officeDocument/2006/relationships" xmlns:mc="http://schemas.openxmlformats.org/markup-compatibility/2006" xmlns:mv="urn:schemas-microsoft-com:mac:vml" xmlns:p="http://schemas.openxmlformats.org/presentationml/2006/main" xmlns:c="http://schemas.openxmlformats.org/drawingml/2006/chart" xmlns:dgm="http://schemas.openxmlformats.org/drawingml/2006/diagram" xmlns:o="urn:schemas-microsoft-com:office:office" xmlns:v="urn:schemas-microsoft-com:vml" xmlns:pvml="urn:schemas-microsoft-com:office:powerpoint" xmlns:com="http://schemas.openxmlformats.org/drawingml/2006/compatibility" xmlns:p14="http://schemas.microsoft.com/office/powerpoint/2010/main" xmlns:p15="http://schemas.microsoft.com/office/powerpoint/2012/main" xmlns:ahyp="http://schemas.microsoft.com/office/drawing/2018/hyperlinkcolor">
   <p:cSld>
     <p:spTree>
       <p:nvGrpSpPr>
-        <p:cNvPr id="388" name="Shape 388"/>
+        <p:cNvPr id="78" name="Shape 78"/>
         <p:cNvGrpSpPr/>
         <p:nvPr/>
       </p:nvGrpSpPr>
@@ -21296,7 +22241,7 @@
       </p:grpSpPr>
       <p:sp>
         <p:nvSpPr>
-          <p:cNvPr id="389" name="Google Shape;389;p60"/>
+          <p:cNvPr id="79" name="Google Shape;79;p17"/>
           <p:cNvSpPr txBox="1"/>
           <p:nvPr>
             <p:ph type="ctrTitle"/>
@@ -21304,8 +22249,8 @@
         </p:nvSpPr>
         <p:spPr>
           <a:xfrm>
-            <a:off x="43800" y="1074325"/>
-            <a:ext cx="9144000" cy="2054100"/>
+            <a:off x="1445950" y="214775"/>
+            <a:ext cx="5898900" cy="675600"/>
           </a:xfrm>
           <a:prstGeom prst="rect">
             <a:avLst/>
@@ -21317,6 +22262,296 @@
           </a:bodyPr>
           <a:lstStyle/>
           <a:p>
+            <a:pPr indent="0" lvl="0" marL="0" rtl="0" algn="ctr">
+              <a:spcBef>
+                <a:spcPts val="0"/>
+              </a:spcBef>
+              <a:spcAft>
+                <a:spcPts val="0"/>
+              </a:spcAft>
+              <a:buNone/>
+            </a:pPr>
+            <a:r>
+              <a:rPr lang="en-GB" sz="3600"/>
+              <a:t>Programming Language</a:t>
+            </a:r>
+            <a:endParaRPr sz="3600"/>
+          </a:p>
+        </p:txBody>
+      </p:sp>
+      <p:sp>
+        <p:nvSpPr>
+          <p:cNvPr id="80" name="Google Shape;80;p17"/>
+          <p:cNvSpPr txBox="1"/>
+          <p:nvPr>
+            <p:ph idx="1" type="subTitle"/>
+          </p:nvPr>
+        </p:nvSpPr>
+        <p:spPr>
+          <a:xfrm>
+            <a:off x="449325" y="1715950"/>
+            <a:ext cx="4831800" cy="3120000"/>
+          </a:xfrm>
+          <a:prstGeom prst="rect">
+            <a:avLst/>
+          </a:prstGeom>
+        </p:spPr>
+        <p:txBody>
+          <a:bodyPr anchorCtr="0" anchor="t" bIns="91425" lIns="91425" spcFirstLastPara="1" rIns="91425" wrap="square" tIns="91425">
+            <a:normAutofit lnSpcReduction="10000"/>
+          </a:bodyPr>
+          <a:lstStyle/>
+          <a:p>
+            <a:pPr indent="0" lvl="0" marL="0" rtl="0" algn="l">
+              <a:spcBef>
+                <a:spcPts val="0"/>
+              </a:spcBef>
+              <a:spcAft>
+                <a:spcPts val="0"/>
+              </a:spcAft>
+              <a:buNone/>
+            </a:pPr>
+            <a:r>
+              <a:rPr lang="en-GB"/>
+              <a:t>Java is a high-level, class-based, object-oriented programming language</a:t>
+            </a:r>
+            <a:endParaRPr/>
+          </a:p>
+          <a:p>
+            <a:pPr indent="0" lvl="0" marL="0" rtl="0" algn="l">
+              <a:spcBef>
+                <a:spcPts val="0"/>
+              </a:spcBef>
+              <a:spcAft>
+                <a:spcPts val="0"/>
+              </a:spcAft>
+              <a:buNone/>
+            </a:pPr>
+            <a:r>
+              <a:t/>
+            </a:r>
+            <a:endParaRPr/>
+          </a:p>
+          <a:p>
+            <a:pPr indent="0" lvl="0" marL="0" rtl="0" algn="l">
+              <a:spcBef>
+                <a:spcPts val="0"/>
+              </a:spcBef>
+              <a:spcAft>
+                <a:spcPts val="0"/>
+              </a:spcAft>
+              <a:buNone/>
+            </a:pPr>
+            <a:r>
+              <a:rPr lang="en-GB"/>
+              <a:t>As we said above we were </a:t>
+            </a:r>
+            <a:r>
+              <a:rPr lang="en-GB"/>
+              <a:t>studying concepts of OOP in JAVA.</a:t>
+            </a:r>
+            <a:endParaRPr/>
+          </a:p>
+          <a:p>
+            <a:pPr indent="0" lvl="0" marL="0" rtl="0" algn="l">
+              <a:spcBef>
+                <a:spcPts val="0"/>
+              </a:spcBef>
+              <a:spcAft>
+                <a:spcPts val="0"/>
+              </a:spcAft>
+              <a:buNone/>
+            </a:pPr>
+            <a:r>
+              <a:t/>
+            </a:r>
+            <a:endParaRPr/>
+          </a:p>
+          <a:p>
+            <a:pPr indent="0" lvl="0" marL="0" rtl="0" algn="l">
+              <a:spcBef>
+                <a:spcPts val="0"/>
+              </a:spcBef>
+              <a:spcAft>
+                <a:spcPts val="0"/>
+              </a:spcAft>
+              <a:buNone/>
+            </a:pPr>
+            <a:r>
+              <a:rPr lang="en-GB"/>
+              <a:t>So there was no choice</a:t>
+            </a:r>
+            <a:endParaRPr/>
+          </a:p>
+        </p:txBody>
+      </p:sp>
+      <p:sp>
+        <p:nvSpPr>
+          <p:cNvPr id="81" name="Google Shape;81;p17"/>
+          <p:cNvSpPr txBox="1"/>
+          <p:nvPr>
+            <p:ph type="ctrTitle"/>
+          </p:nvPr>
+        </p:nvSpPr>
+        <p:spPr>
+          <a:xfrm>
+            <a:off x="449325" y="1040350"/>
+            <a:ext cx="3618600" cy="675600"/>
+          </a:xfrm>
+          <a:prstGeom prst="rect">
+            <a:avLst/>
+          </a:prstGeom>
+        </p:spPr>
+        <p:txBody>
+          <a:bodyPr anchorCtr="0" anchor="b" bIns="91425" lIns="91425" spcFirstLastPara="1" rIns="91425" wrap="square" tIns="91425">
+            <a:noAutofit/>
+          </a:bodyPr>
+          <a:lstStyle/>
+          <a:p>
+            <a:pPr indent="0" lvl="0" marL="0" rtl="0" algn="l">
+              <a:spcBef>
+                <a:spcPts val="0"/>
+              </a:spcBef>
+              <a:spcAft>
+                <a:spcPts val="0"/>
+              </a:spcAft>
+              <a:buNone/>
+            </a:pPr>
+            <a:r>
+              <a:rPr lang="en-GB"/>
+              <a:t>Java</a:t>
+            </a:r>
+            <a:endParaRPr/>
+          </a:p>
+        </p:txBody>
+      </p:sp>
+      <p:sp>
+        <p:nvSpPr>
+          <p:cNvPr id="82" name="Google Shape;82;p17"/>
+          <p:cNvSpPr/>
+          <p:nvPr/>
+        </p:nvSpPr>
+        <p:spPr>
+          <a:xfrm>
+            <a:off x="5923450" y="1434850"/>
+            <a:ext cx="2222100" cy="2980200"/>
+          </a:xfrm>
+          <a:prstGeom prst="flowChartAlternateProcess">
+            <a:avLst/>
+          </a:prstGeom>
+          <a:solidFill>
+            <a:srgbClr val="A4C2F4">
+              <a:alpha val="44690"/>
+            </a:srgbClr>
+          </a:solidFill>
+          <a:ln cap="flat" cmpd="sng" w="9525">
+            <a:solidFill>
+              <a:schemeClr val="dk2"/>
+            </a:solidFill>
+            <a:prstDash val="solid"/>
+            <a:round/>
+            <a:headEnd len="sm" w="sm" type="none"/>
+            <a:tailEnd len="sm" w="sm" type="none"/>
+          </a:ln>
+        </p:spPr>
+        <p:txBody>
+          <a:bodyPr anchorCtr="0" anchor="ctr" bIns="91425" lIns="91425" spcFirstLastPara="1" rIns="91425" wrap="square" tIns="91425">
+            <a:noAutofit/>
+          </a:bodyPr>
+          <a:lstStyle/>
+          <a:p>
+            <a:pPr indent="0" lvl="0" marL="0" rtl="0" algn="l">
+              <a:spcBef>
+                <a:spcPts val="0"/>
+              </a:spcBef>
+              <a:spcAft>
+                <a:spcPts val="0"/>
+              </a:spcAft>
+              <a:buNone/>
+            </a:pPr>
+            <a:r>
+              <a:t/>
+            </a:r>
+            <a:endParaRPr/>
+          </a:p>
+        </p:txBody>
+      </p:sp>
+      <p:pic>
+        <p:nvPicPr>
+          <p:cNvPr id="83" name="Google Shape;83;p17"/>
+          <p:cNvPicPr preferRelativeResize="0"/>
+          <p:nvPr/>
+        </p:nvPicPr>
+        <p:blipFill>
+          <a:blip r:embed="rId3">
+            <a:alphaModFix/>
+          </a:blip>
+          <a:stretch>
+            <a:fillRect/>
+          </a:stretch>
+        </p:blipFill>
+        <p:spPr>
+          <a:xfrm>
+            <a:off x="6003250" y="1554638"/>
+            <a:ext cx="1974225" cy="2667025"/>
+          </a:xfrm>
+          <a:prstGeom prst="rect">
+            <a:avLst/>
+          </a:prstGeom>
+          <a:noFill/>
+          <a:ln>
+            <a:noFill/>
+          </a:ln>
+        </p:spPr>
+      </p:pic>
+    </p:spTree>
+  </p:cSld>
+  <p:clrMapOvr>
+    <a:masterClrMapping/>
+  </p:clrMapOvr>
+</p:sld>
+</file>
+
+<file path=ppt/slides/slide50.xml><?xml version="1.0" encoding="utf-8"?>
+<p:sld xmlns:a="http://schemas.openxmlformats.org/drawingml/2006/main" xmlns:r="http://schemas.openxmlformats.org/officeDocument/2006/relationships" xmlns:mc="http://schemas.openxmlformats.org/markup-compatibility/2006" xmlns:mv="urn:schemas-microsoft-com:mac:vml" xmlns:p="http://schemas.openxmlformats.org/presentationml/2006/main" xmlns:c="http://schemas.openxmlformats.org/drawingml/2006/chart" xmlns:dgm="http://schemas.openxmlformats.org/drawingml/2006/diagram" xmlns:o="urn:schemas-microsoft-com:office:office" xmlns:v="urn:schemas-microsoft-com:vml" xmlns:pvml="urn:schemas-microsoft-com:office:powerpoint" xmlns:com="http://schemas.openxmlformats.org/drawingml/2006/compatibility" xmlns:p14="http://schemas.microsoft.com/office/powerpoint/2010/main" xmlns:p15="http://schemas.microsoft.com/office/powerpoint/2012/main" xmlns:ahyp="http://schemas.microsoft.com/office/drawing/2018/hyperlinkcolor">
+  <p:cSld>
+    <p:spTree>
+      <p:nvGrpSpPr>
+        <p:cNvPr id="402" name="Shape 402"/>
+        <p:cNvGrpSpPr/>
+        <p:nvPr/>
+      </p:nvGrpSpPr>
+      <p:grpSpPr>
+        <a:xfrm>
+          <a:off x="0" y="0"/>
+          <a:ext cx="0" cy="0"/>
+          <a:chOff x="0" y="0"/>
+          <a:chExt cx="0" cy="0"/>
+        </a:xfrm>
+      </p:grpSpPr>
+      <p:sp>
+        <p:nvSpPr>
+          <p:cNvPr id="403" name="Google Shape;403;p62"/>
+          <p:cNvSpPr txBox="1"/>
+          <p:nvPr>
+            <p:ph type="ctrTitle"/>
+          </p:nvPr>
+        </p:nvSpPr>
+        <p:spPr>
+          <a:xfrm>
+            <a:off x="43800" y="1074325"/>
+            <a:ext cx="9144000" cy="2054100"/>
+          </a:xfrm>
+          <a:prstGeom prst="rect">
+            <a:avLst/>
+          </a:prstGeom>
+        </p:spPr>
+        <p:txBody>
+          <a:bodyPr anchorCtr="0" anchor="b" bIns="91425" lIns="91425" spcFirstLastPara="1" rIns="91425" wrap="square" tIns="91425">
+            <a:noAutofit/>
+          </a:bodyPr>
+          <a:lstStyle/>
+          <a:p>
             <a:pPr indent="0" lvl="0" marL="0" rtl="0" algn="l">
               <a:spcBef>
                 <a:spcPts val="0"/>
@@ -21337,7 +22572,7 @@
       </p:sp>
       <p:sp>
         <p:nvSpPr>
-          <p:cNvPr id="390" name="Google Shape;390;p60"/>
+          <p:cNvPr id="404" name="Google Shape;404;p62"/>
           <p:cNvSpPr txBox="1"/>
           <p:nvPr>
             <p:ph idx="1" type="subTitle"/>
@@ -21443,7 +22678,7 @@
                                           </p:stCondLst>
                                         </p:cTn>
                                         <p:tgtEl>
-                                          <p:spTgt spid="389"/>
+                                          <p:spTgt spid="403"/>
                                         </p:tgtEl>
                                         <p:attrNameLst>
                                           <p:attrName>style.visibility</p:attrName>
@@ -21457,7 +22692,7 @@
                                       <p:cBhvr additive="base">
                                         <p:cTn dur="600"/>
                                         <p:tgtEl>
-                                          <p:spTgt spid="389"/>
+                                          <p:spTgt spid="403"/>
                                         </p:tgtEl>
                                         <p:attrNameLst>
                                           <p:attrName>ppt_x</p:attrName>
@@ -21493,7 +22728,7 @@
                                           </p:stCondLst>
                                         </p:cTn>
                                         <p:tgtEl>
-                                          <p:spTgt spid="390"/>
+                                          <p:spTgt spid="404"/>
                                         </p:tgtEl>
                                         <p:attrNameLst>
                                           <p:attrName>style.visibility</p:attrName>
@@ -21507,7 +22742,7 @@
                                       <p:cBhvr additive="base">
                                         <p:cTn dur="600"/>
                                         <p:tgtEl>
-                                          <p:spTgt spid="390"/>
+                                          <p:spTgt spid="404"/>
                                         </p:tgtEl>
                                         <p:attrNameLst>
                                           <p:attrName>ppt_x</p:attrName>
@@ -21560,12 +22795,12 @@
 </p:sld>
 </file>
 
-<file path=ppt/slides/slide49.xml><?xml version="1.0" encoding="utf-8"?>
+<file path=ppt/slides/slide51.xml><?xml version="1.0" encoding="utf-8"?>
 <p:sld xmlns:a="http://schemas.openxmlformats.org/drawingml/2006/main" xmlns:r="http://schemas.openxmlformats.org/officeDocument/2006/relationships" xmlns:mc="http://schemas.openxmlformats.org/markup-compatibility/2006" xmlns:mv="urn:schemas-microsoft-com:mac:vml" xmlns:p="http://schemas.openxmlformats.org/presentationml/2006/main" xmlns:c="http://schemas.openxmlformats.org/drawingml/2006/chart" xmlns:dgm="http://schemas.openxmlformats.org/drawingml/2006/diagram" xmlns:o="urn:schemas-microsoft-com:office:office" xmlns:v="urn:schemas-microsoft-com:vml" xmlns:pvml="urn:schemas-microsoft-com:office:powerpoint" xmlns:com="http://schemas.openxmlformats.org/drawingml/2006/compatibility" xmlns:p14="http://schemas.microsoft.com/office/powerpoint/2010/main" xmlns:p15="http://schemas.microsoft.com/office/powerpoint/2012/main" xmlns:ahyp="http://schemas.microsoft.com/office/drawing/2018/hyperlinkcolor">
   <p:cSld>
     <p:spTree>
       <p:nvGrpSpPr>
-        <p:cNvPr id="394" name="Shape 394"/>
+        <p:cNvPr id="408" name="Shape 408"/>
         <p:cNvGrpSpPr/>
         <p:nvPr/>
       </p:nvGrpSpPr>
@@ -21579,7 +22814,7 @@
       </p:grpSpPr>
       <p:sp>
         <p:nvSpPr>
-          <p:cNvPr id="395" name="Google Shape;395;p61"/>
+          <p:cNvPr id="409" name="Google Shape;409;p63"/>
           <p:cNvSpPr txBox="1"/>
           <p:nvPr>
             <p:ph type="ctrTitle"/>
@@ -21619,7 +22854,7 @@
       </p:sp>
       <p:sp>
         <p:nvSpPr>
-          <p:cNvPr id="396" name="Google Shape;396;p61"/>
+          <p:cNvPr id="410" name="Google Shape;410;p63"/>
           <p:cNvSpPr txBox="1"/>
           <p:nvPr>
             <p:ph idx="1" type="subTitle"/>
@@ -21798,7 +23033,7 @@
       </p:sp>
       <p:pic>
         <p:nvPicPr>
-          <p:cNvPr id="397" name="Google Shape;397;p61"/>
+          <p:cNvPr id="411" name="Google Shape;411;p63"/>
           <p:cNvPicPr preferRelativeResize="0"/>
           <p:nvPr/>
         </p:nvPicPr>
@@ -21826,7 +23061,7 @@
       </p:pic>
       <p:pic>
         <p:nvPicPr>
-          <p:cNvPr id="398" name="Google Shape;398;p61"/>
+          <p:cNvPr id="412" name="Google Shape;412;p63"/>
           <p:cNvPicPr preferRelativeResize="0"/>
           <p:nvPr/>
         </p:nvPicPr>
@@ -21854,7 +23089,7 @@
       </p:pic>
       <p:pic>
         <p:nvPicPr>
-          <p:cNvPr id="399" name="Google Shape;399;p61"/>
+          <p:cNvPr id="413" name="Google Shape;413;p63"/>
           <p:cNvPicPr preferRelativeResize="0"/>
           <p:nvPr/>
         </p:nvPicPr>
@@ -21882,7 +23117,7 @@
       </p:pic>
       <p:pic>
         <p:nvPicPr>
-          <p:cNvPr id="400" name="Google Shape;400;p61"/>
+          <p:cNvPr id="414" name="Google Shape;414;p63"/>
           <p:cNvPicPr preferRelativeResize="0"/>
           <p:nvPr/>
         </p:nvPicPr>
@@ -21910,7 +23145,7 @@
       </p:pic>
       <p:sp>
         <p:nvSpPr>
-          <p:cNvPr id="401" name="Google Shape;401;p61"/>
+          <p:cNvPr id="415" name="Google Shape;415;p63"/>
           <p:cNvSpPr txBox="1"/>
           <p:nvPr>
             <p:ph idx="1" type="subTitle"/>
@@ -21972,12 +23207,12 @@
 </p:sld>
 </file>
 
-<file path=ppt/slides/slide5.xml><?xml version="1.0" encoding="utf-8"?>
+<file path=ppt/slides/slide52.xml><?xml version="1.0" encoding="utf-8"?>
 <p:sld xmlns:a="http://schemas.openxmlformats.org/drawingml/2006/main" xmlns:r="http://schemas.openxmlformats.org/officeDocument/2006/relationships" xmlns:mc="http://schemas.openxmlformats.org/markup-compatibility/2006" xmlns:mv="urn:schemas-microsoft-com:mac:vml" xmlns:p="http://schemas.openxmlformats.org/presentationml/2006/main" xmlns:c="http://schemas.openxmlformats.org/drawingml/2006/chart" xmlns:dgm="http://schemas.openxmlformats.org/drawingml/2006/diagram" xmlns:o="urn:schemas-microsoft-com:office:office" xmlns:v="urn:schemas-microsoft-com:vml" xmlns:pvml="urn:schemas-microsoft-com:office:powerpoint" xmlns:com="http://schemas.openxmlformats.org/drawingml/2006/compatibility" xmlns:p14="http://schemas.microsoft.com/office/powerpoint/2010/main" xmlns:p15="http://schemas.microsoft.com/office/powerpoint/2012/main" xmlns:ahyp="http://schemas.microsoft.com/office/drawing/2018/hyperlinkcolor">
   <p:cSld>
     <p:spTree>
       <p:nvGrpSpPr>
-        <p:cNvPr id="78" name="Shape 78"/>
+        <p:cNvPr id="419" name="Shape 419"/>
         <p:cNvGrpSpPr/>
         <p:nvPr/>
       </p:nvGrpSpPr>
@@ -21991,297 +23226,7 @@
       </p:grpSpPr>
       <p:sp>
         <p:nvSpPr>
-          <p:cNvPr id="79" name="Google Shape;79;p17"/>
-          <p:cNvSpPr txBox="1"/>
-          <p:nvPr>
-            <p:ph type="ctrTitle"/>
-          </p:nvPr>
-        </p:nvSpPr>
-        <p:spPr>
-          <a:xfrm>
-            <a:off x="1445950" y="214775"/>
-            <a:ext cx="5898900" cy="675600"/>
-          </a:xfrm>
-          <a:prstGeom prst="rect">
-            <a:avLst/>
-          </a:prstGeom>
-        </p:spPr>
-        <p:txBody>
-          <a:bodyPr anchorCtr="0" anchor="b" bIns="91425" lIns="91425" spcFirstLastPara="1" rIns="91425" wrap="square" tIns="91425">
-            <a:noAutofit/>
-          </a:bodyPr>
-          <a:lstStyle/>
-          <a:p>
-            <a:pPr indent="0" lvl="0" marL="0" rtl="0" algn="ctr">
-              <a:spcBef>
-                <a:spcPts val="0"/>
-              </a:spcBef>
-              <a:spcAft>
-                <a:spcPts val="0"/>
-              </a:spcAft>
-              <a:buNone/>
-            </a:pPr>
-            <a:r>
-              <a:rPr lang="en-GB" sz="3600"/>
-              <a:t>Programming Language</a:t>
-            </a:r>
-            <a:endParaRPr sz="3600"/>
-          </a:p>
-        </p:txBody>
-      </p:sp>
-      <p:sp>
-        <p:nvSpPr>
-          <p:cNvPr id="80" name="Google Shape;80;p17"/>
-          <p:cNvSpPr txBox="1"/>
-          <p:nvPr>
-            <p:ph idx="1" type="subTitle"/>
-          </p:nvPr>
-        </p:nvSpPr>
-        <p:spPr>
-          <a:xfrm>
-            <a:off x="449325" y="1715950"/>
-            <a:ext cx="4831800" cy="3120000"/>
-          </a:xfrm>
-          <a:prstGeom prst="rect">
-            <a:avLst/>
-          </a:prstGeom>
-        </p:spPr>
-        <p:txBody>
-          <a:bodyPr anchorCtr="0" anchor="t" bIns="91425" lIns="91425" spcFirstLastPara="1" rIns="91425" wrap="square" tIns="91425">
-            <a:normAutofit lnSpcReduction="10000"/>
-          </a:bodyPr>
-          <a:lstStyle/>
-          <a:p>
-            <a:pPr indent="0" lvl="0" marL="0" rtl="0" algn="l">
-              <a:spcBef>
-                <a:spcPts val="0"/>
-              </a:spcBef>
-              <a:spcAft>
-                <a:spcPts val="0"/>
-              </a:spcAft>
-              <a:buNone/>
-            </a:pPr>
-            <a:r>
-              <a:rPr lang="en-GB"/>
-              <a:t>Java is a high-level, class-based, object-oriented programming language</a:t>
-            </a:r>
-            <a:endParaRPr/>
-          </a:p>
-          <a:p>
-            <a:pPr indent="0" lvl="0" marL="0" rtl="0" algn="l">
-              <a:spcBef>
-                <a:spcPts val="0"/>
-              </a:spcBef>
-              <a:spcAft>
-                <a:spcPts val="0"/>
-              </a:spcAft>
-              <a:buNone/>
-            </a:pPr>
-            <a:r>
-              <a:t/>
-            </a:r>
-            <a:endParaRPr/>
-          </a:p>
-          <a:p>
-            <a:pPr indent="0" lvl="0" marL="0" rtl="0" algn="l">
-              <a:spcBef>
-                <a:spcPts val="0"/>
-              </a:spcBef>
-              <a:spcAft>
-                <a:spcPts val="0"/>
-              </a:spcAft>
-              <a:buNone/>
-            </a:pPr>
-            <a:r>
-              <a:rPr lang="en-GB"/>
-              <a:t>As we said above we were </a:t>
-            </a:r>
-            <a:r>
-              <a:rPr lang="en-GB"/>
-              <a:t>studying concepts of OOP in JAVA.</a:t>
-            </a:r>
-            <a:endParaRPr/>
-          </a:p>
-          <a:p>
-            <a:pPr indent="0" lvl="0" marL="0" rtl="0" algn="l">
-              <a:spcBef>
-                <a:spcPts val="0"/>
-              </a:spcBef>
-              <a:spcAft>
-                <a:spcPts val="0"/>
-              </a:spcAft>
-              <a:buNone/>
-            </a:pPr>
-            <a:r>
-              <a:t/>
-            </a:r>
-            <a:endParaRPr/>
-          </a:p>
-          <a:p>
-            <a:pPr indent="0" lvl="0" marL="0" rtl="0" algn="l">
-              <a:spcBef>
-                <a:spcPts val="0"/>
-              </a:spcBef>
-              <a:spcAft>
-                <a:spcPts val="0"/>
-              </a:spcAft>
-              <a:buNone/>
-            </a:pPr>
-            <a:r>
-              <a:rPr lang="en-GB"/>
-              <a:t>So there was no choice</a:t>
-            </a:r>
-            <a:endParaRPr/>
-          </a:p>
-        </p:txBody>
-      </p:sp>
-      <p:sp>
-        <p:nvSpPr>
-          <p:cNvPr id="81" name="Google Shape;81;p17"/>
-          <p:cNvSpPr txBox="1"/>
-          <p:nvPr>
-            <p:ph type="ctrTitle"/>
-          </p:nvPr>
-        </p:nvSpPr>
-        <p:spPr>
-          <a:xfrm>
-            <a:off x="449325" y="1040350"/>
-            <a:ext cx="3618600" cy="675600"/>
-          </a:xfrm>
-          <a:prstGeom prst="rect">
-            <a:avLst/>
-          </a:prstGeom>
-        </p:spPr>
-        <p:txBody>
-          <a:bodyPr anchorCtr="0" anchor="b" bIns="91425" lIns="91425" spcFirstLastPara="1" rIns="91425" wrap="square" tIns="91425">
-            <a:noAutofit/>
-          </a:bodyPr>
-          <a:lstStyle/>
-          <a:p>
-            <a:pPr indent="0" lvl="0" marL="0" rtl="0" algn="l">
-              <a:spcBef>
-                <a:spcPts val="0"/>
-              </a:spcBef>
-              <a:spcAft>
-                <a:spcPts val="0"/>
-              </a:spcAft>
-              <a:buNone/>
-            </a:pPr>
-            <a:r>
-              <a:rPr lang="en-GB"/>
-              <a:t>Java</a:t>
-            </a:r>
-            <a:endParaRPr/>
-          </a:p>
-        </p:txBody>
-      </p:sp>
-      <p:sp>
-        <p:nvSpPr>
-          <p:cNvPr id="82" name="Google Shape;82;p17"/>
-          <p:cNvSpPr/>
-          <p:nvPr/>
-        </p:nvSpPr>
-        <p:spPr>
-          <a:xfrm>
-            <a:off x="5923450" y="1434850"/>
-            <a:ext cx="2222100" cy="2980200"/>
-          </a:xfrm>
-          <a:prstGeom prst="flowChartAlternateProcess">
-            <a:avLst/>
-          </a:prstGeom>
-          <a:solidFill>
-            <a:srgbClr val="A4C2F4">
-              <a:alpha val="44690"/>
-            </a:srgbClr>
-          </a:solidFill>
-          <a:ln cap="flat" cmpd="sng" w="9525">
-            <a:solidFill>
-              <a:schemeClr val="dk2"/>
-            </a:solidFill>
-            <a:prstDash val="solid"/>
-            <a:round/>
-            <a:headEnd len="sm" w="sm" type="none"/>
-            <a:tailEnd len="sm" w="sm" type="none"/>
-          </a:ln>
-        </p:spPr>
-        <p:txBody>
-          <a:bodyPr anchorCtr="0" anchor="ctr" bIns="91425" lIns="91425" spcFirstLastPara="1" rIns="91425" wrap="square" tIns="91425">
-            <a:noAutofit/>
-          </a:bodyPr>
-          <a:lstStyle/>
-          <a:p>
-            <a:pPr indent="0" lvl="0" marL="0" rtl="0" algn="l">
-              <a:spcBef>
-                <a:spcPts val="0"/>
-              </a:spcBef>
-              <a:spcAft>
-                <a:spcPts val="0"/>
-              </a:spcAft>
-              <a:buNone/>
-            </a:pPr>
-            <a:r>
-              <a:t/>
-            </a:r>
-            <a:endParaRPr/>
-          </a:p>
-        </p:txBody>
-      </p:sp>
-      <p:pic>
-        <p:nvPicPr>
-          <p:cNvPr id="83" name="Google Shape;83;p17"/>
-          <p:cNvPicPr preferRelativeResize="0"/>
-          <p:nvPr/>
-        </p:nvPicPr>
-        <p:blipFill>
-          <a:blip r:embed="rId3">
-            <a:alphaModFix/>
-          </a:blip>
-          <a:stretch>
-            <a:fillRect/>
-          </a:stretch>
-        </p:blipFill>
-        <p:spPr>
-          <a:xfrm>
-            <a:off x="6003250" y="1554638"/>
-            <a:ext cx="1974225" cy="2667025"/>
-          </a:xfrm>
-          <a:prstGeom prst="rect">
-            <a:avLst/>
-          </a:prstGeom>
-          <a:noFill/>
-          <a:ln>
-            <a:noFill/>
-          </a:ln>
-        </p:spPr>
-      </p:pic>
-    </p:spTree>
-  </p:cSld>
-  <p:clrMapOvr>
-    <a:masterClrMapping/>
-  </p:clrMapOvr>
-</p:sld>
-</file>
-
-<file path=ppt/slides/slide50.xml><?xml version="1.0" encoding="utf-8"?>
-<p:sld xmlns:a="http://schemas.openxmlformats.org/drawingml/2006/main" xmlns:r="http://schemas.openxmlformats.org/officeDocument/2006/relationships" xmlns:mc="http://schemas.openxmlformats.org/markup-compatibility/2006" xmlns:mv="urn:schemas-microsoft-com:mac:vml" xmlns:p="http://schemas.openxmlformats.org/presentationml/2006/main" xmlns:c="http://schemas.openxmlformats.org/drawingml/2006/chart" xmlns:dgm="http://schemas.openxmlformats.org/drawingml/2006/diagram" xmlns:o="urn:schemas-microsoft-com:office:office" xmlns:v="urn:schemas-microsoft-com:vml" xmlns:pvml="urn:schemas-microsoft-com:office:powerpoint" xmlns:com="http://schemas.openxmlformats.org/drawingml/2006/compatibility" xmlns:p14="http://schemas.microsoft.com/office/powerpoint/2010/main" xmlns:p15="http://schemas.microsoft.com/office/powerpoint/2012/main" xmlns:ahyp="http://schemas.microsoft.com/office/drawing/2018/hyperlinkcolor">
-  <p:cSld>
-    <p:spTree>
-      <p:nvGrpSpPr>
-        <p:cNvPr id="405" name="Shape 405"/>
-        <p:cNvGrpSpPr/>
-        <p:nvPr/>
-      </p:nvGrpSpPr>
-      <p:grpSpPr>
-        <a:xfrm>
-          <a:off x="0" y="0"/>
-          <a:ext cx="0" cy="0"/>
-          <a:chOff x="0" y="0"/>
-          <a:chExt cx="0" cy="0"/>
-        </a:xfrm>
-      </p:grpSpPr>
-      <p:sp>
-        <p:nvSpPr>
-          <p:cNvPr id="406" name="Google Shape;406;p62"/>
+          <p:cNvPr id="420" name="Google Shape;420;p64"/>
           <p:cNvSpPr txBox="1"/>
           <p:nvPr>
             <p:ph type="ctrTitle"/>
@@ -22362,7 +23307,7 @@
                                           </p:stCondLst>
                                         </p:cTn>
                                         <p:tgtEl>
-                                          <p:spTgt spid="406"/>
+                                          <p:spTgt spid="420"/>
                                         </p:tgtEl>
                                         <p:attrNameLst>
                                           <p:attrName>style.visibility</p:attrName>
@@ -22376,7 +23321,7 @@
                                       <p:cBhvr additive="base">
                                         <p:cTn dur="600"/>
                                         <p:tgtEl>
-                                          <p:spTgt spid="406"/>
+                                          <p:spTgt spid="420"/>
                                         </p:tgtEl>
                                         <p:attrNameLst>
                                           <p:attrName>ppt_x</p:attrName>
@@ -23521,6 +24466,285 @@
 </file>
 
 <file path=ppt/theme/theme1.xml><?xml version="1.0" encoding="utf-8"?>
+<a:theme xmlns:a="http://schemas.openxmlformats.org/drawingml/2006/main" xmlns:r="http://schemas.openxmlformats.org/officeDocument/2006/relationships" name="Simple Light">
+  <a:themeElements>
+    <a:clrScheme name="Simple Light">
+      <a:dk1>
+        <a:srgbClr val="000000"/>
+      </a:dk1>
+      <a:lt1>
+        <a:srgbClr val="FFFFFF"/>
+      </a:lt1>
+      <a:dk2>
+        <a:srgbClr val="595959"/>
+      </a:dk2>
+      <a:lt2>
+        <a:srgbClr val="EEEEEE"/>
+      </a:lt2>
+      <a:accent1>
+        <a:srgbClr val="4285F4"/>
+      </a:accent1>
+      <a:accent2>
+        <a:srgbClr val="212121"/>
+      </a:accent2>
+      <a:accent3>
+        <a:srgbClr val="78909C"/>
+      </a:accent3>
+      <a:accent4>
+        <a:srgbClr val="FFAB40"/>
+      </a:accent4>
+      <a:accent5>
+        <a:srgbClr val="0097A7"/>
+      </a:accent5>
+      <a:accent6>
+        <a:srgbClr val="EEFF41"/>
+      </a:accent6>
+      <a:hlink>
+        <a:srgbClr val="0097A7"/>
+      </a:hlink>
+      <a:folHlink>
+        <a:srgbClr val="0097A7"/>
+      </a:folHlink>
+    </a:clrScheme>
+    <a:fontScheme name="Office">
+      <a:majorFont>
+        <a:latin typeface="Arial"/>
+        <a:ea typeface=""/>
+        <a:cs typeface=""/>
+        <a:font script="Jpan" typeface="ＭＳ Ｐゴシック"/>
+        <a:font script="Hang" typeface="맑은 고딕"/>
+        <a:font script="Hans" typeface="宋体"/>
+        <a:font script="Hant" typeface="新細明體"/>
+        <a:font script="Arab" typeface="Times New Roman"/>
+        <a:font script="Hebr" typeface="Times New Roman"/>
+        <a:font script="Thai" typeface="Angsana New"/>
+        <a:font script="Ethi" typeface="Nyala"/>
+        <a:font script="Beng" typeface="Vrinda"/>
+        <a:font script="Gujr" typeface="Shruti"/>
+        <a:font script="Khmr" typeface="MoolBoran"/>
+        <a:font script="Knda" typeface="Tunga"/>
+        <a:font script="Guru" typeface="Raavi"/>
+        <a:font script="Cans" typeface="Euphemia"/>
+        <a:font script="Cher" typeface="Plantagenet Cherokee"/>
+        <a:font script="Yiii" typeface="Microsoft Yi Baiti"/>
+        <a:font script="Tibt" typeface="Microsoft Himalaya"/>
+        <a:font script="Thaa" typeface="MV Boli"/>
+        <a:font script="Deva" typeface="Mangal"/>
+        <a:font script="Telu" typeface="Gautami"/>
+        <a:font script="Taml" typeface="Latha"/>
+        <a:font script="Syrc" typeface="Estrangelo Edessa"/>
+        <a:font script="Orya" typeface="Kalinga"/>
+        <a:font script="Mlym" typeface="Kartika"/>
+        <a:font script="Laoo" typeface="DokChampa"/>
+        <a:font script="Sinh" typeface="Iskoola Pota"/>
+        <a:font script="Mong" typeface="Mongolian Baiti"/>
+        <a:font script="Viet" typeface="Times New Roman"/>
+        <a:font script="Uigh" typeface="Microsoft Uighur"/>
+        <a:font script="Geor" typeface="Sylfaen"/>
+      </a:majorFont>
+      <a:minorFont>
+        <a:latin typeface="Arial"/>
+        <a:ea typeface=""/>
+        <a:cs typeface=""/>
+        <a:font script="Jpan" typeface="ＭＳ Ｐゴシック"/>
+        <a:font script="Hang" typeface="맑은 고딕"/>
+        <a:font script="Hans" typeface="宋体"/>
+        <a:font script="Hant" typeface="新細明體"/>
+        <a:font script="Arab" typeface="Arial"/>
+        <a:font script="Hebr" typeface="Arial"/>
+        <a:font script="Thai" typeface="Cordia New"/>
+        <a:font script="Ethi" typeface="Nyala"/>
+        <a:font script="Beng" typeface="Vrinda"/>
+        <a:font script="Gujr" typeface="Shruti"/>
+        <a:font script="Khmr" typeface="DaunPenh"/>
+        <a:font script="Knda" typeface="Tunga"/>
+        <a:font script="Guru" typeface="Raavi"/>
+        <a:font script="Cans" typeface="Euphemia"/>
+        <a:font script="Cher" typeface="Plantagenet Cherokee"/>
+        <a:font script="Yiii" typeface="Microsoft Yi Baiti"/>
+        <a:font script="Tibt" typeface="Microsoft Himalaya"/>
+        <a:font script="Thaa" typeface="MV Boli"/>
+        <a:font script="Deva" typeface="Mangal"/>
+        <a:font script="Telu" typeface="Gautami"/>
+        <a:font script="Taml" typeface="Latha"/>
+        <a:font script="Syrc" typeface="Estrangelo Edessa"/>
+        <a:font script="Orya" typeface="Kalinga"/>
+        <a:font script="Mlym" typeface="Kartika"/>
+        <a:font script="Laoo" typeface="DokChampa"/>
+        <a:font script="Sinh" typeface="Iskoola Pota"/>
+        <a:font script="Mong" typeface="Mongolian Baiti"/>
+        <a:font script="Viet" typeface="Arial"/>
+        <a:font script="Uigh" typeface="Microsoft Uighur"/>
+        <a:font script="Geor" typeface="Sylfaen"/>
+      </a:minorFont>
+    </a:fontScheme>
+    <a:fmtScheme name="Office">
+      <a:fillStyleLst>
+        <a:solidFill>
+          <a:schemeClr val="phClr"/>
+        </a:solidFill>
+        <a:gradFill rotWithShape="1">
+          <a:gsLst>
+            <a:gs pos="0">
+              <a:schemeClr val="phClr">
+                <a:tint val="50000"/>
+                <a:satMod val="300000"/>
+              </a:schemeClr>
+            </a:gs>
+            <a:gs pos="35000">
+              <a:schemeClr val="phClr">
+                <a:tint val="37000"/>
+                <a:satMod val="300000"/>
+              </a:schemeClr>
+            </a:gs>
+            <a:gs pos="100000">
+              <a:schemeClr val="phClr">
+                <a:tint val="15000"/>
+                <a:satMod val="350000"/>
+              </a:schemeClr>
+            </a:gs>
+          </a:gsLst>
+          <a:lin ang="16200000" scaled="1"/>
+        </a:gradFill>
+        <a:gradFill rotWithShape="1">
+          <a:gsLst>
+            <a:gs pos="0">
+              <a:schemeClr val="phClr">
+                <a:tint val="100000"/>
+                <a:shade val="100000"/>
+                <a:satMod val="130000"/>
+              </a:schemeClr>
+            </a:gs>
+            <a:gs pos="100000">
+              <a:schemeClr val="phClr">
+                <a:tint val="50000"/>
+                <a:shade val="100000"/>
+                <a:satMod val="350000"/>
+              </a:schemeClr>
+            </a:gs>
+          </a:gsLst>
+          <a:lin ang="16200000" scaled="0"/>
+        </a:gradFill>
+      </a:fillStyleLst>
+      <a:lnStyleLst>
+        <a:ln w="9525" cap="flat" cmpd="sng" algn="ctr">
+          <a:solidFill>
+            <a:schemeClr val="phClr">
+              <a:shade val="95000"/>
+              <a:satMod val="105000"/>
+            </a:schemeClr>
+          </a:solidFill>
+          <a:prstDash val="solid"/>
+        </a:ln>
+        <a:ln w="25400" cap="flat" cmpd="sng" algn="ctr">
+          <a:solidFill>
+            <a:schemeClr val="phClr"/>
+          </a:solidFill>
+          <a:prstDash val="solid"/>
+        </a:ln>
+        <a:ln w="38100" cap="flat" cmpd="sng" algn="ctr">
+          <a:solidFill>
+            <a:schemeClr val="phClr"/>
+          </a:solidFill>
+          <a:prstDash val="solid"/>
+        </a:ln>
+      </a:lnStyleLst>
+      <a:effectStyleLst>
+        <a:effectStyle>
+          <a:effectLst>
+            <a:outerShdw blurRad="40000" dist="20000" dir="5400000" rotWithShape="0">
+              <a:srgbClr val="000000">
+                <a:alpha val="38000"/>
+              </a:srgbClr>
+            </a:outerShdw>
+          </a:effectLst>
+        </a:effectStyle>
+        <a:effectStyle>
+          <a:effectLst>
+            <a:outerShdw blurRad="40000" dist="23000" dir="5400000" rotWithShape="0">
+              <a:srgbClr val="000000">
+                <a:alpha val="35000"/>
+              </a:srgbClr>
+            </a:outerShdw>
+          </a:effectLst>
+        </a:effectStyle>
+        <a:effectStyle>
+          <a:effectLst>
+            <a:outerShdw blurRad="40000" dist="23000" dir="5400000" rotWithShape="0">
+              <a:srgbClr val="000000">
+                <a:alpha val="35000"/>
+              </a:srgbClr>
+            </a:outerShdw>
+          </a:effectLst>
+          <a:scene3d>
+            <a:camera prst="orthographicFront">
+              <a:rot lat="0" lon="0" rev="0"/>
+            </a:camera>
+            <a:lightRig rig="threePt" dir="t">
+              <a:rot lat="0" lon="0" rev="1200000"/>
+            </a:lightRig>
+          </a:scene3d>
+          <a:sp3d>
+            <a:bevelT w="63500" h="25400"/>
+          </a:sp3d>
+        </a:effectStyle>
+      </a:effectStyleLst>
+      <a:bgFillStyleLst>
+        <a:solidFill>
+          <a:schemeClr val="phClr"/>
+        </a:solidFill>
+        <a:gradFill rotWithShape="1">
+          <a:gsLst>
+            <a:gs pos="0">
+              <a:schemeClr val="phClr">
+                <a:tint val="40000"/>
+                <a:satMod val="350000"/>
+              </a:schemeClr>
+            </a:gs>
+            <a:gs pos="40000">
+              <a:schemeClr val="phClr">
+                <a:tint val="45000"/>
+                <a:shade val="99000"/>
+                <a:satMod val="350000"/>
+              </a:schemeClr>
+            </a:gs>
+            <a:gs pos="100000">
+              <a:schemeClr val="phClr">
+                <a:shade val="20000"/>
+                <a:satMod val="255000"/>
+              </a:schemeClr>
+            </a:gs>
+          </a:gsLst>
+          <a:path path="circle">
+            <a:fillToRect l="50000" t="-80000" r="50000" b="180000"/>
+          </a:path>
+        </a:gradFill>
+        <a:gradFill rotWithShape="1">
+          <a:gsLst>
+            <a:gs pos="0">
+              <a:schemeClr val="phClr">
+                <a:tint val="80000"/>
+                <a:satMod val="300000"/>
+              </a:schemeClr>
+            </a:gs>
+            <a:gs pos="100000">
+              <a:schemeClr val="phClr">
+                <a:shade val="30000"/>
+                <a:satMod val="200000"/>
+              </a:schemeClr>
+            </a:gs>
+          </a:gsLst>
+          <a:path path="circle">
+            <a:fillToRect l="50000" t="50000" r="50000" b="50000"/>
+          </a:path>
+        </a:gradFill>
+      </a:bgFillStyleLst>
+    </a:fmtScheme>
+  </a:themeElements>
+</a:theme>
+</file>
+
+<file path=ppt/theme/theme2.xml><?xml version="1.0" encoding="utf-8"?>
 <a:theme xmlns:a="http://schemas.openxmlformats.org/drawingml/2006/main" xmlns:r="http://schemas.openxmlformats.org/officeDocument/2006/relationships">
   <a:themeElements>
     <a:clrScheme name="Default">
@@ -23797,283 +25021,4 @@
     </a:fmtScheme>
   </a:themeElements>
 </a:theme>
-</file>
-
-<file path=ppt/theme/theme2.xml><?xml version="1.0" encoding="utf-8"?>
-<a:theme xmlns:a="http://schemas.openxmlformats.org/drawingml/2006/main" xmlns:r="http://schemas.openxmlformats.org/officeDocument/2006/relationships" name="Simple Light">
-  <a:themeElements>
-    <a:clrScheme name="Simple Light">
-      <a:dk1>
-        <a:srgbClr val="000000"/>
-      </a:dk1>
-      <a:lt1>
-        <a:srgbClr val="FFFFFF"/>
-      </a:lt1>
-      <a:dk2>
-        <a:srgbClr val="595959"/>
-      </a:dk2>
-      <a:lt2>
-        <a:srgbClr val="EEEEEE"/>
-      </a:lt2>
-      <a:accent1>
-        <a:srgbClr val="4285F4"/>
-      </a:accent1>
-      <a:accent2>
-        <a:srgbClr val="212121"/>
-      </a:accent2>
-      <a:accent3>
-        <a:srgbClr val="78909C"/>
-      </a:accent3>
-      <a:accent4>
-        <a:srgbClr val="FFAB40"/>
-      </a:accent4>
-      <a:accent5>
-        <a:srgbClr val="0097A7"/>
-      </a:accent5>
-      <a:accent6>
-        <a:srgbClr val="EEFF41"/>
-      </a:accent6>
-      <a:hlink>
-        <a:srgbClr val="0097A7"/>
-      </a:hlink>
-      <a:folHlink>
-        <a:srgbClr val="0097A7"/>
-      </a:folHlink>
-    </a:clrScheme>
-    <a:fontScheme name="Office">
-      <a:majorFont>
-        <a:latin typeface="Arial"/>
-        <a:ea typeface=""/>
-        <a:cs typeface=""/>
-        <a:font script="Jpan" typeface="ＭＳ Ｐゴシック"/>
-        <a:font script="Hang" typeface="맑은 고딕"/>
-        <a:font script="Hans" typeface="宋体"/>
-        <a:font script="Hant" typeface="新細明體"/>
-        <a:font script="Arab" typeface="Times New Roman"/>
-        <a:font script="Hebr" typeface="Times New Roman"/>
-        <a:font script="Thai" typeface="Angsana New"/>
-        <a:font script="Ethi" typeface="Nyala"/>
-        <a:font script="Beng" typeface="Vrinda"/>
-        <a:font script="Gujr" typeface="Shruti"/>
-        <a:font script="Khmr" typeface="MoolBoran"/>
-        <a:font script="Knda" typeface="Tunga"/>
-        <a:font script="Guru" typeface="Raavi"/>
-        <a:font script="Cans" typeface="Euphemia"/>
-        <a:font script="Cher" typeface="Plantagenet Cherokee"/>
-        <a:font script="Yiii" typeface="Microsoft Yi Baiti"/>
-        <a:font script="Tibt" typeface="Microsoft Himalaya"/>
-        <a:font script="Thaa" typeface="MV Boli"/>
-        <a:font script="Deva" typeface="Mangal"/>
-        <a:font script="Telu" typeface="Gautami"/>
-        <a:font script="Taml" typeface="Latha"/>
-        <a:font script="Syrc" typeface="Estrangelo Edessa"/>
-        <a:font script="Orya" typeface="Kalinga"/>
-        <a:font script="Mlym" typeface="Kartika"/>
-        <a:font script="Laoo" typeface="DokChampa"/>
-        <a:font script="Sinh" typeface="Iskoola Pota"/>
-        <a:font script="Mong" typeface="Mongolian Baiti"/>
-        <a:font script="Viet" typeface="Times New Roman"/>
-        <a:font script="Uigh" typeface="Microsoft Uighur"/>
-        <a:font script="Geor" typeface="Sylfaen"/>
-      </a:majorFont>
-      <a:minorFont>
-        <a:latin typeface="Arial"/>
-        <a:ea typeface=""/>
-        <a:cs typeface=""/>
-        <a:font script="Jpan" typeface="ＭＳ Ｐゴシック"/>
-        <a:font script="Hang" typeface="맑은 고딕"/>
-        <a:font script="Hans" typeface="宋体"/>
-        <a:font script="Hant" typeface="新細明體"/>
-        <a:font script="Arab" typeface="Arial"/>
-        <a:font script="Hebr" typeface="Arial"/>
-        <a:font script="Thai" typeface="Cordia New"/>
-        <a:font script="Ethi" typeface="Nyala"/>
-        <a:font script="Beng" typeface="Vrinda"/>
-        <a:font script="Gujr" typeface="Shruti"/>
-        <a:font script="Khmr" typeface="DaunPenh"/>
-        <a:font script="Knda" typeface="Tunga"/>
-        <a:font script="Guru" typeface="Raavi"/>
-        <a:font script="Cans" typeface="Euphemia"/>
-        <a:font script="Cher" typeface="Plantagenet Cherokee"/>
-        <a:font script="Yiii" typeface="Microsoft Yi Baiti"/>
-        <a:font script="Tibt" typeface="Microsoft Himalaya"/>
-        <a:font script="Thaa" typeface="MV Boli"/>
-        <a:font script="Deva" typeface="Mangal"/>
-        <a:font script="Telu" typeface="Gautami"/>
-        <a:font script="Taml" typeface="Latha"/>
-        <a:font script="Syrc" typeface="Estrangelo Edessa"/>
-        <a:font script="Orya" typeface="Kalinga"/>
-        <a:font script="Mlym" typeface="Kartika"/>
-        <a:font script="Laoo" typeface="DokChampa"/>
-        <a:font script="Sinh" typeface="Iskoola Pota"/>
-        <a:font script="Mong" typeface="Mongolian Baiti"/>
-        <a:font script="Viet" typeface="Arial"/>
-        <a:font script="Uigh" typeface="Microsoft Uighur"/>
-        <a:font script="Geor" typeface="Sylfaen"/>
-      </a:minorFont>
-    </a:fontScheme>
-    <a:fmtScheme name="Office">
-      <a:fillStyleLst>
-        <a:solidFill>
-          <a:schemeClr val="phClr"/>
-        </a:solidFill>
-        <a:gradFill rotWithShape="1">
-          <a:gsLst>
-            <a:gs pos="0">
-              <a:schemeClr val="phClr">
-                <a:tint val="50000"/>
-                <a:satMod val="300000"/>
-              </a:schemeClr>
-            </a:gs>
-            <a:gs pos="35000">
-              <a:schemeClr val="phClr">
-                <a:tint val="37000"/>
-                <a:satMod val="300000"/>
-              </a:schemeClr>
-            </a:gs>
-            <a:gs pos="100000">
-              <a:schemeClr val="phClr">
-                <a:tint val="15000"/>
-                <a:satMod val="350000"/>
-              </a:schemeClr>
-            </a:gs>
-          </a:gsLst>
-          <a:lin ang="16200000" scaled="1"/>
-        </a:gradFill>
-        <a:gradFill rotWithShape="1">
-          <a:gsLst>
-            <a:gs pos="0">
-              <a:schemeClr val="phClr">
-                <a:tint val="100000"/>
-                <a:shade val="100000"/>
-                <a:satMod val="130000"/>
-              </a:schemeClr>
-            </a:gs>
-            <a:gs pos="100000">
-              <a:schemeClr val="phClr">
-                <a:tint val="50000"/>
-                <a:shade val="100000"/>
-                <a:satMod val="350000"/>
-              </a:schemeClr>
-            </a:gs>
-          </a:gsLst>
-          <a:lin ang="16200000" scaled="0"/>
-        </a:gradFill>
-      </a:fillStyleLst>
-      <a:lnStyleLst>
-        <a:ln w="9525" cap="flat" cmpd="sng" algn="ctr">
-          <a:solidFill>
-            <a:schemeClr val="phClr">
-              <a:shade val="95000"/>
-              <a:satMod val="105000"/>
-            </a:schemeClr>
-          </a:solidFill>
-          <a:prstDash val="solid"/>
-        </a:ln>
-        <a:ln w="25400" cap="flat" cmpd="sng" algn="ctr">
-          <a:solidFill>
-            <a:schemeClr val="phClr"/>
-          </a:solidFill>
-          <a:prstDash val="solid"/>
-        </a:ln>
-        <a:ln w="38100" cap="flat" cmpd="sng" algn="ctr">
-          <a:solidFill>
-            <a:schemeClr val="phClr"/>
-          </a:solidFill>
-          <a:prstDash val="solid"/>
-        </a:ln>
-      </a:lnStyleLst>
-      <a:effectStyleLst>
-        <a:effectStyle>
-          <a:effectLst>
-            <a:outerShdw blurRad="40000" dist="20000" dir="5400000" rotWithShape="0">
-              <a:srgbClr val="000000">
-                <a:alpha val="38000"/>
-              </a:srgbClr>
-            </a:outerShdw>
-          </a:effectLst>
-        </a:effectStyle>
-        <a:effectStyle>
-          <a:effectLst>
-            <a:outerShdw blurRad="40000" dist="23000" dir="5400000" rotWithShape="0">
-              <a:srgbClr val="000000">
-                <a:alpha val="35000"/>
-              </a:srgbClr>
-            </a:outerShdw>
-          </a:effectLst>
-        </a:effectStyle>
-        <a:effectStyle>
-          <a:effectLst>
-            <a:outerShdw blurRad="40000" dist="23000" dir="5400000" rotWithShape="0">
-              <a:srgbClr val="000000">
-                <a:alpha val="35000"/>
-              </a:srgbClr>
-            </a:outerShdw>
-          </a:effectLst>
-          <a:scene3d>
-            <a:camera prst="orthographicFront">
-              <a:rot lat="0" lon="0" rev="0"/>
-            </a:camera>
-            <a:lightRig rig="threePt" dir="t">
-              <a:rot lat="0" lon="0" rev="1200000"/>
-            </a:lightRig>
-          </a:scene3d>
-          <a:sp3d>
-            <a:bevelT w="63500" h="25400"/>
-          </a:sp3d>
-        </a:effectStyle>
-      </a:effectStyleLst>
-      <a:bgFillStyleLst>
-        <a:solidFill>
-          <a:schemeClr val="phClr"/>
-        </a:solidFill>
-        <a:gradFill rotWithShape="1">
-          <a:gsLst>
-            <a:gs pos="0">
-              <a:schemeClr val="phClr">
-                <a:tint val="40000"/>
-                <a:satMod val="350000"/>
-              </a:schemeClr>
-            </a:gs>
-            <a:gs pos="40000">
-              <a:schemeClr val="phClr">
-                <a:tint val="45000"/>
-                <a:shade val="99000"/>
-                <a:satMod val="350000"/>
-              </a:schemeClr>
-            </a:gs>
-            <a:gs pos="100000">
-              <a:schemeClr val="phClr">
-                <a:shade val="20000"/>
-                <a:satMod val="255000"/>
-              </a:schemeClr>
-            </a:gs>
-          </a:gsLst>
-          <a:path path="circle">
-            <a:fillToRect l="50000" t="-80000" r="50000" b="180000"/>
-          </a:path>
-        </a:gradFill>
-        <a:gradFill rotWithShape="1">
-          <a:gsLst>
-            <a:gs pos="0">
-              <a:schemeClr val="phClr">
-                <a:tint val="80000"/>
-                <a:satMod val="300000"/>
-              </a:schemeClr>
-            </a:gs>
-            <a:gs pos="100000">
-              <a:schemeClr val="phClr">
-                <a:shade val="30000"/>
-                <a:satMod val="200000"/>
-              </a:schemeClr>
-            </a:gs>
-          </a:gsLst>
-          <a:path path="circle">
-            <a:fillToRect l="50000" t="50000" r="50000" b="50000"/>
-          </a:path>
-        </a:gradFill>
-      </a:bgFillStyleLst>
-    </a:fmtScheme>
-  </a:themeElements>
-</a:theme>
 </file>